--- a/Pics_Creation.pptx
+++ b/Pics_Creation.pptx
@@ -3947,7 +3947,7 @@
           <a:p>
             <a:fld id="{5B0F8300-5ADF-476D-9D83-D0A9D89B3544}" type="datetimeFigureOut">
               <a:rPr lang="en-US" smtClean="0"/>
-              <a:t>10/30/2022</a:t>
+              <a:t>11/1/2022</a:t>
             </a:fld>
             <a:endParaRPr lang="en-US"/>
           </a:p>
@@ -4445,7 +4445,7 @@
           <a:p>
             <a:fld id="{00A575C4-B465-4BE3-9035-C3BD64146F6E}" type="datetimeFigureOut">
               <a:rPr lang="en-US" smtClean="0"/>
-              <a:t>10/30/2022</a:t>
+              <a:t>11/1/2022</a:t>
             </a:fld>
             <a:endParaRPr lang="en-US"/>
           </a:p>
@@ -4643,7 +4643,7 @@
           <a:p>
             <a:fld id="{00A575C4-B465-4BE3-9035-C3BD64146F6E}" type="datetimeFigureOut">
               <a:rPr lang="en-US" smtClean="0"/>
-              <a:t>10/30/2022</a:t>
+              <a:t>11/1/2022</a:t>
             </a:fld>
             <a:endParaRPr lang="en-US"/>
           </a:p>
@@ -4851,7 +4851,7 @@
           <a:p>
             <a:fld id="{00A575C4-B465-4BE3-9035-C3BD64146F6E}" type="datetimeFigureOut">
               <a:rPr lang="en-US" smtClean="0"/>
-              <a:t>10/30/2022</a:t>
+              <a:t>11/1/2022</a:t>
             </a:fld>
             <a:endParaRPr lang="en-US"/>
           </a:p>
@@ -5049,7 +5049,7 @@
           <a:p>
             <a:fld id="{00A575C4-B465-4BE3-9035-C3BD64146F6E}" type="datetimeFigureOut">
               <a:rPr lang="en-US" smtClean="0"/>
-              <a:t>10/30/2022</a:t>
+              <a:t>11/1/2022</a:t>
             </a:fld>
             <a:endParaRPr lang="en-US"/>
           </a:p>
@@ -5324,7 +5324,7 @@
           <a:p>
             <a:fld id="{00A575C4-B465-4BE3-9035-C3BD64146F6E}" type="datetimeFigureOut">
               <a:rPr lang="en-US" smtClean="0"/>
-              <a:t>10/30/2022</a:t>
+              <a:t>11/1/2022</a:t>
             </a:fld>
             <a:endParaRPr lang="en-US"/>
           </a:p>
@@ -5589,7 +5589,7 @@
           <a:p>
             <a:fld id="{00A575C4-B465-4BE3-9035-C3BD64146F6E}" type="datetimeFigureOut">
               <a:rPr lang="en-US" smtClean="0"/>
-              <a:t>10/30/2022</a:t>
+              <a:t>11/1/2022</a:t>
             </a:fld>
             <a:endParaRPr lang="en-US"/>
           </a:p>
@@ -6001,7 +6001,7 @@
           <a:p>
             <a:fld id="{00A575C4-B465-4BE3-9035-C3BD64146F6E}" type="datetimeFigureOut">
               <a:rPr lang="en-US" smtClean="0"/>
-              <a:t>10/30/2022</a:t>
+              <a:t>11/1/2022</a:t>
             </a:fld>
             <a:endParaRPr lang="en-US"/>
           </a:p>
@@ -6142,7 +6142,7 @@
           <a:p>
             <a:fld id="{00A575C4-B465-4BE3-9035-C3BD64146F6E}" type="datetimeFigureOut">
               <a:rPr lang="en-US" smtClean="0"/>
-              <a:t>10/30/2022</a:t>
+              <a:t>11/1/2022</a:t>
             </a:fld>
             <a:endParaRPr lang="en-US"/>
           </a:p>
@@ -6255,7 +6255,7 @@
           <a:p>
             <a:fld id="{00A575C4-B465-4BE3-9035-C3BD64146F6E}" type="datetimeFigureOut">
               <a:rPr lang="en-US" smtClean="0"/>
-              <a:t>10/30/2022</a:t>
+              <a:t>11/1/2022</a:t>
             </a:fld>
             <a:endParaRPr lang="en-US"/>
           </a:p>
@@ -6566,7 +6566,7 @@
           <a:p>
             <a:fld id="{00A575C4-B465-4BE3-9035-C3BD64146F6E}" type="datetimeFigureOut">
               <a:rPr lang="en-US" smtClean="0"/>
-              <a:t>10/30/2022</a:t>
+              <a:t>11/1/2022</a:t>
             </a:fld>
             <a:endParaRPr lang="en-US"/>
           </a:p>
@@ -6854,7 +6854,7 @@
           <a:p>
             <a:fld id="{00A575C4-B465-4BE3-9035-C3BD64146F6E}" type="datetimeFigureOut">
               <a:rPr lang="en-US" smtClean="0"/>
-              <a:t>10/30/2022</a:t>
+              <a:t>11/1/2022</a:t>
             </a:fld>
             <a:endParaRPr lang="en-US"/>
           </a:p>
@@ -7095,7 +7095,7 @@
           <a:p>
             <a:fld id="{00A575C4-B465-4BE3-9035-C3BD64146F6E}" type="datetimeFigureOut">
               <a:rPr lang="en-US" smtClean="0"/>
-              <a:t>10/30/2022</a:t>
+              <a:t>11/1/2022</a:t>
             </a:fld>
             <a:endParaRPr lang="en-US"/>
           </a:p>
@@ -10163,8 +10163,8 @@
             </p:nvSpPr>
             <p:spPr>
               <a:xfrm>
-                <a:off x="5188930" y="2920039"/>
-                <a:ext cx="1923691" cy="1017917"/>
+                <a:off x="5154232" y="2920039"/>
+                <a:ext cx="1958390" cy="1017917"/>
               </a:xfrm>
               <a:prstGeom prst="roundRect">
                 <a:avLst/>
@@ -10408,7 +10408,7 @@
             <p:spPr>
               <a:xfrm>
                 <a:off x="4783683" y="3355675"/>
-                <a:ext cx="405248" cy="189782"/>
+                <a:ext cx="357274" cy="189781"/>
               </a:xfrm>
               <a:prstGeom prst="rightArrow">
                 <a:avLst/>

--- a/Pics_Creation.pptx
+++ b/Pics_Creation.pptx
@@ -5,7 +5,7 @@
     <p:sldMasterId id="2147483648" r:id="rId1"/>
   </p:sldMasterIdLst>
   <p:notesMasterIdLst>
-    <p:notesMasterId r:id="rId7"/>
+    <p:notesMasterId r:id="rId8"/>
   </p:notesMasterIdLst>
   <p:sldIdLst>
     <p:sldId id="256" r:id="rId2"/>
@@ -13,6 +13,7 @@
     <p:sldId id="367" r:id="rId4"/>
     <p:sldId id="368" r:id="rId5"/>
     <p:sldId id="369" r:id="rId6"/>
+    <p:sldId id="370" r:id="rId7"/>
   </p:sldIdLst>
   <p:sldSz cx="12192000" cy="6858000"/>
   <p:notesSz cx="6858000" cy="9144000"/>
@@ -11916,6 +11917,565 @@
 </p:sld>
 </file>
 
+<file path=ppt/slides/slide6.xml><?xml version="1.0" encoding="utf-8"?>
+<p:sld xmlns:a="http://schemas.openxmlformats.org/drawingml/2006/main" xmlns:r="http://schemas.openxmlformats.org/officeDocument/2006/relationships" xmlns:p="http://schemas.openxmlformats.org/presentationml/2006/main">
+  <p:cSld>
+    <p:spTree>
+      <p:nvGrpSpPr>
+        <p:cNvPr id="1" name=""/>
+        <p:cNvGrpSpPr/>
+        <p:nvPr/>
+      </p:nvGrpSpPr>
+      <p:grpSpPr>
+        <a:xfrm>
+          <a:off x="0" y="0"/>
+          <a:ext cx="0" cy="0"/>
+          <a:chOff x="0" y="0"/>
+          <a:chExt cx="0" cy="0"/>
+        </a:xfrm>
+      </p:grpSpPr>
+      <p:grpSp>
+        <p:nvGrpSpPr>
+          <p:cNvPr id="15" name="Group 14">
+            <a:extLst>
+              <a:ext uri="{FF2B5EF4-FFF2-40B4-BE49-F238E27FC236}">
+                <a16:creationId xmlns:a16="http://schemas.microsoft.com/office/drawing/2014/main" id="{2447F893-A733-6C1C-9EBC-221931156F4E}"/>
+              </a:ext>
+            </a:extLst>
+          </p:cNvPr>
+          <p:cNvGrpSpPr/>
+          <p:nvPr/>
+        </p:nvGrpSpPr>
+        <p:grpSpPr>
+          <a:xfrm>
+            <a:off x="0" y="508398"/>
+            <a:ext cx="12192000" cy="4796847"/>
+            <a:chOff x="0" y="508398"/>
+            <a:chExt cx="12192000" cy="4796847"/>
+          </a:xfrm>
+        </p:grpSpPr>
+        <p:grpSp>
+          <p:nvGrpSpPr>
+            <p:cNvPr id="14" name="Group 13">
+              <a:extLst>
+                <a:ext uri="{FF2B5EF4-FFF2-40B4-BE49-F238E27FC236}">
+                  <a16:creationId xmlns:a16="http://schemas.microsoft.com/office/drawing/2014/main" id="{857C0E4B-0F3A-8012-C99D-E38EE9E64AF6}"/>
+                </a:ext>
+              </a:extLst>
+            </p:cNvPr>
+            <p:cNvGrpSpPr/>
+            <p:nvPr/>
+          </p:nvGrpSpPr>
+          <p:grpSpPr>
+            <a:xfrm>
+              <a:off x="1242203" y="1269687"/>
+              <a:ext cx="8557404" cy="4035558"/>
+              <a:chOff x="1242203" y="1079906"/>
+              <a:chExt cx="8557404" cy="4035558"/>
+            </a:xfrm>
+          </p:grpSpPr>
+          <p:sp>
+            <p:nvSpPr>
+              <p:cNvPr id="4" name="Diamond 3">
+                <a:extLst>
+                  <a:ext uri="{FF2B5EF4-FFF2-40B4-BE49-F238E27FC236}">
+                    <a16:creationId xmlns:a16="http://schemas.microsoft.com/office/drawing/2014/main" id="{515662E7-49C5-DFBA-CE81-C6E5867C4BE3}"/>
+                  </a:ext>
+                </a:extLst>
+              </p:cNvPr>
+              <p:cNvSpPr/>
+              <p:nvPr/>
+            </p:nvSpPr>
+            <p:spPr>
+              <a:xfrm>
+                <a:off x="1242203" y="1449238"/>
+                <a:ext cx="4278702" cy="3666226"/>
+              </a:xfrm>
+              <a:prstGeom prst="diamond">
+                <a:avLst/>
+              </a:prstGeom>
+              <a:solidFill>
+                <a:schemeClr val="accent4">
+                  <a:lumMod val="40000"/>
+                  <a:lumOff val="60000"/>
+                </a:schemeClr>
+              </a:solidFill>
+            </p:spPr>
+            <p:style>
+              <a:lnRef idx="2">
+                <a:schemeClr val="accent1">
+                  <a:shade val="50000"/>
+                </a:schemeClr>
+              </a:lnRef>
+              <a:fillRef idx="1">
+                <a:schemeClr val="accent1"/>
+              </a:fillRef>
+              <a:effectRef idx="0">
+                <a:schemeClr val="accent1"/>
+              </a:effectRef>
+              <a:fontRef idx="minor">
+                <a:schemeClr val="lt1"/>
+              </a:fontRef>
+            </p:style>
+            <p:txBody>
+              <a:bodyPr rtlCol="0" anchor="ctr"/>
+              <a:lstStyle/>
+              <a:p>
+                <a:pPr algn="ctr"/>
+                <a:endParaRPr lang="en-US"/>
+              </a:p>
+            </p:txBody>
+          </p:sp>
+          <p:sp>
+            <p:nvSpPr>
+              <p:cNvPr id="5" name="Diamond 4">
+                <a:extLst>
+                  <a:ext uri="{FF2B5EF4-FFF2-40B4-BE49-F238E27FC236}">
+                    <a16:creationId xmlns:a16="http://schemas.microsoft.com/office/drawing/2014/main" id="{73079363-7F66-8B90-D196-95C1B4DD852A}"/>
+                  </a:ext>
+                </a:extLst>
+              </p:cNvPr>
+              <p:cNvSpPr/>
+              <p:nvPr/>
+            </p:nvSpPr>
+            <p:spPr>
+              <a:xfrm>
+                <a:off x="5520905" y="1449238"/>
+                <a:ext cx="4278702" cy="3666226"/>
+              </a:xfrm>
+              <a:prstGeom prst="diamond">
+                <a:avLst/>
+              </a:prstGeom>
+              <a:solidFill>
+                <a:schemeClr val="accent5">
+                  <a:lumMod val="40000"/>
+                  <a:lumOff val="60000"/>
+                </a:schemeClr>
+              </a:solidFill>
+            </p:spPr>
+            <p:style>
+              <a:lnRef idx="2">
+                <a:schemeClr val="accent1">
+                  <a:shade val="50000"/>
+                </a:schemeClr>
+              </a:lnRef>
+              <a:fillRef idx="1">
+                <a:schemeClr val="accent1"/>
+              </a:fillRef>
+              <a:effectRef idx="0">
+                <a:schemeClr val="accent1"/>
+              </a:effectRef>
+              <a:fontRef idx="minor">
+                <a:schemeClr val="lt1"/>
+              </a:fontRef>
+            </p:style>
+            <p:txBody>
+              <a:bodyPr rtlCol="0" anchor="ctr"/>
+              <a:lstStyle/>
+              <a:p>
+                <a:pPr algn="ctr"/>
+                <a:endParaRPr lang="en-US"/>
+              </a:p>
+            </p:txBody>
+          </p:sp>
+          <p:sp>
+            <p:nvSpPr>
+              <p:cNvPr id="7" name="Rectangle: Rounded Corners 6">
+                <a:extLst>
+                  <a:ext uri="{FF2B5EF4-FFF2-40B4-BE49-F238E27FC236}">
+                    <a16:creationId xmlns:a16="http://schemas.microsoft.com/office/drawing/2014/main" id="{C566A081-CA9D-15B1-9491-2C427F5B0433}"/>
+                  </a:ext>
+                </a:extLst>
+              </p:cNvPr>
+              <p:cNvSpPr/>
+              <p:nvPr/>
+            </p:nvSpPr>
+            <p:spPr>
+              <a:xfrm>
+                <a:off x="3381554" y="2723070"/>
+                <a:ext cx="1199072" cy="974785"/>
+              </a:xfrm>
+              <a:prstGeom prst="roundRect">
+                <a:avLst/>
+              </a:prstGeom>
+              <a:solidFill>
+                <a:schemeClr val="accent3">
+                  <a:lumMod val="20000"/>
+                  <a:lumOff val="80000"/>
+                </a:schemeClr>
+              </a:solidFill>
+            </p:spPr>
+            <p:style>
+              <a:lnRef idx="2">
+                <a:schemeClr val="accent1">
+                  <a:shade val="50000"/>
+                </a:schemeClr>
+              </a:lnRef>
+              <a:fillRef idx="1">
+                <a:schemeClr val="accent1"/>
+              </a:fillRef>
+              <a:effectRef idx="0">
+                <a:schemeClr val="accent1"/>
+              </a:effectRef>
+              <a:fontRef idx="minor">
+                <a:schemeClr val="lt1"/>
+              </a:fontRef>
+            </p:style>
+            <p:txBody>
+              <a:bodyPr rtlCol="0" anchor="ctr"/>
+              <a:lstStyle/>
+              <a:p>
+                <a:pPr algn="ctr"/>
+                <a:r>
+                  <a:rPr lang="en-IN" sz="1400" dirty="0">
+                    <a:solidFill>
+                      <a:schemeClr val="tx1"/>
+                    </a:solidFill>
+                  </a:rPr>
+                  <a:t>Job to de Done (JTBD) Hypothesis</a:t>
+                </a:r>
+                <a:endParaRPr lang="en-US" sz="1400" dirty="0">
+                  <a:solidFill>
+                    <a:schemeClr val="tx1"/>
+                  </a:solidFill>
+                </a:endParaRPr>
+              </a:p>
+            </p:txBody>
+          </p:sp>
+          <p:sp>
+            <p:nvSpPr>
+              <p:cNvPr id="8" name="Rectangle: Rounded Corners 7">
+                <a:extLst>
+                  <a:ext uri="{FF2B5EF4-FFF2-40B4-BE49-F238E27FC236}">
+                    <a16:creationId xmlns:a16="http://schemas.microsoft.com/office/drawing/2014/main" id="{F7ACECD9-B13A-C71E-964B-5F2C4B704DE0}"/>
+                  </a:ext>
+                </a:extLst>
+              </p:cNvPr>
+              <p:cNvSpPr/>
+              <p:nvPr/>
+            </p:nvSpPr>
+            <p:spPr>
+              <a:xfrm>
+                <a:off x="2225612" y="2723070"/>
+                <a:ext cx="1199072" cy="974785"/>
+              </a:xfrm>
+              <a:prstGeom prst="roundRect">
+                <a:avLst/>
+              </a:prstGeom>
+              <a:solidFill>
+                <a:schemeClr val="accent3">
+                  <a:lumMod val="20000"/>
+                  <a:lumOff val="80000"/>
+                </a:schemeClr>
+              </a:solidFill>
+            </p:spPr>
+            <p:style>
+              <a:lnRef idx="2">
+                <a:schemeClr val="accent1">
+                  <a:shade val="50000"/>
+                </a:schemeClr>
+              </a:lnRef>
+              <a:fillRef idx="1">
+                <a:schemeClr val="accent1"/>
+              </a:fillRef>
+              <a:effectRef idx="0">
+                <a:schemeClr val="accent1"/>
+              </a:effectRef>
+              <a:fontRef idx="minor">
+                <a:schemeClr val="lt1"/>
+              </a:fontRef>
+            </p:style>
+            <p:txBody>
+              <a:bodyPr rtlCol="0" anchor="ctr"/>
+              <a:lstStyle/>
+              <a:p>
+                <a:pPr algn="ctr"/>
+                <a:r>
+                  <a:rPr lang="en-IN" sz="1400" dirty="0">
+                    <a:solidFill>
+                      <a:schemeClr val="tx1"/>
+                    </a:solidFill>
+                  </a:rPr>
+                  <a:t>Persona Hypothesis</a:t>
+                </a:r>
+                <a:endParaRPr lang="en-US" sz="1400" dirty="0">
+                  <a:solidFill>
+                    <a:schemeClr val="tx1"/>
+                  </a:solidFill>
+                </a:endParaRPr>
+              </a:p>
+            </p:txBody>
+          </p:sp>
+          <p:sp>
+            <p:nvSpPr>
+              <p:cNvPr id="9" name="Rectangle: Rounded Corners 8">
+                <a:extLst>
+                  <a:ext uri="{FF2B5EF4-FFF2-40B4-BE49-F238E27FC236}">
+                    <a16:creationId xmlns:a16="http://schemas.microsoft.com/office/drawing/2014/main" id="{89EF5B54-E736-AAF0-1CD9-C24E8C49AD18}"/>
+                  </a:ext>
+                </a:extLst>
+              </p:cNvPr>
+              <p:cNvSpPr/>
+              <p:nvPr/>
+            </p:nvSpPr>
+            <p:spPr>
+              <a:xfrm>
+                <a:off x="5017695" y="2723069"/>
+                <a:ext cx="1199072" cy="974785"/>
+              </a:xfrm>
+              <a:prstGeom prst="roundRect">
+                <a:avLst/>
+              </a:prstGeom>
+              <a:solidFill>
+                <a:schemeClr val="accent3">
+                  <a:lumMod val="20000"/>
+                  <a:lumOff val="80000"/>
+                </a:schemeClr>
+              </a:solidFill>
+            </p:spPr>
+            <p:style>
+              <a:lnRef idx="2">
+                <a:schemeClr val="accent1">
+                  <a:shade val="50000"/>
+                </a:schemeClr>
+              </a:lnRef>
+              <a:fillRef idx="1">
+                <a:schemeClr val="accent1"/>
+              </a:fillRef>
+              <a:effectRef idx="0">
+                <a:schemeClr val="accent1"/>
+              </a:effectRef>
+              <a:fontRef idx="minor">
+                <a:schemeClr val="lt1"/>
+              </a:fontRef>
+            </p:style>
+            <p:txBody>
+              <a:bodyPr rtlCol="0" anchor="ctr"/>
+              <a:lstStyle/>
+              <a:p>
+                <a:pPr algn="ctr"/>
+                <a:r>
+                  <a:rPr lang="en-IN" sz="1400" dirty="0">
+                    <a:solidFill>
+                      <a:schemeClr val="tx1"/>
+                    </a:solidFill>
+                  </a:rPr>
+                  <a:t>Demand Hypothesis</a:t>
+                </a:r>
+                <a:endParaRPr lang="en-US" sz="1400" dirty="0">
+                  <a:solidFill>
+                    <a:schemeClr val="tx1"/>
+                  </a:solidFill>
+                </a:endParaRPr>
+              </a:p>
+            </p:txBody>
+          </p:sp>
+          <p:sp>
+            <p:nvSpPr>
+              <p:cNvPr id="10" name="Rectangle: Rounded Corners 9">
+                <a:extLst>
+                  <a:ext uri="{FF2B5EF4-FFF2-40B4-BE49-F238E27FC236}">
+                    <a16:creationId xmlns:a16="http://schemas.microsoft.com/office/drawing/2014/main" id="{B23F7C29-40D3-999F-4E67-D688165BC8C7}"/>
+                  </a:ext>
+                </a:extLst>
+              </p:cNvPr>
+              <p:cNvSpPr/>
+              <p:nvPr/>
+            </p:nvSpPr>
+            <p:spPr>
+              <a:xfrm>
+                <a:off x="7060720" y="2723069"/>
+                <a:ext cx="1199072" cy="974785"/>
+              </a:xfrm>
+              <a:prstGeom prst="roundRect">
+                <a:avLst/>
+              </a:prstGeom>
+              <a:solidFill>
+                <a:schemeClr val="accent3">
+                  <a:lumMod val="20000"/>
+                  <a:lumOff val="80000"/>
+                </a:schemeClr>
+              </a:solidFill>
+            </p:spPr>
+            <p:style>
+              <a:lnRef idx="2">
+                <a:schemeClr val="accent1">
+                  <a:shade val="50000"/>
+                </a:schemeClr>
+              </a:lnRef>
+              <a:fillRef idx="1">
+                <a:schemeClr val="accent1"/>
+              </a:fillRef>
+              <a:effectRef idx="0">
+                <a:schemeClr val="accent1"/>
+              </a:effectRef>
+              <a:fontRef idx="minor">
+                <a:schemeClr val="lt1"/>
+              </a:fontRef>
+            </p:style>
+            <p:txBody>
+              <a:bodyPr rtlCol="0" anchor="ctr"/>
+              <a:lstStyle/>
+              <a:p>
+                <a:pPr algn="ctr"/>
+                <a:r>
+                  <a:rPr lang="en-IN" sz="1400" dirty="0">
+                    <a:solidFill>
+                      <a:schemeClr val="tx1"/>
+                    </a:solidFill>
+                  </a:rPr>
+                  <a:t>Usability Hypothesis</a:t>
+                </a:r>
+                <a:endParaRPr lang="en-US" sz="1400" dirty="0">
+                  <a:solidFill>
+                    <a:schemeClr val="tx1"/>
+                  </a:solidFill>
+                </a:endParaRPr>
+              </a:p>
+            </p:txBody>
+          </p:sp>
+          <p:sp>
+            <p:nvSpPr>
+              <p:cNvPr id="11" name="TextBox 10">
+                <a:extLst>
+                  <a:ext uri="{FF2B5EF4-FFF2-40B4-BE49-F238E27FC236}">
+                    <a16:creationId xmlns:a16="http://schemas.microsoft.com/office/drawing/2014/main" id="{591DA81C-38ED-C0B3-0C5F-BEB3DDF4CA26}"/>
+                  </a:ext>
+                </a:extLst>
+              </p:cNvPr>
+              <p:cNvSpPr txBox="1"/>
+              <p:nvPr/>
+            </p:nvSpPr>
+            <p:spPr>
+              <a:xfrm>
+                <a:off x="1647646" y="1079906"/>
+                <a:ext cx="3370050" cy="369332"/>
+              </a:xfrm>
+              <a:prstGeom prst="rect">
+                <a:avLst/>
+              </a:prstGeom>
+              <a:noFill/>
+              <a:ln w="19050">
+                <a:solidFill>
+                  <a:schemeClr val="tx1"/>
+                </a:solidFill>
+                <a:prstDash val="dash"/>
+              </a:ln>
+            </p:spPr>
+            <p:txBody>
+              <a:bodyPr wrap="square" rtlCol="0">
+                <a:spAutoFit/>
+              </a:bodyPr>
+              <a:lstStyle/>
+              <a:p>
+                <a:pPr algn="ctr"/>
+                <a:r>
+                  <a:rPr lang="en-IN" dirty="0"/>
+                  <a:t>Finding the Right Problem</a:t>
+                </a:r>
+                <a:endParaRPr lang="en-US" dirty="0"/>
+              </a:p>
+            </p:txBody>
+          </p:sp>
+          <p:sp>
+            <p:nvSpPr>
+              <p:cNvPr id="12" name="TextBox 11">
+                <a:extLst>
+                  <a:ext uri="{FF2B5EF4-FFF2-40B4-BE49-F238E27FC236}">
+                    <a16:creationId xmlns:a16="http://schemas.microsoft.com/office/drawing/2014/main" id="{B6A390B8-F147-AD23-EBBE-D3B9442CB99F}"/>
+                  </a:ext>
+                </a:extLst>
+              </p:cNvPr>
+              <p:cNvSpPr txBox="1"/>
+              <p:nvPr/>
+            </p:nvSpPr>
+            <p:spPr>
+              <a:xfrm>
+                <a:off x="5998238" y="1079906"/>
+                <a:ext cx="3370049" cy="369332"/>
+              </a:xfrm>
+              <a:prstGeom prst="rect">
+                <a:avLst/>
+              </a:prstGeom>
+              <a:noFill/>
+              <a:ln w="19050">
+                <a:solidFill>
+                  <a:schemeClr val="tx1"/>
+                </a:solidFill>
+                <a:prstDash val="dash"/>
+              </a:ln>
+            </p:spPr>
+            <p:txBody>
+              <a:bodyPr wrap="square" rtlCol="0">
+                <a:spAutoFit/>
+              </a:bodyPr>
+              <a:lstStyle/>
+              <a:p>
+                <a:pPr algn="ctr"/>
+                <a:r>
+                  <a:rPr lang="en-IN" dirty="0"/>
+                  <a:t>Finding the Right Solution</a:t>
+                </a:r>
+                <a:endParaRPr lang="en-US" dirty="0"/>
+              </a:p>
+            </p:txBody>
+          </p:sp>
+        </p:grpSp>
+        <p:sp>
+          <p:nvSpPr>
+            <p:cNvPr id="13" name="TextBox 12">
+              <a:extLst>
+                <a:ext uri="{FF2B5EF4-FFF2-40B4-BE49-F238E27FC236}">
+                  <a16:creationId xmlns:a16="http://schemas.microsoft.com/office/drawing/2014/main" id="{A9B48ED2-A7E2-CB0C-B07A-2BAB577E574D}"/>
+                </a:ext>
+              </a:extLst>
+            </p:cNvPr>
+            <p:cNvSpPr txBox="1"/>
+            <p:nvPr/>
+          </p:nvSpPr>
+          <p:spPr>
+            <a:xfrm>
+              <a:off x="0" y="508398"/>
+              <a:ext cx="12192000" cy="461665"/>
+            </a:xfrm>
+            <a:prstGeom prst="rect">
+              <a:avLst/>
+            </a:prstGeom>
+            <a:solidFill>
+              <a:schemeClr val="bg2">
+                <a:lumMod val="90000"/>
+              </a:schemeClr>
+            </a:solidFill>
+          </p:spPr>
+          <p:txBody>
+            <a:bodyPr wrap="square" rtlCol="0">
+              <a:spAutoFit/>
+            </a:bodyPr>
+            <a:lstStyle/>
+            <a:p>
+              <a:pPr algn="ctr"/>
+              <a:r>
+                <a:rPr lang="en-IN" sz="2400" b="1" dirty="0"/>
+                <a:t>Continuous Design Process</a:t>
+              </a:r>
+              <a:endParaRPr lang="en-US" sz="2400" b="1" dirty="0"/>
+            </a:p>
+          </p:txBody>
+        </p:sp>
+      </p:grpSp>
+    </p:spTree>
+    <p:extLst>
+      <p:ext uri="{BB962C8B-B14F-4D97-AF65-F5344CB8AC3E}">
+        <p14:creationId xmlns:p14="http://schemas.microsoft.com/office/powerpoint/2010/main" val="2477271224"/>
+      </p:ext>
+    </p:extLst>
+  </p:cSld>
+  <p:clrMapOvr>
+    <a:masterClrMapping/>
+  </p:clrMapOvr>
+</p:sld>
+</file>
+
 <file path=ppt/theme/theme1.xml><?xml version="1.0" encoding="utf-8"?>
 <a:theme xmlns:a="http://schemas.openxmlformats.org/drawingml/2006/main" name="Office Theme">
   <a:themeElements>

--- a/Pics_Creation.pptx
+++ b/Pics_Creation.pptx
@@ -12092,8 +12092,8 @@
             </p:nvSpPr>
             <p:spPr>
               <a:xfrm>
-                <a:off x="3381554" y="2723070"/>
-                <a:ext cx="1199072" cy="974785"/>
+                <a:off x="3381553" y="2723070"/>
+                <a:ext cx="1345721" cy="974785"/>
               </a:xfrm>
               <a:prstGeom prst="roundRect">
                 <a:avLst/>
@@ -12132,7 +12132,7 @@
                       <a:schemeClr val="tx1"/>
                     </a:solidFill>
                   </a:rPr>
-                  <a:t>Job to de Done (JTBD) Hypothesis</a:t>
+                  <a:t>Problem/Job to de Done (JTBD) Hypothesis</a:t>
                 </a:r>
                 <a:endParaRPr lang="en-US" sz="1400" dirty="0">
                   <a:solidFill>
@@ -12156,8 +12156,8 @@
             </p:nvSpPr>
             <p:spPr>
               <a:xfrm>
-                <a:off x="2225612" y="2723070"/>
-                <a:ext cx="1199072" cy="974785"/>
+                <a:off x="2078963" y="2723070"/>
+                <a:ext cx="1345721" cy="974785"/>
               </a:xfrm>
               <a:prstGeom prst="roundRect">
                 <a:avLst/>

--- a/Pics_Creation.pptx
+++ b/Pics_Creation.pptx
@@ -12092,7 +12092,7 @@
             </p:nvSpPr>
             <p:spPr>
               <a:xfrm>
-                <a:off x="3381553" y="2723070"/>
+                <a:off x="3221962" y="2711564"/>
                 <a:ext cx="1345721" cy="974785"/>
               </a:xfrm>
               <a:prstGeom prst="roundRect">
@@ -12156,7 +12156,7 @@
             </p:nvSpPr>
             <p:spPr>
               <a:xfrm>
-                <a:off x="2078963" y="2723070"/>
+                <a:off x="1949567" y="2711564"/>
                 <a:ext cx="1345721" cy="974785"/>
               </a:xfrm>
               <a:prstGeom prst="roundRect">
@@ -12220,8 +12220,8 @@
             </p:nvSpPr>
             <p:spPr>
               <a:xfrm>
-                <a:off x="5017695" y="2723069"/>
-                <a:ext cx="1199072" cy="974785"/>
+                <a:off x="4899804" y="2723069"/>
+                <a:ext cx="1561381" cy="974785"/>
               </a:xfrm>
               <a:prstGeom prst="roundRect">
                 <a:avLst/>
@@ -12260,7 +12260,7 @@
                       <a:schemeClr val="tx1"/>
                     </a:solidFill>
                   </a:rPr>
-                  <a:t>Demand Hypothesis</a:t>
+                  <a:t>Demand/Value Hypothesis</a:t>
                 </a:r>
                 <a:endParaRPr lang="en-US" sz="1400" dirty="0">
                   <a:solidFill>

--- a/Pics_Creation.pptx
+++ b/Pics_Creation.pptx
@@ -5,7 +5,7 @@
     <p:sldMasterId id="2147483648" r:id="rId1"/>
   </p:sldMasterIdLst>
   <p:notesMasterIdLst>
-    <p:notesMasterId r:id="rId8"/>
+    <p:notesMasterId r:id="rId9"/>
   </p:notesMasterIdLst>
   <p:sldIdLst>
     <p:sldId id="256" r:id="rId2"/>
@@ -14,6 +14,7 @@
     <p:sldId id="368" r:id="rId5"/>
     <p:sldId id="369" r:id="rId6"/>
     <p:sldId id="370" r:id="rId7"/>
+    <p:sldId id="371" r:id="rId8"/>
   </p:sldIdLst>
   <p:sldSz cx="12192000" cy="6858000"/>
   <p:notesSz cx="6858000" cy="9144000"/>
@@ -121,6 +122,753 @@
 </file>
 
 <file path=ppt/diagrams/colors1.xml><?xml version="1.0" encoding="utf-8"?>
+<dgm:colorsDef xmlns:dgm="http://schemas.openxmlformats.org/drawingml/2006/diagram" xmlns:a="http://schemas.openxmlformats.org/drawingml/2006/main" uniqueId="urn:microsoft.com/office/officeart/2005/8/colors/accent1_2">
+  <dgm:title val=""/>
+  <dgm:desc val=""/>
+  <dgm:catLst>
+    <dgm:cat type="accent1" pri="11200"/>
+  </dgm:catLst>
+  <dgm:styleLbl name="node0">
+    <dgm:fillClrLst meth="repeat">
+      <a:schemeClr val="accent1"/>
+    </dgm:fillClrLst>
+    <dgm:linClrLst meth="repeat">
+      <a:schemeClr val="lt1"/>
+    </dgm:linClrLst>
+    <dgm:effectClrLst/>
+    <dgm:txLinClrLst/>
+    <dgm:txFillClrLst/>
+    <dgm:txEffectClrLst/>
+  </dgm:styleLbl>
+  <dgm:styleLbl name="alignNode1">
+    <dgm:fillClrLst meth="repeat">
+      <a:schemeClr val="accent1"/>
+    </dgm:fillClrLst>
+    <dgm:linClrLst meth="repeat">
+      <a:schemeClr val="accent1"/>
+    </dgm:linClrLst>
+    <dgm:effectClrLst/>
+    <dgm:txLinClrLst/>
+    <dgm:txFillClrLst/>
+    <dgm:txEffectClrLst/>
+  </dgm:styleLbl>
+  <dgm:styleLbl name="node1">
+    <dgm:fillClrLst meth="repeat">
+      <a:schemeClr val="accent1"/>
+    </dgm:fillClrLst>
+    <dgm:linClrLst meth="repeat">
+      <a:schemeClr val="lt1"/>
+    </dgm:linClrLst>
+    <dgm:effectClrLst/>
+    <dgm:txLinClrLst/>
+    <dgm:txFillClrLst/>
+    <dgm:txEffectClrLst/>
+  </dgm:styleLbl>
+  <dgm:styleLbl name="lnNode1">
+    <dgm:fillClrLst meth="repeat">
+      <a:schemeClr val="accent1"/>
+    </dgm:fillClrLst>
+    <dgm:linClrLst meth="repeat">
+      <a:schemeClr val="lt1"/>
+    </dgm:linClrLst>
+    <dgm:effectClrLst/>
+    <dgm:txLinClrLst/>
+    <dgm:txFillClrLst/>
+    <dgm:txEffectClrLst/>
+  </dgm:styleLbl>
+  <dgm:styleLbl name="vennNode1">
+    <dgm:fillClrLst meth="repeat">
+      <a:schemeClr val="accent1">
+        <a:alpha val="50000"/>
+      </a:schemeClr>
+    </dgm:fillClrLst>
+    <dgm:linClrLst meth="repeat">
+      <a:schemeClr val="lt1"/>
+    </dgm:linClrLst>
+    <dgm:effectClrLst/>
+    <dgm:txLinClrLst/>
+    <dgm:txFillClrLst/>
+    <dgm:txEffectClrLst/>
+  </dgm:styleLbl>
+  <dgm:styleLbl name="node2">
+    <dgm:fillClrLst meth="repeat">
+      <a:schemeClr val="accent1"/>
+    </dgm:fillClrLst>
+    <dgm:linClrLst meth="repeat">
+      <a:schemeClr val="lt1"/>
+    </dgm:linClrLst>
+    <dgm:effectClrLst/>
+    <dgm:txLinClrLst/>
+    <dgm:txFillClrLst/>
+    <dgm:txEffectClrLst/>
+  </dgm:styleLbl>
+  <dgm:styleLbl name="node3">
+    <dgm:fillClrLst meth="repeat">
+      <a:schemeClr val="accent1"/>
+    </dgm:fillClrLst>
+    <dgm:linClrLst meth="repeat">
+      <a:schemeClr val="lt1"/>
+    </dgm:linClrLst>
+    <dgm:effectClrLst/>
+    <dgm:txLinClrLst/>
+    <dgm:txFillClrLst/>
+    <dgm:txEffectClrLst/>
+  </dgm:styleLbl>
+  <dgm:styleLbl name="node4">
+    <dgm:fillClrLst meth="repeat">
+      <a:schemeClr val="accent1"/>
+    </dgm:fillClrLst>
+    <dgm:linClrLst meth="repeat">
+      <a:schemeClr val="lt1"/>
+    </dgm:linClrLst>
+    <dgm:effectClrLst/>
+    <dgm:txLinClrLst/>
+    <dgm:txFillClrLst/>
+    <dgm:txEffectClrLst/>
+  </dgm:styleLbl>
+  <dgm:styleLbl name="fgImgPlace1">
+    <dgm:fillClrLst meth="repeat">
+      <a:schemeClr val="accent1">
+        <a:tint val="50000"/>
+      </a:schemeClr>
+    </dgm:fillClrLst>
+    <dgm:linClrLst meth="repeat">
+      <a:schemeClr val="lt1"/>
+    </dgm:linClrLst>
+    <dgm:effectClrLst/>
+    <dgm:txLinClrLst/>
+    <dgm:txFillClrLst meth="repeat">
+      <a:schemeClr val="lt1"/>
+    </dgm:txFillClrLst>
+    <dgm:txEffectClrLst/>
+  </dgm:styleLbl>
+  <dgm:styleLbl name="alignImgPlace1">
+    <dgm:fillClrLst meth="repeat">
+      <a:schemeClr val="accent1">
+        <a:tint val="50000"/>
+      </a:schemeClr>
+    </dgm:fillClrLst>
+    <dgm:linClrLst meth="repeat">
+      <a:schemeClr val="lt1"/>
+    </dgm:linClrLst>
+    <dgm:effectClrLst/>
+    <dgm:txLinClrLst/>
+    <dgm:txFillClrLst meth="repeat">
+      <a:schemeClr val="lt1"/>
+    </dgm:txFillClrLst>
+    <dgm:txEffectClrLst/>
+  </dgm:styleLbl>
+  <dgm:styleLbl name="bgImgPlace1">
+    <dgm:fillClrLst meth="repeat">
+      <a:schemeClr val="accent1">
+        <a:tint val="50000"/>
+      </a:schemeClr>
+    </dgm:fillClrLst>
+    <dgm:linClrLst meth="repeat">
+      <a:schemeClr val="lt1"/>
+    </dgm:linClrLst>
+    <dgm:effectClrLst/>
+    <dgm:txLinClrLst/>
+    <dgm:txFillClrLst meth="repeat">
+      <a:schemeClr val="lt1"/>
+    </dgm:txFillClrLst>
+    <dgm:txEffectClrLst/>
+  </dgm:styleLbl>
+  <dgm:styleLbl name="sibTrans2D1">
+    <dgm:fillClrLst meth="repeat">
+      <a:schemeClr val="accent1">
+        <a:tint val="60000"/>
+      </a:schemeClr>
+    </dgm:fillClrLst>
+    <dgm:linClrLst meth="repeat">
+      <a:schemeClr val="accent1">
+        <a:tint val="60000"/>
+      </a:schemeClr>
+    </dgm:linClrLst>
+    <dgm:effectClrLst/>
+    <dgm:txLinClrLst/>
+    <dgm:txFillClrLst/>
+    <dgm:txEffectClrLst/>
+  </dgm:styleLbl>
+  <dgm:styleLbl name="fgSibTrans2D1">
+    <dgm:fillClrLst meth="repeat">
+      <a:schemeClr val="accent1">
+        <a:tint val="60000"/>
+      </a:schemeClr>
+    </dgm:fillClrLst>
+    <dgm:linClrLst meth="repeat">
+      <a:schemeClr val="accent1">
+        <a:tint val="60000"/>
+      </a:schemeClr>
+    </dgm:linClrLst>
+    <dgm:effectClrLst/>
+    <dgm:txLinClrLst/>
+    <dgm:txFillClrLst/>
+    <dgm:txEffectClrLst/>
+  </dgm:styleLbl>
+  <dgm:styleLbl name="bgSibTrans2D1">
+    <dgm:fillClrLst meth="repeat">
+      <a:schemeClr val="accent1">
+        <a:tint val="60000"/>
+      </a:schemeClr>
+    </dgm:fillClrLst>
+    <dgm:linClrLst meth="repeat">
+      <a:schemeClr val="accent1">
+        <a:tint val="60000"/>
+      </a:schemeClr>
+    </dgm:linClrLst>
+    <dgm:effectClrLst/>
+    <dgm:txLinClrLst/>
+    <dgm:txFillClrLst/>
+    <dgm:txEffectClrLst/>
+  </dgm:styleLbl>
+  <dgm:styleLbl name="sibTrans1D1">
+    <dgm:fillClrLst meth="repeat">
+      <a:schemeClr val="accent1"/>
+    </dgm:fillClrLst>
+    <dgm:linClrLst meth="repeat">
+      <a:schemeClr val="accent1"/>
+    </dgm:linClrLst>
+    <dgm:effectClrLst/>
+    <dgm:txLinClrLst/>
+    <dgm:txFillClrLst meth="repeat">
+      <a:schemeClr val="tx1"/>
+    </dgm:txFillClrLst>
+    <dgm:txEffectClrLst/>
+  </dgm:styleLbl>
+  <dgm:styleLbl name="callout">
+    <dgm:fillClrLst meth="repeat">
+      <a:schemeClr val="accent1"/>
+    </dgm:fillClrLst>
+    <dgm:linClrLst meth="repeat">
+      <a:schemeClr val="accent1">
+        <a:tint val="50000"/>
+      </a:schemeClr>
+    </dgm:linClrLst>
+    <dgm:effectClrLst/>
+    <dgm:txLinClrLst/>
+    <dgm:txFillClrLst meth="repeat">
+      <a:schemeClr val="tx1"/>
+    </dgm:txFillClrLst>
+    <dgm:txEffectClrLst/>
+  </dgm:styleLbl>
+  <dgm:styleLbl name="asst0">
+    <dgm:fillClrLst meth="repeat">
+      <a:schemeClr val="accent1"/>
+    </dgm:fillClrLst>
+    <dgm:linClrLst meth="repeat">
+      <a:schemeClr val="lt1"/>
+    </dgm:linClrLst>
+    <dgm:effectClrLst/>
+    <dgm:txLinClrLst/>
+    <dgm:txFillClrLst/>
+    <dgm:txEffectClrLst/>
+  </dgm:styleLbl>
+  <dgm:styleLbl name="asst1">
+    <dgm:fillClrLst meth="repeat">
+      <a:schemeClr val="accent1"/>
+    </dgm:fillClrLst>
+    <dgm:linClrLst meth="repeat">
+      <a:schemeClr val="lt1"/>
+    </dgm:linClrLst>
+    <dgm:effectClrLst/>
+    <dgm:txLinClrLst/>
+    <dgm:txFillClrLst/>
+    <dgm:txEffectClrLst/>
+  </dgm:styleLbl>
+  <dgm:styleLbl name="asst2">
+    <dgm:fillClrLst meth="repeat">
+      <a:schemeClr val="accent1"/>
+    </dgm:fillClrLst>
+    <dgm:linClrLst meth="repeat">
+      <a:schemeClr val="lt1"/>
+    </dgm:linClrLst>
+    <dgm:effectClrLst/>
+    <dgm:txLinClrLst/>
+    <dgm:txFillClrLst/>
+    <dgm:txEffectClrLst/>
+  </dgm:styleLbl>
+  <dgm:styleLbl name="asst3">
+    <dgm:fillClrLst meth="repeat">
+      <a:schemeClr val="accent1"/>
+    </dgm:fillClrLst>
+    <dgm:linClrLst meth="repeat">
+      <a:schemeClr val="lt1"/>
+    </dgm:linClrLst>
+    <dgm:effectClrLst/>
+    <dgm:txLinClrLst/>
+    <dgm:txFillClrLst/>
+    <dgm:txEffectClrLst/>
+  </dgm:styleLbl>
+  <dgm:styleLbl name="asst4">
+    <dgm:fillClrLst meth="repeat">
+      <a:schemeClr val="accent1"/>
+    </dgm:fillClrLst>
+    <dgm:linClrLst meth="repeat">
+      <a:schemeClr val="lt1"/>
+    </dgm:linClrLst>
+    <dgm:effectClrLst/>
+    <dgm:txLinClrLst/>
+    <dgm:txFillClrLst/>
+    <dgm:txEffectClrLst/>
+  </dgm:styleLbl>
+  <dgm:styleLbl name="parChTrans2D1">
+    <dgm:fillClrLst meth="repeat">
+      <a:schemeClr val="accent1">
+        <a:tint val="60000"/>
+      </a:schemeClr>
+    </dgm:fillClrLst>
+    <dgm:linClrLst meth="repeat">
+      <a:schemeClr val="accent1">
+        <a:tint val="60000"/>
+      </a:schemeClr>
+    </dgm:linClrLst>
+    <dgm:effectClrLst/>
+    <dgm:txLinClrLst/>
+    <dgm:txFillClrLst meth="repeat">
+      <a:schemeClr val="lt1"/>
+    </dgm:txFillClrLst>
+    <dgm:txEffectClrLst/>
+  </dgm:styleLbl>
+  <dgm:styleLbl name="parChTrans2D2">
+    <dgm:fillClrLst meth="repeat">
+      <a:schemeClr val="accent1"/>
+    </dgm:fillClrLst>
+    <dgm:linClrLst meth="repeat">
+      <a:schemeClr val="accent1"/>
+    </dgm:linClrLst>
+    <dgm:effectClrLst/>
+    <dgm:txLinClrLst/>
+    <dgm:txFillClrLst meth="repeat">
+      <a:schemeClr val="lt1"/>
+    </dgm:txFillClrLst>
+    <dgm:txEffectClrLst/>
+  </dgm:styleLbl>
+  <dgm:styleLbl name="parChTrans2D3">
+    <dgm:fillClrLst meth="repeat">
+      <a:schemeClr val="accent1"/>
+    </dgm:fillClrLst>
+    <dgm:linClrLst meth="repeat">
+      <a:schemeClr val="accent1"/>
+    </dgm:linClrLst>
+    <dgm:effectClrLst/>
+    <dgm:txLinClrLst/>
+    <dgm:txFillClrLst meth="repeat">
+      <a:schemeClr val="lt1"/>
+    </dgm:txFillClrLst>
+    <dgm:txEffectClrLst/>
+  </dgm:styleLbl>
+  <dgm:styleLbl name="parChTrans2D4">
+    <dgm:fillClrLst meth="repeat">
+      <a:schemeClr val="accent1"/>
+    </dgm:fillClrLst>
+    <dgm:linClrLst meth="repeat">
+      <a:schemeClr val="accent1"/>
+    </dgm:linClrLst>
+    <dgm:effectClrLst/>
+    <dgm:txLinClrLst/>
+    <dgm:txFillClrLst meth="repeat">
+      <a:schemeClr val="lt1"/>
+    </dgm:txFillClrLst>
+    <dgm:txEffectClrLst/>
+  </dgm:styleLbl>
+  <dgm:styleLbl name="parChTrans1D1">
+    <dgm:fillClrLst meth="repeat">
+      <a:schemeClr val="accent1"/>
+    </dgm:fillClrLst>
+    <dgm:linClrLst meth="repeat">
+      <a:schemeClr val="accent1">
+        <a:shade val="60000"/>
+      </a:schemeClr>
+    </dgm:linClrLst>
+    <dgm:effectClrLst/>
+    <dgm:txLinClrLst/>
+    <dgm:txFillClrLst meth="repeat">
+      <a:schemeClr val="tx1"/>
+    </dgm:txFillClrLst>
+    <dgm:txEffectClrLst/>
+  </dgm:styleLbl>
+  <dgm:styleLbl name="parChTrans1D2">
+    <dgm:fillClrLst meth="repeat">
+      <a:schemeClr val="accent1"/>
+    </dgm:fillClrLst>
+    <dgm:linClrLst meth="repeat">
+      <a:schemeClr val="accent1">
+        <a:shade val="60000"/>
+      </a:schemeClr>
+    </dgm:linClrLst>
+    <dgm:effectClrLst/>
+    <dgm:txLinClrLst/>
+    <dgm:txFillClrLst meth="repeat">
+      <a:schemeClr val="tx1"/>
+    </dgm:txFillClrLst>
+    <dgm:txEffectClrLst/>
+  </dgm:styleLbl>
+  <dgm:styleLbl name="parChTrans1D3">
+    <dgm:fillClrLst meth="repeat">
+      <a:schemeClr val="accent1"/>
+    </dgm:fillClrLst>
+    <dgm:linClrLst meth="repeat">
+      <a:schemeClr val="accent1">
+        <a:shade val="80000"/>
+      </a:schemeClr>
+    </dgm:linClrLst>
+    <dgm:effectClrLst/>
+    <dgm:txLinClrLst/>
+    <dgm:txFillClrLst meth="repeat">
+      <a:schemeClr val="tx1"/>
+    </dgm:txFillClrLst>
+    <dgm:txEffectClrLst/>
+  </dgm:styleLbl>
+  <dgm:styleLbl name="parChTrans1D4">
+    <dgm:fillClrLst meth="repeat">
+      <a:schemeClr val="accent1"/>
+    </dgm:fillClrLst>
+    <dgm:linClrLst meth="repeat">
+      <a:schemeClr val="accent1">
+        <a:shade val="80000"/>
+      </a:schemeClr>
+    </dgm:linClrLst>
+    <dgm:effectClrLst/>
+    <dgm:txLinClrLst/>
+    <dgm:txFillClrLst meth="repeat">
+      <a:schemeClr val="tx1"/>
+    </dgm:txFillClrLst>
+    <dgm:txEffectClrLst/>
+  </dgm:styleLbl>
+  <dgm:styleLbl name="fgAcc1">
+    <dgm:fillClrLst meth="repeat">
+      <a:schemeClr val="lt1">
+        <a:alpha val="90000"/>
+      </a:schemeClr>
+    </dgm:fillClrLst>
+    <dgm:linClrLst meth="repeat">
+      <a:schemeClr val="accent1"/>
+    </dgm:linClrLst>
+    <dgm:effectClrLst/>
+    <dgm:txLinClrLst/>
+    <dgm:txFillClrLst meth="repeat">
+      <a:schemeClr val="dk1"/>
+    </dgm:txFillClrLst>
+    <dgm:txEffectClrLst/>
+  </dgm:styleLbl>
+  <dgm:styleLbl name="conFgAcc1">
+    <dgm:fillClrLst meth="repeat">
+      <a:schemeClr val="lt1">
+        <a:alpha val="90000"/>
+      </a:schemeClr>
+    </dgm:fillClrLst>
+    <dgm:linClrLst meth="repeat">
+      <a:schemeClr val="accent1"/>
+    </dgm:linClrLst>
+    <dgm:effectClrLst/>
+    <dgm:txLinClrLst/>
+    <dgm:txFillClrLst meth="repeat">
+      <a:schemeClr val="dk1"/>
+    </dgm:txFillClrLst>
+    <dgm:txEffectClrLst/>
+  </dgm:styleLbl>
+  <dgm:styleLbl name="alignAcc1">
+    <dgm:fillClrLst meth="repeat">
+      <a:schemeClr val="lt1">
+        <a:alpha val="90000"/>
+      </a:schemeClr>
+    </dgm:fillClrLst>
+    <dgm:linClrLst meth="repeat">
+      <a:schemeClr val="accent1"/>
+    </dgm:linClrLst>
+    <dgm:effectClrLst/>
+    <dgm:txLinClrLst/>
+    <dgm:txFillClrLst meth="repeat">
+      <a:schemeClr val="dk1"/>
+    </dgm:txFillClrLst>
+    <dgm:txEffectClrLst/>
+  </dgm:styleLbl>
+  <dgm:styleLbl name="trAlignAcc1">
+    <dgm:fillClrLst meth="repeat">
+      <a:schemeClr val="lt1">
+        <a:alpha val="40000"/>
+      </a:schemeClr>
+    </dgm:fillClrLst>
+    <dgm:linClrLst meth="repeat">
+      <a:schemeClr val="accent1"/>
+    </dgm:linClrLst>
+    <dgm:effectClrLst/>
+    <dgm:txLinClrLst/>
+    <dgm:txFillClrLst meth="repeat">
+      <a:schemeClr val="dk1"/>
+    </dgm:txFillClrLst>
+    <dgm:txEffectClrLst/>
+  </dgm:styleLbl>
+  <dgm:styleLbl name="bgAcc1">
+    <dgm:fillClrLst meth="repeat">
+      <a:schemeClr val="lt1">
+        <a:alpha val="90000"/>
+      </a:schemeClr>
+    </dgm:fillClrLst>
+    <dgm:linClrLst meth="repeat">
+      <a:schemeClr val="accent1"/>
+    </dgm:linClrLst>
+    <dgm:effectClrLst/>
+    <dgm:txLinClrLst/>
+    <dgm:txFillClrLst meth="repeat">
+      <a:schemeClr val="dk1"/>
+    </dgm:txFillClrLst>
+    <dgm:txEffectClrLst/>
+  </dgm:styleLbl>
+  <dgm:styleLbl name="solidFgAcc1">
+    <dgm:fillClrLst meth="repeat">
+      <a:schemeClr val="lt1"/>
+    </dgm:fillClrLst>
+    <dgm:linClrLst meth="repeat">
+      <a:schemeClr val="accent1"/>
+    </dgm:linClrLst>
+    <dgm:effectClrLst/>
+    <dgm:txLinClrLst/>
+    <dgm:txFillClrLst meth="repeat">
+      <a:schemeClr val="dk1"/>
+    </dgm:txFillClrLst>
+    <dgm:txEffectClrLst/>
+  </dgm:styleLbl>
+  <dgm:styleLbl name="solidAlignAcc1">
+    <dgm:fillClrLst meth="repeat">
+      <a:schemeClr val="lt1"/>
+    </dgm:fillClrLst>
+    <dgm:linClrLst meth="repeat">
+      <a:schemeClr val="accent1"/>
+    </dgm:linClrLst>
+    <dgm:effectClrLst/>
+    <dgm:txLinClrLst/>
+    <dgm:txFillClrLst meth="repeat">
+      <a:schemeClr val="dk1"/>
+    </dgm:txFillClrLst>
+    <dgm:txEffectClrLst/>
+  </dgm:styleLbl>
+  <dgm:styleLbl name="solidBgAcc1">
+    <dgm:fillClrLst meth="repeat">
+      <a:schemeClr val="lt1"/>
+    </dgm:fillClrLst>
+    <dgm:linClrLst meth="repeat">
+      <a:schemeClr val="accent1"/>
+    </dgm:linClrLst>
+    <dgm:effectClrLst/>
+    <dgm:txLinClrLst/>
+    <dgm:txFillClrLst meth="repeat">
+      <a:schemeClr val="dk1"/>
+    </dgm:txFillClrLst>
+    <dgm:txEffectClrLst/>
+  </dgm:styleLbl>
+  <dgm:styleLbl name="fgAccFollowNode1">
+    <dgm:fillClrLst meth="repeat">
+      <a:schemeClr val="accent1">
+        <a:alpha val="90000"/>
+        <a:tint val="40000"/>
+      </a:schemeClr>
+    </dgm:fillClrLst>
+    <dgm:linClrLst meth="repeat">
+      <a:schemeClr val="accent1">
+        <a:alpha val="90000"/>
+        <a:tint val="40000"/>
+      </a:schemeClr>
+    </dgm:linClrLst>
+    <dgm:effectClrLst/>
+    <dgm:txLinClrLst/>
+    <dgm:txFillClrLst meth="repeat">
+      <a:schemeClr val="dk1"/>
+    </dgm:txFillClrLst>
+    <dgm:txEffectClrLst/>
+  </dgm:styleLbl>
+  <dgm:styleLbl name="alignAccFollowNode1">
+    <dgm:fillClrLst meth="repeat">
+      <a:schemeClr val="accent1">
+        <a:alpha val="90000"/>
+        <a:tint val="40000"/>
+      </a:schemeClr>
+    </dgm:fillClrLst>
+    <dgm:linClrLst meth="repeat">
+      <a:schemeClr val="accent1">
+        <a:alpha val="90000"/>
+        <a:tint val="40000"/>
+      </a:schemeClr>
+    </dgm:linClrLst>
+    <dgm:effectClrLst/>
+    <dgm:txLinClrLst/>
+    <dgm:txFillClrLst meth="repeat">
+      <a:schemeClr val="dk1"/>
+    </dgm:txFillClrLst>
+    <dgm:txEffectClrLst/>
+  </dgm:styleLbl>
+  <dgm:styleLbl name="bgAccFollowNode1">
+    <dgm:fillClrLst meth="repeat">
+      <a:schemeClr val="accent1">
+        <a:alpha val="90000"/>
+        <a:tint val="40000"/>
+      </a:schemeClr>
+    </dgm:fillClrLst>
+    <dgm:linClrLst meth="repeat">
+      <a:schemeClr val="accent1">
+        <a:alpha val="90000"/>
+        <a:tint val="40000"/>
+      </a:schemeClr>
+    </dgm:linClrLst>
+    <dgm:effectClrLst/>
+    <dgm:txLinClrLst/>
+    <dgm:txFillClrLst meth="repeat">
+      <a:schemeClr val="dk1"/>
+    </dgm:txFillClrLst>
+    <dgm:txEffectClrLst/>
+  </dgm:styleLbl>
+  <dgm:styleLbl name="fgAcc0">
+    <dgm:fillClrLst meth="repeat">
+      <a:schemeClr val="lt1">
+        <a:alpha val="90000"/>
+      </a:schemeClr>
+    </dgm:fillClrLst>
+    <dgm:linClrLst meth="repeat">
+      <a:schemeClr val="accent1"/>
+    </dgm:linClrLst>
+    <dgm:effectClrLst/>
+    <dgm:txLinClrLst/>
+    <dgm:txFillClrLst meth="repeat">
+      <a:schemeClr val="dk1"/>
+    </dgm:txFillClrLst>
+    <dgm:txEffectClrLst/>
+  </dgm:styleLbl>
+  <dgm:styleLbl name="fgAcc2">
+    <dgm:fillClrLst meth="repeat">
+      <a:schemeClr val="lt1">
+        <a:alpha val="90000"/>
+      </a:schemeClr>
+    </dgm:fillClrLst>
+    <dgm:linClrLst meth="repeat">
+      <a:schemeClr val="accent1"/>
+    </dgm:linClrLst>
+    <dgm:effectClrLst/>
+    <dgm:txLinClrLst/>
+    <dgm:txFillClrLst meth="repeat">
+      <a:schemeClr val="dk1"/>
+    </dgm:txFillClrLst>
+    <dgm:txEffectClrLst/>
+  </dgm:styleLbl>
+  <dgm:styleLbl name="fgAcc3">
+    <dgm:fillClrLst meth="repeat">
+      <a:schemeClr val="lt1">
+        <a:alpha val="90000"/>
+      </a:schemeClr>
+    </dgm:fillClrLst>
+    <dgm:linClrLst meth="repeat">
+      <a:schemeClr val="accent1"/>
+    </dgm:linClrLst>
+    <dgm:effectClrLst/>
+    <dgm:txLinClrLst/>
+    <dgm:txFillClrLst meth="repeat">
+      <a:schemeClr val="dk1"/>
+    </dgm:txFillClrLst>
+    <dgm:txEffectClrLst/>
+  </dgm:styleLbl>
+  <dgm:styleLbl name="fgAcc4">
+    <dgm:fillClrLst meth="repeat">
+      <a:schemeClr val="lt1">
+        <a:alpha val="90000"/>
+      </a:schemeClr>
+    </dgm:fillClrLst>
+    <dgm:linClrLst meth="repeat">
+      <a:schemeClr val="accent1"/>
+    </dgm:linClrLst>
+    <dgm:effectClrLst/>
+    <dgm:txLinClrLst/>
+    <dgm:txFillClrLst meth="repeat">
+      <a:schemeClr val="dk1"/>
+    </dgm:txFillClrLst>
+    <dgm:txEffectClrLst/>
+  </dgm:styleLbl>
+  <dgm:styleLbl name="bgShp">
+    <dgm:fillClrLst meth="repeat">
+      <a:schemeClr val="accent1">
+        <a:tint val="40000"/>
+      </a:schemeClr>
+    </dgm:fillClrLst>
+    <dgm:linClrLst meth="repeat">
+      <a:schemeClr val="accent1"/>
+    </dgm:linClrLst>
+    <dgm:effectClrLst/>
+    <dgm:txLinClrLst/>
+    <dgm:txFillClrLst meth="repeat">
+      <a:schemeClr val="dk1"/>
+    </dgm:txFillClrLst>
+    <dgm:txEffectClrLst/>
+  </dgm:styleLbl>
+  <dgm:styleLbl name="dkBgShp">
+    <dgm:fillClrLst meth="repeat">
+      <a:schemeClr val="accent1">
+        <a:shade val="80000"/>
+      </a:schemeClr>
+    </dgm:fillClrLst>
+    <dgm:linClrLst meth="repeat">
+      <a:schemeClr val="accent1"/>
+    </dgm:linClrLst>
+    <dgm:effectClrLst/>
+    <dgm:txLinClrLst/>
+    <dgm:txFillClrLst meth="repeat">
+      <a:schemeClr val="lt1"/>
+    </dgm:txFillClrLst>
+    <dgm:txEffectClrLst/>
+  </dgm:styleLbl>
+  <dgm:styleLbl name="trBgShp">
+    <dgm:fillClrLst meth="repeat">
+      <a:schemeClr val="accent1">
+        <a:tint val="50000"/>
+        <a:alpha val="40000"/>
+      </a:schemeClr>
+    </dgm:fillClrLst>
+    <dgm:linClrLst meth="repeat">
+      <a:schemeClr val="accent1"/>
+    </dgm:linClrLst>
+    <dgm:effectClrLst/>
+    <dgm:txLinClrLst/>
+    <dgm:txFillClrLst meth="repeat">
+      <a:schemeClr val="lt1"/>
+    </dgm:txFillClrLst>
+    <dgm:txEffectClrLst/>
+  </dgm:styleLbl>
+  <dgm:styleLbl name="fgShp">
+    <dgm:fillClrLst meth="repeat">
+      <a:schemeClr val="accent1">
+        <a:tint val="60000"/>
+      </a:schemeClr>
+    </dgm:fillClrLst>
+    <dgm:linClrLst meth="repeat">
+      <a:schemeClr val="lt1"/>
+    </dgm:linClrLst>
+    <dgm:effectClrLst/>
+    <dgm:txLinClrLst/>
+    <dgm:txFillClrLst meth="repeat">
+      <a:schemeClr val="dk1"/>
+    </dgm:txFillClrLst>
+    <dgm:txEffectClrLst/>
+  </dgm:styleLbl>
+  <dgm:styleLbl name="revTx">
+    <dgm:fillClrLst meth="repeat">
+      <a:schemeClr val="lt1">
+        <a:alpha val="0"/>
+      </a:schemeClr>
+    </dgm:fillClrLst>
+    <dgm:linClrLst meth="repeat">
+      <a:schemeClr val="dk1">
+        <a:alpha val="0"/>
+      </a:schemeClr>
+    </dgm:linClrLst>
+    <dgm:effectClrLst/>
+    <dgm:txLinClrLst/>
+    <dgm:txFillClrLst meth="repeat">
+      <a:schemeClr val="tx1"/>
+    </dgm:txFillClrLst>
+    <dgm:txEffectClrLst/>
+  </dgm:styleLbl>
+</dgm:colorsDef>
+</file>
+
+<file path=ppt/diagrams/colors2.xml><?xml version="1.0" encoding="utf-8"?>
 <dgm:colorsDef xmlns:dgm="http://schemas.openxmlformats.org/drawingml/2006/diagram" xmlns:a="http://schemas.openxmlformats.org/drawingml/2006/main" uniqueId="urn:microsoft.com/office/officeart/2005/8/colors/accent1_2">
   <dgm:title val=""/>
   <dgm:desc val=""/>
@@ -1091,6 +1839,352 @@
   <dgm:extLst>
     <a:ext uri="http://schemas.microsoft.com/office/drawing/2008/diagram">
       <dsp:dataModelExt xmlns:dsp="http://schemas.microsoft.com/office/drawing/2008/diagram" relId="rId9" minVer="http://schemas.openxmlformats.org/drawingml/2006/diagram"/>
+    </a:ext>
+  </dgm:extLst>
+</dgm:dataModel>
+</file>
+
+<file path=ppt/diagrams/data2.xml><?xml version="1.0" encoding="utf-8"?>
+<dgm:dataModel xmlns:dgm="http://schemas.openxmlformats.org/drawingml/2006/diagram" xmlns:a="http://schemas.openxmlformats.org/drawingml/2006/main">
+  <dgm:ptLst>
+    <dgm:pt modelId="{3512F1F4-4A60-4552-8AA8-A87E2B0163CC}" type="doc">
+      <dgm:prSet loTypeId="urn:microsoft.com/office/officeart/2005/8/layout/target1" loCatId="relationship" qsTypeId="urn:microsoft.com/office/officeart/2005/8/quickstyle/simple1" qsCatId="simple" csTypeId="urn:microsoft.com/office/officeart/2005/8/colors/accent1_2" csCatId="accent1" phldr="1"/>
+      <dgm:spPr/>
+    </dgm:pt>
+    <dgm:pt modelId="{A5EC5DCA-6B44-47D6-98FE-7FFCF05F2408}">
+      <dgm:prSet phldrT="[Text]"/>
+      <dgm:spPr/>
+      <dgm:t>
+        <a:bodyPr/>
+        <a:lstStyle/>
+        <a:p>
+          <a:r>
+            <a:rPr lang="en-IN" dirty="0"/>
+            <a:t>General Management</a:t>
+          </a:r>
+          <a:endParaRPr lang="en-US" dirty="0"/>
+        </a:p>
+      </dgm:t>
+    </dgm:pt>
+    <dgm:pt modelId="{5B8F8BA7-9C99-4083-B23E-F0AF28FEED7C}" type="parTrans" cxnId="{D1DB79E8-386F-4476-8B23-3C1B7CC1D406}">
+      <dgm:prSet/>
+      <dgm:spPr/>
+      <dgm:t>
+        <a:bodyPr/>
+        <a:lstStyle/>
+        <a:p>
+          <a:endParaRPr lang="en-US"/>
+        </a:p>
+      </dgm:t>
+    </dgm:pt>
+    <dgm:pt modelId="{419C9811-9E37-4487-8E40-08B194E19596}" type="sibTrans" cxnId="{D1DB79E8-386F-4476-8B23-3C1B7CC1D406}">
+      <dgm:prSet/>
+      <dgm:spPr/>
+      <dgm:t>
+        <a:bodyPr/>
+        <a:lstStyle/>
+        <a:p>
+          <a:endParaRPr lang="en-US"/>
+        </a:p>
+      </dgm:t>
+    </dgm:pt>
+    <dgm:pt modelId="{0D764F9B-EDEC-45D1-B342-B02D72960A39}">
+      <dgm:prSet phldrT="[Text]"/>
+      <dgm:spPr/>
+      <dgm:t>
+        <a:bodyPr/>
+        <a:lstStyle/>
+        <a:p>
+          <a:r>
+            <a:rPr lang="en-IN" dirty="0"/>
+            <a:t>Software Development</a:t>
+          </a:r>
+          <a:endParaRPr lang="en-US" dirty="0"/>
+        </a:p>
+      </dgm:t>
+    </dgm:pt>
+    <dgm:pt modelId="{56C6D35D-489A-4FBB-A112-436051C27C79}" type="parTrans" cxnId="{BA69F3E1-223D-489E-9CE3-14568F24F18E}">
+      <dgm:prSet/>
+      <dgm:spPr/>
+      <dgm:t>
+        <a:bodyPr/>
+        <a:lstStyle/>
+        <a:p>
+          <a:endParaRPr lang="en-US"/>
+        </a:p>
+      </dgm:t>
+    </dgm:pt>
+    <dgm:pt modelId="{20224D54-71C4-499A-8559-FC27CCA0C4B7}" type="sibTrans" cxnId="{BA69F3E1-223D-489E-9CE3-14568F24F18E}">
+      <dgm:prSet/>
+      <dgm:spPr/>
+      <dgm:t>
+        <a:bodyPr/>
+        <a:lstStyle/>
+        <a:p>
+          <a:endParaRPr lang="en-US"/>
+        </a:p>
+      </dgm:t>
+    </dgm:pt>
+    <dgm:pt modelId="{8983178A-B23F-4F6B-B8B6-DEABBC4AAF57}">
+      <dgm:prSet phldrT="[Text]"/>
+      <dgm:spPr/>
+      <dgm:t>
+        <a:bodyPr/>
+        <a:lstStyle/>
+        <a:p>
+          <a:r>
+            <a:rPr lang="en-IN" dirty="0"/>
+            <a:t>Product Design</a:t>
+          </a:r>
+          <a:endParaRPr lang="en-US" dirty="0"/>
+        </a:p>
+      </dgm:t>
+    </dgm:pt>
+    <dgm:pt modelId="{3C826AA6-9156-41FA-A602-1A411DE18D98}" type="parTrans" cxnId="{845C9F89-AB1F-440E-9E05-991587E37571}">
+      <dgm:prSet/>
+      <dgm:spPr/>
+      <dgm:t>
+        <a:bodyPr/>
+        <a:lstStyle/>
+        <a:p>
+          <a:endParaRPr lang="en-US"/>
+        </a:p>
+      </dgm:t>
+    </dgm:pt>
+    <dgm:pt modelId="{F74C8F70-B289-4220-9440-B1C809EB2830}" type="sibTrans" cxnId="{845C9F89-AB1F-440E-9E05-991587E37571}">
+      <dgm:prSet/>
+      <dgm:spPr/>
+      <dgm:t>
+        <a:bodyPr/>
+        <a:lstStyle/>
+        <a:p>
+          <a:endParaRPr lang="en-US"/>
+        </a:p>
+      </dgm:t>
+    </dgm:pt>
+    <dgm:pt modelId="{673DA3ED-8742-4C11-B3A7-EE5E24AF51E1}">
+      <dgm:prSet/>
+      <dgm:spPr/>
+      <dgm:t>
+        <a:bodyPr/>
+        <a:lstStyle/>
+        <a:p>
+          <a:r>
+            <a:rPr lang="en-IN" dirty="0"/>
+            <a:t>Product/System Support</a:t>
+          </a:r>
+          <a:endParaRPr lang="en-US" dirty="0"/>
+        </a:p>
+      </dgm:t>
+    </dgm:pt>
+    <dgm:pt modelId="{2D9EB3B5-64AF-4DDE-97E4-F100E615C118}" type="parTrans" cxnId="{51D37859-3866-42E6-BD61-CF4E4D3CEAA6}">
+      <dgm:prSet/>
+      <dgm:spPr/>
+      <dgm:t>
+        <a:bodyPr/>
+        <a:lstStyle/>
+        <a:p>
+          <a:endParaRPr lang="en-US"/>
+        </a:p>
+      </dgm:t>
+    </dgm:pt>
+    <dgm:pt modelId="{EE3A7675-BCA5-4CE3-B1F0-0C1CCFA316B2}" type="sibTrans" cxnId="{51D37859-3866-42E6-BD61-CF4E4D3CEAA6}">
+      <dgm:prSet/>
+      <dgm:spPr/>
+      <dgm:t>
+        <a:bodyPr/>
+        <a:lstStyle/>
+        <a:p>
+          <a:endParaRPr lang="en-US"/>
+        </a:p>
+      </dgm:t>
+    </dgm:pt>
+    <dgm:pt modelId="{D0DB091A-DF40-48C5-84DD-5FB8DC78F4B0}">
+      <dgm:prSet/>
+      <dgm:spPr/>
+      <dgm:t>
+        <a:bodyPr/>
+        <a:lstStyle/>
+        <a:p>
+          <a:r>
+            <a:rPr lang="en-IN" dirty="0"/>
+            <a:t>Proposition Design</a:t>
+          </a:r>
+          <a:endParaRPr lang="en-US" dirty="0"/>
+        </a:p>
+      </dgm:t>
+    </dgm:pt>
+    <dgm:pt modelId="{0C49912B-1722-4E42-A262-B620E7F66EBD}" type="parTrans" cxnId="{B14C19FE-323B-4015-875A-EB34057485DD}">
+      <dgm:prSet/>
+      <dgm:spPr/>
+      <dgm:t>
+        <a:bodyPr/>
+        <a:lstStyle/>
+        <a:p>
+          <a:endParaRPr lang="en-US"/>
+        </a:p>
+      </dgm:t>
+    </dgm:pt>
+    <dgm:pt modelId="{BC35C01F-17FA-4807-BA75-68D0E1538518}" type="sibTrans" cxnId="{B14C19FE-323B-4015-875A-EB34057485DD}">
+      <dgm:prSet/>
+      <dgm:spPr/>
+      <dgm:t>
+        <a:bodyPr/>
+        <a:lstStyle/>
+        <a:p>
+          <a:endParaRPr lang="en-US"/>
+        </a:p>
+      </dgm:t>
+    </dgm:pt>
+    <dgm:pt modelId="{2AF09F17-653F-45FC-A764-9E713A5EBCB4}" type="pres">
+      <dgm:prSet presAssocID="{3512F1F4-4A60-4552-8AA8-A87E2B0163CC}" presName="composite" presStyleCnt="0">
+        <dgm:presLayoutVars>
+          <dgm:chMax val="5"/>
+          <dgm:dir/>
+          <dgm:resizeHandles val="exact"/>
+        </dgm:presLayoutVars>
+      </dgm:prSet>
+      <dgm:spPr/>
+    </dgm:pt>
+    <dgm:pt modelId="{8CA5BE4B-8EE2-4773-A892-AB33CD3263C4}" type="pres">
+      <dgm:prSet presAssocID="{A5EC5DCA-6B44-47D6-98FE-7FFCF05F2408}" presName="circle1" presStyleLbl="lnNode1" presStyleIdx="0" presStyleCnt="5"/>
+      <dgm:spPr/>
+    </dgm:pt>
+    <dgm:pt modelId="{BE1D8CAD-4561-4D09-86B0-EA5B5893063F}" type="pres">
+      <dgm:prSet presAssocID="{A5EC5DCA-6B44-47D6-98FE-7FFCF05F2408}" presName="text1" presStyleLbl="revTx" presStyleIdx="0" presStyleCnt="5">
+        <dgm:presLayoutVars>
+          <dgm:bulletEnabled val="1"/>
+        </dgm:presLayoutVars>
+      </dgm:prSet>
+      <dgm:spPr/>
+    </dgm:pt>
+    <dgm:pt modelId="{CB6E3638-8D36-4D73-8AC5-107236F47D0B}" type="pres">
+      <dgm:prSet presAssocID="{A5EC5DCA-6B44-47D6-98FE-7FFCF05F2408}" presName="line1" presStyleLbl="callout" presStyleIdx="0" presStyleCnt="10"/>
+      <dgm:spPr/>
+    </dgm:pt>
+    <dgm:pt modelId="{2A219E5C-ADB7-4422-9A6A-09B817FA3949}" type="pres">
+      <dgm:prSet presAssocID="{A5EC5DCA-6B44-47D6-98FE-7FFCF05F2408}" presName="d1" presStyleLbl="callout" presStyleIdx="1" presStyleCnt="10"/>
+      <dgm:spPr/>
+    </dgm:pt>
+    <dgm:pt modelId="{23D06C84-EF6F-49A4-9DB7-738172519800}" type="pres">
+      <dgm:prSet presAssocID="{0D764F9B-EDEC-45D1-B342-B02D72960A39}" presName="circle2" presStyleLbl="lnNode1" presStyleIdx="1" presStyleCnt="5"/>
+      <dgm:spPr/>
+    </dgm:pt>
+    <dgm:pt modelId="{AB5B8C34-6CE8-4BDE-916E-70598835A815}" type="pres">
+      <dgm:prSet presAssocID="{0D764F9B-EDEC-45D1-B342-B02D72960A39}" presName="text2" presStyleLbl="revTx" presStyleIdx="1" presStyleCnt="5">
+        <dgm:presLayoutVars>
+          <dgm:bulletEnabled val="1"/>
+        </dgm:presLayoutVars>
+      </dgm:prSet>
+      <dgm:spPr/>
+    </dgm:pt>
+    <dgm:pt modelId="{5CF011F1-230D-4BC6-B0EE-6FE5AA0A94A0}" type="pres">
+      <dgm:prSet presAssocID="{0D764F9B-EDEC-45D1-B342-B02D72960A39}" presName="line2" presStyleLbl="callout" presStyleIdx="2" presStyleCnt="10"/>
+      <dgm:spPr/>
+    </dgm:pt>
+    <dgm:pt modelId="{A7E35641-A72E-4DB1-AAD1-9B0213ADC24C}" type="pres">
+      <dgm:prSet presAssocID="{0D764F9B-EDEC-45D1-B342-B02D72960A39}" presName="d2" presStyleLbl="callout" presStyleIdx="3" presStyleCnt="10"/>
+      <dgm:spPr/>
+    </dgm:pt>
+    <dgm:pt modelId="{3DA43B5F-BE2A-427E-8D5D-65CA5A5B5BBC}" type="pres">
+      <dgm:prSet presAssocID="{8983178A-B23F-4F6B-B8B6-DEABBC4AAF57}" presName="circle3" presStyleLbl="lnNode1" presStyleIdx="2" presStyleCnt="5"/>
+      <dgm:spPr/>
+    </dgm:pt>
+    <dgm:pt modelId="{ED5F4422-8EF0-4C28-9A60-7828D3DA10AD}" type="pres">
+      <dgm:prSet presAssocID="{8983178A-B23F-4F6B-B8B6-DEABBC4AAF57}" presName="text3" presStyleLbl="revTx" presStyleIdx="2" presStyleCnt="5">
+        <dgm:presLayoutVars>
+          <dgm:bulletEnabled val="1"/>
+        </dgm:presLayoutVars>
+      </dgm:prSet>
+      <dgm:spPr/>
+    </dgm:pt>
+    <dgm:pt modelId="{F3A14C4F-B98F-413B-80A4-DF04CC996E66}" type="pres">
+      <dgm:prSet presAssocID="{8983178A-B23F-4F6B-B8B6-DEABBC4AAF57}" presName="line3" presStyleLbl="callout" presStyleIdx="4" presStyleCnt="10"/>
+      <dgm:spPr/>
+    </dgm:pt>
+    <dgm:pt modelId="{D53103D3-9C9E-4119-97C0-AA8065E11F1F}" type="pres">
+      <dgm:prSet presAssocID="{8983178A-B23F-4F6B-B8B6-DEABBC4AAF57}" presName="d3" presStyleLbl="callout" presStyleIdx="5" presStyleCnt="10"/>
+      <dgm:spPr/>
+    </dgm:pt>
+    <dgm:pt modelId="{B23A9C65-725B-46B4-96AF-764A073547B1}" type="pres">
+      <dgm:prSet presAssocID="{673DA3ED-8742-4C11-B3A7-EE5E24AF51E1}" presName="circle4" presStyleLbl="lnNode1" presStyleIdx="3" presStyleCnt="5"/>
+      <dgm:spPr/>
+    </dgm:pt>
+    <dgm:pt modelId="{C39203BD-4504-4DE6-9FDE-E44130C8DD67}" type="pres">
+      <dgm:prSet presAssocID="{673DA3ED-8742-4C11-B3A7-EE5E24AF51E1}" presName="text4" presStyleLbl="revTx" presStyleIdx="3" presStyleCnt="5">
+        <dgm:presLayoutVars>
+          <dgm:bulletEnabled val="1"/>
+        </dgm:presLayoutVars>
+      </dgm:prSet>
+      <dgm:spPr/>
+    </dgm:pt>
+    <dgm:pt modelId="{4E8B6655-BFBC-44FC-8807-01BFF5BEEC4E}" type="pres">
+      <dgm:prSet presAssocID="{673DA3ED-8742-4C11-B3A7-EE5E24AF51E1}" presName="line4" presStyleLbl="callout" presStyleIdx="6" presStyleCnt="10"/>
+      <dgm:spPr/>
+    </dgm:pt>
+    <dgm:pt modelId="{1CDCA1E1-0EC3-465D-B18C-7CF6CA8CE2EA}" type="pres">
+      <dgm:prSet presAssocID="{673DA3ED-8742-4C11-B3A7-EE5E24AF51E1}" presName="d4" presStyleLbl="callout" presStyleIdx="7" presStyleCnt="10"/>
+      <dgm:spPr/>
+    </dgm:pt>
+    <dgm:pt modelId="{E4B2F3B5-B1A7-48D2-B449-E1525F25A1A8}" type="pres">
+      <dgm:prSet presAssocID="{D0DB091A-DF40-48C5-84DD-5FB8DC78F4B0}" presName="circle5" presStyleLbl="lnNode1" presStyleIdx="4" presStyleCnt="5"/>
+      <dgm:spPr/>
+    </dgm:pt>
+    <dgm:pt modelId="{6E3E01EE-7BD8-4E9A-A1B8-D37DD468A98E}" type="pres">
+      <dgm:prSet presAssocID="{D0DB091A-DF40-48C5-84DD-5FB8DC78F4B0}" presName="text5" presStyleLbl="revTx" presStyleIdx="4" presStyleCnt="5">
+        <dgm:presLayoutVars>
+          <dgm:bulletEnabled val="1"/>
+        </dgm:presLayoutVars>
+      </dgm:prSet>
+      <dgm:spPr/>
+    </dgm:pt>
+    <dgm:pt modelId="{94FFA3D3-3072-4145-BE6F-5BC7264962C0}" type="pres">
+      <dgm:prSet presAssocID="{D0DB091A-DF40-48C5-84DD-5FB8DC78F4B0}" presName="line5" presStyleLbl="callout" presStyleIdx="8" presStyleCnt="10"/>
+      <dgm:spPr/>
+    </dgm:pt>
+    <dgm:pt modelId="{99FEC4F2-7B4C-4423-A1B5-FD5FB4F75D3C}" type="pres">
+      <dgm:prSet presAssocID="{D0DB091A-DF40-48C5-84DD-5FB8DC78F4B0}" presName="d5" presStyleLbl="callout" presStyleIdx="9" presStyleCnt="10"/>
+      <dgm:spPr/>
+    </dgm:pt>
+  </dgm:ptLst>
+  <dgm:cxnLst>
+    <dgm:cxn modelId="{543F9F3C-DC5E-4A0D-806B-9C053E3060E4}" type="presOf" srcId="{3512F1F4-4A60-4552-8AA8-A87E2B0163CC}" destId="{2AF09F17-653F-45FC-A764-9E713A5EBCB4}" srcOrd="0" destOrd="0" presId="urn:microsoft.com/office/officeart/2005/8/layout/target1"/>
+    <dgm:cxn modelId="{D99DD73D-7AD5-4466-96FB-DF77E6CB20F1}" type="presOf" srcId="{673DA3ED-8742-4C11-B3A7-EE5E24AF51E1}" destId="{C39203BD-4504-4DE6-9FDE-E44130C8DD67}" srcOrd="0" destOrd="0" presId="urn:microsoft.com/office/officeart/2005/8/layout/target1"/>
+    <dgm:cxn modelId="{01E69968-B2D1-46F4-9CB4-40A39DB7D898}" type="presOf" srcId="{0D764F9B-EDEC-45D1-B342-B02D72960A39}" destId="{AB5B8C34-6CE8-4BDE-916E-70598835A815}" srcOrd="0" destOrd="0" presId="urn:microsoft.com/office/officeart/2005/8/layout/target1"/>
+    <dgm:cxn modelId="{51D37859-3866-42E6-BD61-CF4E4D3CEAA6}" srcId="{3512F1F4-4A60-4552-8AA8-A87E2B0163CC}" destId="{673DA3ED-8742-4C11-B3A7-EE5E24AF51E1}" srcOrd="3" destOrd="0" parTransId="{2D9EB3B5-64AF-4DDE-97E4-F100E615C118}" sibTransId="{EE3A7675-BCA5-4CE3-B1F0-0C1CCFA316B2}"/>
+    <dgm:cxn modelId="{845C9F89-AB1F-440E-9E05-991587E37571}" srcId="{3512F1F4-4A60-4552-8AA8-A87E2B0163CC}" destId="{8983178A-B23F-4F6B-B8B6-DEABBC4AAF57}" srcOrd="2" destOrd="0" parTransId="{3C826AA6-9156-41FA-A602-1A411DE18D98}" sibTransId="{F74C8F70-B289-4220-9440-B1C809EB2830}"/>
+    <dgm:cxn modelId="{31FD129B-B58F-4BB6-AF67-33E8B6396C25}" type="presOf" srcId="{D0DB091A-DF40-48C5-84DD-5FB8DC78F4B0}" destId="{6E3E01EE-7BD8-4E9A-A1B8-D37DD468A98E}" srcOrd="0" destOrd="0" presId="urn:microsoft.com/office/officeart/2005/8/layout/target1"/>
+    <dgm:cxn modelId="{FCAB39DB-7367-443B-B36D-35EBBC6FFDAA}" type="presOf" srcId="{A5EC5DCA-6B44-47D6-98FE-7FFCF05F2408}" destId="{BE1D8CAD-4561-4D09-86B0-EA5B5893063F}" srcOrd="0" destOrd="0" presId="urn:microsoft.com/office/officeart/2005/8/layout/target1"/>
+    <dgm:cxn modelId="{51E2E0DB-2EBD-419E-A9CB-11B2AD164475}" type="presOf" srcId="{8983178A-B23F-4F6B-B8B6-DEABBC4AAF57}" destId="{ED5F4422-8EF0-4C28-9A60-7828D3DA10AD}" srcOrd="0" destOrd="0" presId="urn:microsoft.com/office/officeart/2005/8/layout/target1"/>
+    <dgm:cxn modelId="{BA69F3E1-223D-489E-9CE3-14568F24F18E}" srcId="{3512F1F4-4A60-4552-8AA8-A87E2B0163CC}" destId="{0D764F9B-EDEC-45D1-B342-B02D72960A39}" srcOrd="1" destOrd="0" parTransId="{56C6D35D-489A-4FBB-A112-436051C27C79}" sibTransId="{20224D54-71C4-499A-8559-FC27CCA0C4B7}"/>
+    <dgm:cxn modelId="{D1DB79E8-386F-4476-8B23-3C1B7CC1D406}" srcId="{3512F1F4-4A60-4552-8AA8-A87E2B0163CC}" destId="{A5EC5DCA-6B44-47D6-98FE-7FFCF05F2408}" srcOrd="0" destOrd="0" parTransId="{5B8F8BA7-9C99-4083-B23E-F0AF28FEED7C}" sibTransId="{419C9811-9E37-4487-8E40-08B194E19596}"/>
+    <dgm:cxn modelId="{B14C19FE-323B-4015-875A-EB34057485DD}" srcId="{3512F1F4-4A60-4552-8AA8-A87E2B0163CC}" destId="{D0DB091A-DF40-48C5-84DD-5FB8DC78F4B0}" srcOrd="4" destOrd="0" parTransId="{0C49912B-1722-4E42-A262-B620E7F66EBD}" sibTransId="{BC35C01F-17FA-4807-BA75-68D0E1538518}"/>
+    <dgm:cxn modelId="{3AA18BA1-8428-4D9C-83E4-CB0B5BB9AE20}" type="presParOf" srcId="{2AF09F17-653F-45FC-A764-9E713A5EBCB4}" destId="{8CA5BE4B-8EE2-4773-A892-AB33CD3263C4}" srcOrd="0" destOrd="0" presId="urn:microsoft.com/office/officeart/2005/8/layout/target1"/>
+    <dgm:cxn modelId="{801A3F3C-A706-4BF3-83CF-841C8EE4D826}" type="presParOf" srcId="{2AF09F17-653F-45FC-A764-9E713A5EBCB4}" destId="{BE1D8CAD-4561-4D09-86B0-EA5B5893063F}" srcOrd="1" destOrd="0" presId="urn:microsoft.com/office/officeart/2005/8/layout/target1"/>
+    <dgm:cxn modelId="{F1754DF7-A67A-460C-ABCF-ADE7AA763CB9}" type="presParOf" srcId="{2AF09F17-653F-45FC-A764-9E713A5EBCB4}" destId="{CB6E3638-8D36-4D73-8AC5-107236F47D0B}" srcOrd="2" destOrd="0" presId="urn:microsoft.com/office/officeart/2005/8/layout/target1"/>
+    <dgm:cxn modelId="{6DA13A2F-AD77-4A3A-9653-FE8AF7F26825}" type="presParOf" srcId="{2AF09F17-653F-45FC-A764-9E713A5EBCB4}" destId="{2A219E5C-ADB7-4422-9A6A-09B817FA3949}" srcOrd="3" destOrd="0" presId="urn:microsoft.com/office/officeart/2005/8/layout/target1"/>
+    <dgm:cxn modelId="{4BBEC778-7227-4892-BECC-19BF643D9118}" type="presParOf" srcId="{2AF09F17-653F-45FC-A764-9E713A5EBCB4}" destId="{23D06C84-EF6F-49A4-9DB7-738172519800}" srcOrd="4" destOrd="0" presId="urn:microsoft.com/office/officeart/2005/8/layout/target1"/>
+    <dgm:cxn modelId="{AE0A0B02-29E5-4974-AB39-692F0955E8DE}" type="presParOf" srcId="{2AF09F17-653F-45FC-A764-9E713A5EBCB4}" destId="{AB5B8C34-6CE8-4BDE-916E-70598835A815}" srcOrd="5" destOrd="0" presId="urn:microsoft.com/office/officeart/2005/8/layout/target1"/>
+    <dgm:cxn modelId="{E043F885-C2B6-4482-A5A4-0D024558F49C}" type="presParOf" srcId="{2AF09F17-653F-45FC-A764-9E713A5EBCB4}" destId="{5CF011F1-230D-4BC6-B0EE-6FE5AA0A94A0}" srcOrd="6" destOrd="0" presId="urn:microsoft.com/office/officeart/2005/8/layout/target1"/>
+    <dgm:cxn modelId="{F533556B-F9B7-46C2-98EE-EDD719C6FBCB}" type="presParOf" srcId="{2AF09F17-653F-45FC-A764-9E713A5EBCB4}" destId="{A7E35641-A72E-4DB1-AAD1-9B0213ADC24C}" srcOrd="7" destOrd="0" presId="urn:microsoft.com/office/officeart/2005/8/layout/target1"/>
+    <dgm:cxn modelId="{B9A13F2C-A3EE-4DCD-BC0D-B5327E19126A}" type="presParOf" srcId="{2AF09F17-653F-45FC-A764-9E713A5EBCB4}" destId="{3DA43B5F-BE2A-427E-8D5D-65CA5A5B5BBC}" srcOrd="8" destOrd="0" presId="urn:microsoft.com/office/officeart/2005/8/layout/target1"/>
+    <dgm:cxn modelId="{4FD37914-4C5C-43DE-9EA4-FE0D62EDF390}" type="presParOf" srcId="{2AF09F17-653F-45FC-A764-9E713A5EBCB4}" destId="{ED5F4422-8EF0-4C28-9A60-7828D3DA10AD}" srcOrd="9" destOrd="0" presId="urn:microsoft.com/office/officeart/2005/8/layout/target1"/>
+    <dgm:cxn modelId="{75739967-8ED7-4817-97A5-1F1A4795623D}" type="presParOf" srcId="{2AF09F17-653F-45FC-A764-9E713A5EBCB4}" destId="{F3A14C4F-B98F-413B-80A4-DF04CC996E66}" srcOrd="10" destOrd="0" presId="urn:microsoft.com/office/officeart/2005/8/layout/target1"/>
+    <dgm:cxn modelId="{3A189459-B0FE-48C3-B411-70CB6684BCB5}" type="presParOf" srcId="{2AF09F17-653F-45FC-A764-9E713A5EBCB4}" destId="{D53103D3-9C9E-4119-97C0-AA8065E11F1F}" srcOrd="11" destOrd="0" presId="urn:microsoft.com/office/officeart/2005/8/layout/target1"/>
+    <dgm:cxn modelId="{316A48C6-27BC-4A0B-A62D-52CB938DC5B4}" type="presParOf" srcId="{2AF09F17-653F-45FC-A764-9E713A5EBCB4}" destId="{B23A9C65-725B-46B4-96AF-764A073547B1}" srcOrd="12" destOrd="0" presId="urn:microsoft.com/office/officeart/2005/8/layout/target1"/>
+    <dgm:cxn modelId="{665C43E1-E2D6-4081-82EC-4986E2E60631}" type="presParOf" srcId="{2AF09F17-653F-45FC-A764-9E713A5EBCB4}" destId="{C39203BD-4504-4DE6-9FDE-E44130C8DD67}" srcOrd="13" destOrd="0" presId="urn:microsoft.com/office/officeart/2005/8/layout/target1"/>
+    <dgm:cxn modelId="{573A7B85-A55B-44D8-913A-4CD0BA3E1B2D}" type="presParOf" srcId="{2AF09F17-653F-45FC-A764-9E713A5EBCB4}" destId="{4E8B6655-BFBC-44FC-8807-01BFF5BEEC4E}" srcOrd="14" destOrd="0" presId="urn:microsoft.com/office/officeart/2005/8/layout/target1"/>
+    <dgm:cxn modelId="{523EE0DA-5905-4D6B-A586-BD8ED93670D1}" type="presParOf" srcId="{2AF09F17-653F-45FC-A764-9E713A5EBCB4}" destId="{1CDCA1E1-0EC3-465D-B18C-7CF6CA8CE2EA}" srcOrd="15" destOrd="0" presId="urn:microsoft.com/office/officeart/2005/8/layout/target1"/>
+    <dgm:cxn modelId="{B98E4B2C-7EF4-4D73-B5B8-70B864B45FC0}" type="presParOf" srcId="{2AF09F17-653F-45FC-A764-9E713A5EBCB4}" destId="{E4B2F3B5-B1A7-48D2-B449-E1525F25A1A8}" srcOrd="16" destOrd="0" presId="urn:microsoft.com/office/officeart/2005/8/layout/target1"/>
+    <dgm:cxn modelId="{07C4AE14-70D7-4AEA-BFFA-444344FECED1}" type="presParOf" srcId="{2AF09F17-653F-45FC-A764-9E713A5EBCB4}" destId="{6E3E01EE-7BD8-4E9A-A1B8-D37DD468A98E}" srcOrd="17" destOrd="0" presId="urn:microsoft.com/office/officeart/2005/8/layout/target1"/>
+    <dgm:cxn modelId="{9BB2B8FE-1695-440C-A513-9386ADBCAD04}" type="presParOf" srcId="{2AF09F17-653F-45FC-A764-9E713A5EBCB4}" destId="{94FFA3D3-3072-4145-BE6F-5BC7264962C0}" srcOrd="18" destOrd="0" presId="urn:microsoft.com/office/officeart/2005/8/layout/target1"/>
+    <dgm:cxn modelId="{5B878055-7D48-4B9A-9010-C13E12705DAA}" type="presParOf" srcId="{2AF09F17-653F-45FC-A764-9E713A5EBCB4}" destId="{99FEC4F2-7B4C-4423-A1B5-FD5FB4F75D3C}" srcOrd="19" destOrd="0" presId="urn:microsoft.com/office/officeart/2005/8/layout/target1"/>
+  </dgm:cxnLst>
+  <dgm:bg/>
+  <dgm:whole/>
+  <dgm:extLst>
+    <a:ext uri="http://schemas.microsoft.com/office/drawing/2008/diagram">
+      <dsp:dataModelExt xmlns:dsp="http://schemas.microsoft.com/office/drawing/2008/diagram" relId="rId6" minVer="http://schemas.openxmlformats.org/drawingml/2006/diagram"/>
     </a:ext>
   </dgm:extLst>
 </dgm:dataModel>
@@ -1673,6 +2767,1063 @@
         <a:xfrm rot="5400000">
           <a:off x="2709164" y="2417317"/>
           <a:ext cx="1166368" cy="775716"/>
+        </a:xfrm>
+        <a:prstGeom prst="line">
+          <a:avLst/>
+        </a:prstGeom>
+        <a:solidFill>
+          <a:schemeClr val="accent1">
+            <a:hueOff val="0"/>
+            <a:satOff val="0"/>
+            <a:lumOff val="0"/>
+            <a:alphaOff val="0"/>
+          </a:schemeClr>
+        </a:solidFill>
+        <a:ln w="12700" cap="flat" cmpd="sng" algn="ctr">
+          <a:solidFill>
+            <a:schemeClr val="accent1">
+              <a:tint val="50000"/>
+              <a:hueOff val="0"/>
+              <a:satOff val="0"/>
+              <a:lumOff val="0"/>
+              <a:alphaOff val="0"/>
+            </a:schemeClr>
+          </a:solidFill>
+          <a:prstDash val="solid"/>
+          <a:miter lim="800000"/>
+        </a:ln>
+        <a:effectLst/>
+      </dsp:spPr>
+      <dsp:style>
+        <a:lnRef idx="2">
+          <a:scrgbClr r="0" g="0" b="0"/>
+        </a:lnRef>
+        <a:fillRef idx="1">
+          <a:scrgbClr r="0" g="0" b="0"/>
+        </a:fillRef>
+        <a:effectRef idx="0">
+          <a:scrgbClr r="0" g="0" b="0"/>
+        </a:effectRef>
+        <a:fontRef idx="minor"/>
+      </dsp:style>
+    </dsp:sp>
+  </dsp:spTree>
+</dsp:drawing>
+</file>
+
+<file path=ppt/diagrams/drawing2.xml><?xml version="1.0" encoding="utf-8"?>
+<dsp:drawing xmlns:dgm="http://schemas.openxmlformats.org/drawingml/2006/diagram" xmlns:dsp="http://schemas.microsoft.com/office/drawing/2008/diagram" xmlns:a="http://schemas.openxmlformats.org/drawingml/2006/main">
+  <dsp:spTree>
+    <dsp:nvGrpSpPr>
+      <dsp:cNvPr id="0" name=""/>
+      <dsp:cNvGrpSpPr/>
+    </dsp:nvGrpSpPr>
+    <dsp:grpSpPr/>
+    <dsp:sp modelId="{E4B2F3B5-B1A7-48D2-B449-E1525F25A1A8}">
+      <dsp:nvSpPr>
+        <dsp:cNvPr id="0" name=""/>
+        <dsp:cNvSpPr/>
+      </dsp:nvSpPr>
+      <dsp:spPr>
+        <a:xfrm>
+          <a:off x="677333" y="1181811"/>
+          <a:ext cx="4064000" cy="4064000"/>
+        </a:xfrm>
+        <a:prstGeom prst="ellipse">
+          <a:avLst/>
+        </a:prstGeom>
+        <a:solidFill>
+          <a:schemeClr val="accent1">
+            <a:hueOff val="0"/>
+            <a:satOff val="0"/>
+            <a:lumOff val="0"/>
+            <a:alphaOff val="0"/>
+          </a:schemeClr>
+        </a:solidFill>
+        <a:ln w="12700" cap="flat" cmpd="sng" algn="ctr">
+          <a:solidFill>
+            <a:schemeClr val="lt1">
+              <a:hueOff val="0"/>
+              <a:satOff val="0"/>
+              <a:lumOff val="0"/>
+              <a:alphaOff val="0"/>
+            </a:schemeClr>
+          </a:solidFill>
+          <a:prstDash val="solid"/>
+          <a:miter lim="800000"/>
+        </a:ln>
+        <a:effectLst/>
+      </dsp:spPr>
+      <dsp:style>
+        <a:lnRef idx="2">
+          <a:scrgbClr r="0" g="0" b="0"/>
+        </a:lnRef>
+        <a:fillRef idx="1">
+          <a:scrgbClr r="0" g="0" b="0"/>
+        </a:fillRef>
+        <a:effectRef idx="0">
+          <a:scrgbClr r="0" g="0" b="0"/>
+        </a:effectRef>
+        <a:fontRef idx="minor">
+          <a:schemeClr val="lt1"/>
+        </a:fontRef>
+      </dsp:style>
+    </dsp:sp>
+    <dsp:sp modelId="{B23A9C65-725B-46B4-96AF-764A073547B1}">
+      <dsp:nvSpPr>
+        <dsp:cNvPr id="0" name=""/>
+        <dsp:cNvSpPr/>
+      </dsp:nvSpPr>
+      <dsp:spPr>
+        <a:xfrm>
+          <a:off x="1128775" y="1633253"/>
+          <a:ext cx="3161114" cy="3161114"/>
+        </a:xfrm>
+        <a:prstGeom prst="ellipse">
+          <a:avLst/>
+        </a:prstGeom>
+        <a:solidFill>
+          <a:schemeClr val="accent1">
+            <a:hueOff val="0"/>
+            <a:satOff val="0"/>
+            <a:lumOff val="0"/>
+            <a:alphaOff val="0"/>
+          </a:schemeClr>
+        </a:solidFill>
+        <a:ln w="12700" cap="flat" cmpd="sng" algn="ctr">
+          <a:solidFill>
+            <a:schemeClr val="lt1">
+              <a:hueOff val="0"/>
+              <a:satOff val="0"/>
+              <a:lumOff val="0"/>
+              <a:alphaOff val="0"/>
+            </a:schemeClr>
+          </a:solidFill>
+          <a:prstDash val="solid"/>
+          <a:miter lim="800000"/>
+        </a:ln>
+        <a:effectLst/>
+      </dsp:spPr>
+      <dsp:style>
+        <a:lnRef idx="2">
+          <a:scrgbClr r="0" g="0" b="0"/>
+        </a:lnRef>
+        <a:fillRef idx="1">
+          <a:scrgbClr r="0" g="0" b="0"/>
+        </a:fillRef>
+        <a:effectRef idx="0">
+          <a:scrgbClr r="0" g="0" b="0"/>
+        </a:effectRef>
+        <a:fontRef idx="minor">
+          <a:schemeClr val="lt1"/>
+        </a:fontRef>
+      </dsp:style>
+    </dsp:sp>
+    <dsp:sp modelId="{3DA43B5F-BE2A-427E-8D5D-65CA5A5B5BBC}">
+      <dsp:nvSpPr>
+        <dsp:cNvPr id="0" name=""/>
+        <dsp:cNvSpPr/>
+      </dsp:nvSpPr>
+      <dsp:spPr>
+        <a:xfrm>
+          <a:off x="1580218" y="2084696"/>
+          <a:ext cx="2258229" cy="2258229"/>
+        </a:xfrm>
+        <a:prstGeom prst="ellipse">
+          <a:avLst/>
+        </a:prstGeom>
+        <a:solidFill>
+          <a:schemeClr val="accent1">
+            <a:hueOff val="0"/>
+            <a:satOff val="0"/>
+            <a:lumOff val="0"/>
+            <a:alphaOff val="0"/>
+          </a:schemeClr>
+        </a:solidFill>
+        <a:ln w="12700" cap="flat" cmpd="sng" algn="ctr">
+          <a:solidFill>
+            <a:schemeClr val="lt1">
+              <a:hueOff val="0"/>
+              <a:satOff val="0"/>
+              <a:lumOff val="0"/>
+              <a:alphaOff val="0"/>
+            </a:schemeClr>
+          </a:solidFill>
+          <a:prstDash val="solid"/>
+          <a:miter lim="800000"/>
+        </a:ln>
+        <a:effectLst/>
+      </dsp:spPr>
+      <dsp:style>
+        <a:lnRef idx="2">
+          <a:scrgbClr r="0" g="0" b="0"/>
+        </a:lnRef>
+        <a:fillRef idx="1">
+          <a:scrgbClr r="0" g="0" b="0"/>
+        </a:fillRef>
+        <a:effectRef idx="0">
+          <a:scrgbClr r="0" g="0" b="0"/>
+        </a:effectRef>
+        <a:fontRef idx="minor">
+          <a:schemeClr val="lt1"/>
+        </a:fontRef>
+      </dsp:style>
+    </dsp:sp>
+    <dsp:sp modelId="{23D06C84-EF6F-49A4-9DB7-738172519800}">
+      <dsp:nvSpPr>
+        <dsp:cNvPr id="0" name=""/>
+        <dsp:cNvSpPr/>
+      </dsp:nvSpPr>
+      <dsp:spPr>
+        <a:xfrm>
+          <a:off x="2031999" y="2536478"/>
+          <a:ext cx="1354666" cy="1354666"/>
+        </a:xfrm>
+        <a:prstGeom prst="ellipse">
+          <a:avLst/>
+        </a:prstGeom>
+        <a:solidFill>
+          <a:schemeClr val="accent1">
+            <a:hueOff val="0"/>
+            <a:satOff val="0"/>
+            <a:lumOff val="0"/>
+            <a:alphaOff val="0"/>
+          </a:schemeClr>
+        </a:solidFill>
+        <a:ln w="12700" cap="flat" cmpd="sng" algn="ctr">
+          <a:solidFill>
+            <a:schemeClr val="lt1">
+              <a:hueOff val="0"/>
+              <a:satOff val="0"/>
+              <a:lumOff val="0"/>
+              <a:alphaOff val="0"/>
+            </a:schemeClr>
+          </a:solidFill>
+          <a:prstDash val="solid"/>
+          <a:miter lim="800000"/>
+        </a:ln>
+        <a:effectLst/>
+      </dsp:spPr>
+      <dsp:style>
+        <a:lnRef idx="2">
+          <a:scrgbClr r="0" g="0" b="0"/>
+        </a:lnRef>
+        <a:fillRef idx="1">
+          <a:scrgbClr r="0" g="0" b="0"/>
+        </a:fillRef>
+        <a:effectRef idx="0">
+          <a:scrgbClr r="0" g="0" b="0"/>
+        </a:effectRef>
+        <a:fontRef idx="minor">
+          <a:schemeClr val="lt1"/>
+        </a:fontRef>
+      </dsp:style>
+    </dsp:sp>
+    <dsp:sp modelId="{8CA5BE4B-8EE2-4773-A892-AB33CD3263C4}">
+      <dsp:nvSpPr>
+        <dsp:cNvPr id="0" name=""/>
+        <dsp:cNvSpPr/>
+      </dsp:nvSpPr>
+      <dsp:spPr>
+        <a:xfrm>
+          <a:off x="2483442" y="2987920"/>
+          <a:ext cx="451781" cy="451781"/>
+        </a:xfrm>
+        <a:prstGeom prst="ellipse">
+          <a:avLst/>
+        </a:prstGeom>
+        <a:solidFill>
+          <a:schemeClr val="accent1">
+            <a:hueOff val="0"/>
+            <a:satOff val="0"/>
+            <a:lumOff val="0"/>
+            <a:alphaOff val="0"/>
+          </a:schemeClr>
+        </a:solidFill>
+        <a:ln w="12700" cap="flat" cmpd="sng" algn="ctr">
+          <a:solidFill>
+            <a:schemeClr val="lt1">
+              <a:hueOff val="0"/>
+              <a:satOff val="0"/>
+              <a:lumOff val="0"/>
+              <a:alphaOff val="0"/>
+            </a:schemeClr>
+          </a:solidFill>
+          <a:prstDash val="solid"/>
+          <a:miter lim="800000"/>
+        </a:ln>
+        <a:effectLst/>
+      </dsp:spPr>
+      <dsp:style>
+        <a:lnRef idx="2">
+          <a:scrgbClr r="0" g="0" b="0"/>
+        </a:lnRef>
+        <a:fillRef idx="1">
+          <a:scrgbClr r="0" g="0" b="0"/>
+        </a:fillRef>
+        <a:effectRef idx="0">
+          <a:scrgbClr r="0" g="0" b="0"/>
+        </a:effectRef>
+        <a:fontRef idx="minor">
+          <a:schemeClr val="lt1"/>
+        </a:fontRef>
+      </dsp:style>
+    </dsp:sp>
+    <dsp:sp modelId="{BE1D8CAD-4561-4D09-86B0-EA5B5893063F}">
+      <dsp:nvSpPr>
+        <dsp:cNvPr id="0" name=""/>
+        <dsp:cNvSpPr/>
+      </dsp:nvSpPr>
+      <dsp:spPr>
+        <a:xfrm>
+          <a:off x="5418666" y="172855"/>
+          <a:ext cx="2032000" cy="717431"/>
+        </a:xfrm>
+        <a:prstGeom prst="rect">
+          <a:avLst/>
+        </a:prstGeom>
+        <a:noFill/>
+        <a:ln>
+          <a:noFill/>
+        </a:ln>
+        <a:effectLst/>
+      </dsp:spPr>
+      <dsp:style>
+        <a:lnRef idx="0">
+          <a:scrgbClr r="0" g="0" b="0"/>
+        </a:lnRef>
+        <a:fillRef idx="0">
+          <a:scrgbClr r="0" g="0" b="0"/>
+        </a:fillRef>
+        <a:effectRef idx="0">
+          <a:scrgbClr r="0" g="0" b="0"/>
+        </a:effectRef>
+        <a:fontRef idx="minor"/>
+      </dsp:style>
+      <dsp:txBody>
+        <a:bodyPr spcFirstLastPara="0" vert="horz" wrap="square" lIns="156464" tIns="27940" rIns="27940" bIns="27940" numCol="1" spcCol="1270" anchor="ctr" anchorCtr="0">
+          <a:noAutofit/>
+        </a:bodyPr>
+        <a:lstStyle/>
+        <a:p>
+          <a:pPr marL="0" lvl="0" indent="0" algn="l" defTabSz="977900">
+            <a:lnSpc>
+              <a:spcPct val="90000"/>
+            </a:lnSpc>
+            <a:spcBef>
+              <a:spcPct val="0"/>
+            </a:spcBef>
+            <a:spcAft>
+              <a:spcPct val="35000"/>
+            </a:spcAft>
+            <a:buNone/>
+          </a:pPr>
+          <a:r>
+            <a:rPr lang="en-IN" sz="2200" kern="1200" dirty="0"/>
+            <a:t>General Management</a:t>
+          </a:r>
+          <a:endParaRPr lang="en-US" sz="2200" kern="1200" dirty="0"/>
+        </a:p>
+      </dsp:txBody>
+      <dsp:txXfrm>
+        <a:off x="5418666" y="172855"/>
+        <a:ext cx="2032000" cy="717431"/>
+      </dsp:txXfrm>
+    </dsp:sp>
+    <dsp:sp modelId="{CB6E3638-8D36-4D73-8AC5-107236F47D0B}">
+      <dsp:nvSpPr>
+        <dsp:cNvPr id="0" name=""/>
+        <dsp:cNvSpPr/>
+      </dsp:nvSpPr>
+      <dsp:spPr>
+        <a:xfrm>
+          <a:off x="4910666" y="531571"/>
+          <a:ext cx="508000" cy="0"/>
+        </a:xfrm>
+        <a:prstGeom prst="line">
+          <a:avLst/>
+        </a:prstGeom>
+        <a:solidFill>
+          <a:schemeClr val="accent1">
+            <a:hueOff val="0"/>
+            <a:satOff val="0"/>
+            <a:lumOff val="0"/>
+            <a:alphaOff val="0"/>
+          </a:schemeClr>
+        </a:solidFill>
+        <a:ln w="12700" cap="flat" cmpd="sng" algn="ctr">
+          <a:solidFill>
+            <a:schemeClr val="accent1">
+              <a:tint val="50000"/>
+              <a:hueOff val="0"/>
+              <a:satOff val="0"/>
+              <a:lumOff val="0"/>
+              <a:alphaOff val="0"/>
+            </a:schemeClr>
+          </a:solidFill>
+          <a:prstDash val="solid"/>
+          <a:miter lim="800000"/>
+        </a:ln>
+        <a:effectLst/>
+      </dsp:spPr>
+      <dsp:style>
+        <a:lnRef idx="2">
+          <a:scrgbClr r="0" g="0" b="0"/>
+        </a:lnRef>
+        <a:fillRef idx="1">
+          <a:scrgbClr r="0" g="0" b="0"/>
+        </a:fillRef>
+        <a:effectRef idx="0">
+          <a:scrgbClr r="0" g="0" b="0"/>
+        </a:effectRef>
+        <a:fontRef idx="minor"/>
+      </dsp:style>
+    </dsp:sp>
+    <dsp:sp modelId="{2A219E5C-ADB7-4422-9A6A-09B817FA3949}">
+      <dsp:nvSpPr>
+        <dsp:cNvPr id="0" name=""/>
+        <dsp:cNvSpPr/>
+      </dsp:nvSpPr>
+      <dsp:spPr>
+        <a:xfrm rot="5400000">
+          <a:off x="2467186" y="773717"/>
+          <a:ext cx="2682240" cy="2197946"/>
+        </a:xfrm>
+        <a:prstGeom prst="line">
+          <a:avLst/>
+        </a:prstGeom>
+        <a:solidFill>
+          <a:schemeClr val="accent1">
+            <a:hueOff val="0"/>
+            <a:satOff val="0"/>
+            <a:lumOff val="0"/>
+            <a:alphaOff val="0"/>
+          </a:schemeClr>
+        </a:solidFill>
+        <a:ln w="12700" cap="flat" cmpd="sng" algn="ctr">
+          <a:solidFill>
+            <a:schemeClr val="accent1">
+              <a:tint val="50000"/>
+              <a:hueOff val="0"/>
+              <a:satOff val="0"/>
+              <a:lumOff val="0"/>
+              <a:alphaOff val="0"/>
+            </a:schemeClr>
+          </a:solidFill>
+          <a:prstDash val="solid"/>
+          <a:miter lim="800000"/>
+        </a:ln>
+        <a:effectLst/>
+      </dsp:spPr>
+      <dsp:style>
+        <a:lnRef idx="2">
+          <a:scrgbClr r="0" g="0" b="0"/>
+        </a:lnRef>
+        <a:fillRef idx="1">
+          <a:scrgbClr r="0" g="0" b="0"/>
+        </a:fillRef>
+        <a:effectRef idx="0">
+          <a:scrgbClr r="0" g="0" b="0"/>
+        </a:effectRef>
+        <a:fontRef idx="minor"/>
+      </dsp:style>
+    </dsp:sp>
+    <dsp:sp modelId="{AB5B8C34-6CE8-4BDE-916E-70598835A815}">
+      <dsp:nvSpPr>
+        <dsp:cNvPr id="0" name=""/>
+        <dsp:cNvSpPr/>
+      </dsp:nvSpPr>
+      <dsp:spPr>
+        <a:xfrm>
+          <a:off x="5418666" y="931468"/>
+          <a:ext cx="2032000" cy="717431"/>
+        </a:xfrm>
+        <a:prstGeom prst="rect">
+          <a:avLst/>
+        </a:prstGeom>
+        <a:noFill/>
+        <a:ln>
+          <a:noFill/>
+        </a:ln>
+        <a:effectLst/>
+      </dsp:spPr>
+      <dsp:style>
+        <a:lnRef idx="0">
+          <a:scrgbClr r="0" g="0" b="0"/>
+        </a:lnRef>
+        <a:fillRef idx="0">
+          <a:scrgbClr r="0" g="0" b="0"/>
+        </a:fillRef>
+        <a:effectRef idx="0">
+          <a:scrgbClr r="0" g="0" b="0"/>
+        </a:effectRef>
+        <a:fontRef idx="minor"/>
+      </dsp:style>
+      <dsp:txBody>
+        <a:bodyPr spcFirstLastPara="0" vert="horz" wrap="square" lIns="156464" tIns="27940" rIns="27940" bIns="27940" numCol="1" spcCol="1270" anchor="ctr" anchorCtr="0">
+          <a:noAutofit/>
+        </a:bodyPr>
+        <a:lstStyle/>
+        <a:p>
+          <a:pPr marL="0" lvl="0" indent="0" algn="l" defTabSz="977900">
+            <a:lnSpc>
+              <a:spcPct val="90000"/>
+            </a:lnSpc>
+            <a:spcBef>
+              <a:spcPct val="0"/>
+            </a:spcBef>
+            <a:spcAft>
+              <a:spcPct val="35000"/>
+            </a:spcAft>
+            <a:buNone/>
+          </a:pPr>
+          <a:r>
+            <a:rPr lang="en-IN" sz="2200" kern="1200" dirty="0"/>
+            <a:t>Software Development</a:t>
+          </a:r>
+          <a:endParaRPr lang="en-US" sz="2200" kern="1200" dirty="0"/>
+        </a:p>
+      </dsp:txBody>
+      <dsp:txXfrm>
+        <a:off x="5418666" y="931468"/>
+        <a:ext cx="2032000" cy="717431"/>
+      </dsp:txXfrm>
+    </dsp:sp>
+    <dsp:sp modelId="{5CF011F1-230D-4BC6-B0EE-6FE5AA0A94A0}">
+      <dsp:nvSpPr>
+        <dsp:cNvPr id="0" name=""/>
+        <dsp:cNvSpPr/>
+      </dsp:nvSpPr>
+      <dsp:spPr>
+        <a:xfrm>
+          <a:off x="4910666" y="1290184"/>
+          <a:ext cx="508000" cy="0"/>
+        </a:xfrm>
+        <a:prstGeom prst="line">
+          <a:avLst/>
+        </a:prstGeom>
+        <a:solidFill>
+          <a:schemeClr val="accent1">
+            <a:hueOff val="0"/>
+            <a:satOff val="0"/>
+            <a:lumOff val="0"/>
+            <a:alphaOff val="0"/>
+          </a:schemeClr>
+        </a:solidFill>
+        <a:ln w="12700" cap="flat" cmpd="sng" algn="ctr">
+          <a:solidFill>
+            <a:schemeClr val="accent1">
+              <a:tint val="50000"/>
+              <a:hueOff val="0"/>
+              <a:satOff val="0"/>
+              <a:lumOff val="0"/>
+              <a:alphaOff val="0"/>
+            </a:schemeClr>
+          </a:solidFill>
+          <a:prstDash val="solid"/>
+          <a:miter lim="800000"/>
+        </a:ln>
+        <a:effectLst/>
+      </dsp:spPr>
+      <dsp:style>
+        <a:lnRef idx="2">
+          <a:scrgbClr r="0" g="0" b="0"/>
+        </a:lnRef>
+        <a:fillRef idx="1">
+          <a:scrgbClr r="0" g="0" b="0"/>
+        </a:fillRef>
+        <a:effectRef idx="0">
+          <a:scrgbClr r="0" g="0" b="0"/>
+        </a:effectRef>
+        <a:fontRef idx="minor"/>
+      </dsp:style>
+    </dsp:sp>
+    <dsp:sp modelId="{A7E35641-A72E-4DB1-AAD1-9B0213ADC24C}">
+      <dsp:nvSpPr>
+        <dsp:cNvPr id="0" name=""/>
+        <dsp:cNvSpPr/>
+      </dsp:nvSpPr>
+      <dsp:spPr>
+        <a:xfrm rot="5400000">
+          <a:off x="2861326" y="1474690"/>
+          <a:ext cx="2233303" cy="1862666"/>
+        </a:xfrm>
+        <a:prstGeom prst="line">
+          <a:avLst/>
+        </a:prstGeom>
+        <a:solidFill>
+          <a:schemeClr val="accent1">
+            <a:hueOff val="0"/>
+            <a:satOff val="0"/>
+            <a:lumOff val="0"/>
+            <a:alphaOff val="0"/>
+          </a:schemeClr>
+        </a:solidFill>
+        <a:ln w="12700" cap="flat" cmpd="sng" algn="ctr">
+          <a:solidFill>
+            <a:schemeClr val="accent1">
+              <a:tint val="50000"/>
+              <a:hueOff val="0"/>
+              <a:satOff val="0"/>
+              <a:lumOff val="0"/>
+              <a:alphaOff val="0"/>
+            </a:schemeClr>
+          </a:solidFill>
+          <a:prstDash val="solid"/>
+          <a:miter lim="800000"/>
+        </a:ln>
+        <a:effectLst/>
+      </dsp:spPr>
+      <dsp:style>
+        <a:lnRef idx="2">
+          <a:scrgbClr r="0" g="0" b="0"/>
+        </a:lnRef>
+        <a:fillRef idx="1">
+          <a:scrgbClr r="0" g="0" b="0"/>
+        </a:fillRef>
+        <a:effectRef idx="0">
+          <a:scrgbClr r="0" g="0" b="0"/>
+        </a:effectRef>
+        <a:fontRef idx="minor"/>
+      </dsp:style>
+    </dsp:sp>
+    <dsp:sp modelId="{ED5F4422-8EF0-4C28-9A60-7828D3DA10AD}">
+      <dsp:nvSpPr>
+        <dsp:cNvPr id="0" name=""/>
+        <dsp:cNvSpPr/>
+      </dsp:nvSpPr>
+      <dsp:spPr>
+        <a:xfrm>
+          <a:off x="5418666" y="1690082"/>
+          <a:ext cx="2032000" cy="717431"/>
+        </a:xfrm>
+        <a:prstGeom prst="rect">
+          <a:avLst/>
+        </a:prstGeom>
+        <a:noFill/>
+        <a:ln>
+          <a:noFill/>
+        </a:ln>
+        <a:effectLst/>
+      </dsp:spPr>
+      <dsp:style>
+        <a:lnRef idx="0">
+          <a:scrgbClr r="0" g="0" b="0"/>
+        </a:lnRef>
+        <a:fillRef idx="0">
+          <a:scrgbClr r="0" g="0" b="0"/>
+        </a:fillRef>
+        <a:effectRef idx="0">
+          <a:scrgbClr r="0" g="0" b="0"/>
+        </a:effectRef>
+        <a:fontRef idx="minor"/>
+      </dsp:style>
+      <dsp:txBody>
+        <a:bodyPr spcFirstLastPara="0" vert="horz" wrap="square" lIns="156464" tIns="27940" rIns="27940" bIns="27940" numCol="1" spcCol="1270" anchor="ctr" anchorCtr="0">
+          <a:noAutofit/>
+        </a:bodyPr>
+        <a:lstStyle/>
+        <a:p>
+          <a:pPr marL="0" lvl="0" indent="0" algn="l" defTabSz="977900">
+            <a:lnSpc>
+              <a:spcPct val="90000"/>
+            </a:lnSpc>
+            <a:spcBef>
+              <a:spcPct val="0"/>
+            </a:spcBef>
+            <a:spcAft>
+              <a:spcPct val="35000"/>
+            </a:spcAft>
+            <a:buNone/>
+          </a:pPr>
+          <a:r>
+            <a:rPr lang="en-IN" sz="2200" kern="1200" dirty="0"/>
+            <a:t>Product Design</a:t>
+          </a:r>
+          <a:endParaRPr lang="en-US" sz="2200" kern="1200" dirty="0"/>
+        </a:p>
+      </dsp:txBody>
+      <dsp:txXfrm>
+        <a:off x="5418666" y="1690082"/>
+        <a:ext cx="2032000" cy="717431"/>
+      </dsp:txXfrm>
+    </dsp:sp>
+    <dsp:sp modelId="{F3A14C4F-B98F-413B-80A4-DF04CC996E66}">
+      <dsp:nvSpPr>
+        <dsp:cNvPr id="0" name=""/>
+        <dsp:cNvSpPr/>
+      </dsp:nvSpPr>
+      <dsp:spPr>
+        <a:xfrm>
+          <a:off x="4910666" y="2048797"/>
+          <a:ext cx="508000" cy="0"/>
+        </a:xfrm>
+        <a:prstGeom prst="line">
+          <a:avLst/>
+        </a:prstGeom>
+        <a:solidFill>
+          <a:schemeClr val="accent1">
+            <a:hueOff val="0"/>
+            <a:satOff val="0"/>
+            <a:lumOff val="0"/>
+            <a:alphaOff val="0"/>
+          </a:schemeClr>
+        </a:solidFill>
+        <a:ln w="12700" cap="flat" cmpd="sng" algn="ctr">
+          <a:solidFill>
+            <a:schemeClr val="accent1">
+              <a:tint val="50000"/>
+              <a:hueOff val="0"/>
+              <a:satOff val="0"/>
+              <a:lumOff val="0"/>
+              <a:alphaOff val="0"/>
+            </a:schemeClr>
+          </a:solidFill>
+          <a:prstDash val="solid"/>
+          <a:miter lim="800000"/>
+        </a:ln>
+        <a:effectLst/>
+      </dsp:spPr>
+      <dsp:style>
+        <a:lnRef idx="2">
+          <a:scrgbClr r="0" g="0" b="0"/>
+        </a:lnRef>
+        <a:fillRef idx="1">
+          <a:scrgbClr r="0" g="0" b="0"/>
+        </a:fillRef>
+        <a:effectRef idx="0">
+          <a:scrgbClr r="0" g="0" b="0"/>
+        </a:effectRef>
+        <a:fontRef idx="minor"/>
+      </dsp:style>
+    </dsp:sp>
+    <dsp:sp modelId="{D53103D3-9C9E-4119-97C0-AA8065E11F1F}">
+      <dsp:nvSpPr>
+        <dsp:cNvPr id="0" name=""/>
+        <dsp:cNvSpPr/>
+      </dsp:nvSpPr>
+      <dsp:spPr>
+        <a:xfrm rot="5400000">
+          <a:off x="3247813" y="2147011"/>
+          <a:ext cx="1761066" cy="1564640"/>
+        </a:xfrm>
+        <a:prstGeom prst="line">
+          <a:avLst/>
+        </a:prstGeom>
+        <a:solidFill>
+          <a:schemeClr val="accent1">
+            <a:hueOff val="0"/>
+            <a:satOff val="0"/>
+            <a:lumOff val="0"/>
+            <a:alphaOff val="0"/>
+          </a:schemeClr>
+        </a:solidFill>
+        <a:ln w="12700" cap="flat" cmpd="sng" algn="ctr">
+          <a:solidFill>
+            <a:schemeClr val="accent1">
+              <a:tint val="50000"/>
+              <a:hueOff val="0"/>
+              <a:satOff val="0"/>
+              <a:lumOff val="0"/>
+              <a:alphaOff val="0"/>
+            </a:schemeClr>
+          </a:solidFill>
+          <a:prstDash val="solid"/>
+          <a:miter lim="800000"/>
+        </a:ln>
+        <a:effectLst/>
+      </dsp:spPr>
+      <dsp:style>
+        <a:lnRef idx="2">
+          <a:scrgbClr r="0" g="0" b="0"/>
+        </a:lnRef>
+        <a:fillRef idx="1">
+          <a:scrgbClr r="0" g="0" b="0"/>
+        </a:fillRef>
+        <a:effectRef idx="0">
+          <a:scrgbClr r="0" g="0" b="0"/>
+        </a:effectRef>
+        <a:fontRef idx="minor"/>
+      </dsp:style>
+    </dsp:sp>
+    <dsp:sp modelId="{C39203BD-4504-4DE6-9FDE-E44130C8DD67}">
+      <dsp:nvSpPr>
+        <dsp:cNvPr id="0" name=""/>
+        <dsp:cNvSpPr/>
+      </dsp:nvSpPr>
+      <dsp:spPr>
+        <a:xfrm>
+          <a:off x="5418666" y="2432439"/>
+          <a:ext cx="2032000" cy="717431"/>
+        </a:xfrm>
+        <a:prstGeom prst="rect">
+          <a:avLst/>
+        </a:prstGeom>
+        <a:noFill/>
+        <a:ln>
+          <a:noFill/>
+        </a:ln>
+        <a:effectLst/>
+      </dsp:spPr>
+      <dsp:style>
+        <a:lnRef idx="0">
+          <a:scrgbClr r="0" g="0" b="0"/>
+        </a:lnRef>
+        <a:fillRef idx="0">
+          <a:scrgbClr r="0" g="0" b="0"/>
+        </a:fillRef>
+        <a:effectRef idx="0">
+          <a:scrgbClr r="0" g="0" b="0"/>
+        </a:effectRef>
+        <a:fontRef idx="minor"/>
+      </dsp:style>
+      <dsp:txBody>
+        <a:bodyPr spcFirstLastPara="0" vert="horz" wrap="square" lIns="156464" tIns="27940" rIns="27940" bIns="27940" numCol="1" spcCol="1270" anchor="ctr" anchorCtr="0">
+          <a:noAutofit/>
+        </a:bodyPr>
+        <a:lstStyle/>
+        <a:p>
+          <a:pPr marL="0" lvl="0" indent="0" algn="l" defTabSz="977900">
+            <a:lnSpc>
+              <a:spcPct val="90000"/>
+            </a:lnSpc>
+            <a:spcBef>
+              <a:spcPct val="0"/>
+            </a:spcBef>
+            <a:spcAft>
+              <a:spcPct val="35000"/>
+            </a:spcAft>
+            <a:buNone/>
+          </a:pPr>
+          <a:r>
+            <a:rPr lang="en-IN" sz="2200" kern="1200" dirty="0"/>
+            <a:t>Product/System Support</a:t>
+          </a:r>
+          <a:endParaRPr lang="en-US" sz="2200" kern="1200" dirty="0"/>
+        </a:p>
+      </dsp:txBody>
+      <dsp:txXfrm>
+        <a:off x="5418666" y="2432439"/>
+        <a:ext cx="2032000" cy="717431"/>
+      </dsp:txXfrm>
+    </dsp:sp>
+    <dsp:sp modelId="{4E8B6655-BFBC-44FC-8807-01BFF5BEEC4E}">
+      <dsp:nvSpPr>
+        <dsp:cNvPr id="0" name=""/>
+        <dsp:cNvSpPr/>
+      </dsp:nvSpPr>
+      <dsp:spPr>
+        <a:xfrm>
+          <a:off x="4910666" y="2791155"/>
+          <a:ext cx="508000" cy="0"/>
+        </a:xfrm>
+        <a:prstGeom prst="line">
+          <a:avLst/>
+        </a:prstGeom>
+        <a:solidFill>
+          <a:schemeClr val="accent1">
+            <a:hueOff val="0"/>
+            <a:satOff val="0"/>
+            <a:lumOff val="0"/>
+            <a:alphaOff val="0"/>
+          </a:schemeClr>
+        </a:solidFill>
+        <a:ln w="12700" cap="flat" cmpd="sng" algn="ctr">
+          <a:solidFill>
+            <a:schemeClr val="accent1">
+              <a:tint val="50000"/>
+              <a:hueOff val="0"/>
+              <a:satOff val="0"/>
+              <a:lumOff val="0"/>
+              <a:alphaOff val="0"/>
+            </a:schemeClr>
+          </a:solidFill>
+          <a:prstDash val="solid"/>
+          <a:miter lim="800000"/>
+        </a:ln>
+        <a:effectLst/>
+      </dsp:spPr>
+      <dsp:style>
+        <a:lnRef idx="2">
+          <a:scrgbClr r="0" g="0" b="0"/>
+        </a:lnRef>
+        <a:fillRef idx="1">
+          <a:scrgbClr r="0" g="0" b="0"/>
+        </a:fillRef>
+        <a:effectRef idx="0">
+          <a:scrgbClr r="0" g="0" b="0"/>
+        </a:effectRef>
+        <a:fontRef idx="minor"/>
+      </dsp:style>
+    </dsp:sp>
+    <dsp:sp modelId="{1CDCA1E1-0EC3-465D-B18C-7CF6CA8CE2EA}">
+      <dsp:nvSpPr>
+        <dsp:cNvPr id="0" name=""/>
+        <dsp:cNvSpPr/>
+      </dsp:nvSpPr>
+      <dsp:spPr>
+        <a:xfrm rot="5400000">
+          <a:off x="3632538" y="2856856"/>
+          <a:ext cx="1343829" cy="1212426"/>
+        </a:xfrm>
+        <a:prstGeom prst="line">
+          <a:avLst/>
+        </a:prstGeom>
+        <a:solidFill>
+          <a:schemeClr val="accent1">
+            <a:hueOff val="0"/>
+            <a:satOff val="0"/>
+            <a:lumOff val="0"/>
+            <a:alphaOff val="0"/>
+          </a:schemeClr>
+        </a:solidFill>
+        <a:ln w="12700" cap="flat" cmpd="sng" algn="ctr">
+          <a:solidFill>
+            <a:schemeClr val="accent1">
+              <a:tint val="50000"/>
+              <a:hueOff val="0"/>
+              <a:satOff val="0"/>
+              <a:lumOff val="0"/>
+              <a:alphaOff val="0"/>
+            </a:schemeClr>
+          </a:solidFill>
+          <a:prstDash val="solid"/>
+          <a:miter lim="800000"/>
+        </a:ln>
+        <a:effectLst/>
+      </dsp:spPr>
+      <dsp:style>
+        <a:lnRef idx="2">
+          <a:scrgbClr r="0" g="0" b="0"/>
+        </a:lnRef>
+        <a:fillRef idx="1">
+          <a:scrgbClr r="0" g="0" b="0"/>
+        </a:fillRef>
+        <a:effectRef idx="0">
+          <a:scrgbClr r="0" g="0" b="0"/>
+        </a:effectRef>
+        <a:fontRef idx="minor"/>
+      </dsp:style>
+    </dsp:sp>
+    <dsp:sp modelId="{6E3E01EE-7BD8-4E9A-A1B8-D37DD468A98E}">
+      <dsp:nvSpPr>
+        <dsp:cNvPr id="0" name=""/>
+        <dsp:cNvSpPr/>
+      </dsp:nvSpPr>
+      <dsp:spPr>
+        <a:xfrm>
+          <a:off x="5418666" y="3153122"/>
+          <a:ext cx="2032000" cy="717431"/>
+        </a:xfrm>
+        <a:prstGeom prst="rect">
+          <a:avLst/>
+        </a:prstGeom>
+        <a:noFill/>
+        <a:ln>
+          <a:noFill/>
+        </a:ln>
+        <a:effectLst/>
+      </dsp:spPr>
+      <dsp:style>
+        <a:lnRef idx="0">
+          <a:scrgbClr r="0" g="0" b="0"/>
+        </a:lnRef>
+        <a:fillRef idx="0">
+          <a:scrgbClr r="0" g="0" b="0"/>
+        </a:fillRef>
+        <a:effectRef idx="0">
+          <a:scrgbClr r="0" g="0" b="0"/>
+        </a:effectRef>
+        <a:fontRef idx="minor"/>
+      </dsp:style>
+      <dsp:txBody>
+        <a:bodyPr spcFirstLastPara="0" vert="horz" wrap="square" lIns="156464" tIns="27940" rIns="27940" bIns="27940" numCol="1" spcCol="1270" anchor="ctr" anchorCtr="0">
+          <a:noAutofit/>
+        </a:bodyPr>
+        <a:lstStyle/>
+        <a:p>
+          <a:pPr marL="0" lvl="0" indent="0" algn="l" defTabSz="977900">
+            <a:lnSpc>
+              <a:spcPct val="90000"/>
+            </a:lnSpc>
+            <a:spcBef>
+              <a:spcPct val="0"/>
+            </a:spcBef>
+            <a:spcAft>
+              <a:spcPct val="35000"/>
+            </a:spcAft>
+            <a:buNone/>
+          </a:pPr>
+          <a:r>
+            <a:rPr lang="en-IN" sz="2200" kern="1200" dirty="0"/>
+            <a:t>Proposition Design</a:t>
+          </a:r>
+          <a:endParaRPr lang="en-US" sz="2200" kern="1200" dirty="0"/>
+        </a:p>
+      </dsp:txBody>
+      <dsp:txXfrm>
+        <a:off x="5418666" y="3153122"/>
+        <a:ext cx="2032000" cy="717431"/>
+      </dsp:txXfrm>
+    </dsp:sp>
+    <dsp:sp modelId="{94FFA3D3-3072-4145-BE6F-5BC7264962C0}">
+      <dsp:nvSpPr>
+        <dsp:cNvPr id="0" name=""/>
+        <dsp:cNvSpPr/>
+      </dsp:nvSpPr>
+      <dsp:spPr>
+        <a:xfrm>
+          <a:off x="4910666" y="3511838"/>
+          <a:ext cx="508000" cy="0"/>
+        </a:xfrm>
+        <a:prstGeom prst="line">
+          <a:avLst/>
+        </a:prstGeom>
+        <a:solidFill>
+          <a:schemeClr val="accent1">
+            <a:hueOff val="0"/>
+            <a:satOff val="0"/>
+            <a:lumOff val="0"/>
+            <a:alphaOff val="0"/>
+          </a:schemeClr>
+        </a:solidFill>
+        <a:ln w="12700" cap="flat" cmpd="sng" algn="ctr">
+          <a:solidFill>
+            <a:schemeClr val="accent1">
+              <a:tint val="50000"/>
+              <a:hueOff val="0"/>
+              <a:satOff val="0"/>
+              <a:lumOff val="0"/>
+              <a:alphaOff val="0"/>
+            </a:schemeClr>
+          </a:solidFill>
+          <a:prstDash val="solid"/>
+          <a:miter lim="800000"/>
+        </a:ln>
+        <a:effectLst/>
+      </dsp:spPr>
+      <dsp:style>
+        <a:lnRef idx="2">
+          <a:scrgbClr r="0" g="0" b="0"/>
+        </a:lnRef>
+        <a:fillRef idx="1">
+          <a:scrgbClr r="0" g="0" b="0"/>
+        </a:fillRef>
+        <a:effectRef idx="0">
+          <a:scrgbClr r="0" g="0" b="0"/>
+        </a:effectRef>
+        <a:fontRef idx="minor"/>
+      </dsp:style>
+    </dsp:sp>
+    <dsp:sp modelId="{99FEC4F2-7B4C-4423-A1B5-FD5FB4F75D3C}">
+      <dsp:nvSpPr>
+        <dsp:cNvPr id="0" name=""/>
+        <dsp:cNvSpPr/>
+      </dsp:nvSpPr>
+      <dsp:spPr>
+        <a:xfrm rot="5400000">
+          <a:off x="3996266" y="3545704"/>
+          <a:ext cx="948266" cy="880533"/>
         </a:xfrm>
         <a:prstGeom prst="line">
           <a:avLst/>
@@ -2832,7 +4983,2156 @@
 </dgm:layoutDef>
 </file>
 
+<file path=ppt/diagrams/layout2.xml><?xml version="1.0" encoding="utf-8"?>
+<dgm:layoutDef xmlns:dgm="http://schemas.openxmlformats.org/drawingml/2006/diagram" xmlns:a="http://schemas.openxmlformats.org/drawingml/2006/main" uniqueId="urn:microsoft.com/office/officeart/2005/8/layout/target1">
+  <dgm:title val=""/>
+  <dgm:desc val=""/>
+  <dgm:catLst>
+    <dgm:cat type="relationship" pri="25000"/>
+    <dgm:cat type="convert" pri="20000"/>
+  </dgm:catLst>
+  <dgm:sampData useDef="1">
+    <dgm:dataModel>
+      <dgm:ptLst/>
+      <dgm:bg/>
+      <dgm:whole/>
+    </dgm:dataModel>
+  </dgm:sampData>
+  <dgm:styleData>
+    <dgm:dataModel>
+      <dgm:ptLst>
+        <dgm:pt modelId="0" type="doc"/>
+        <dgm:pt modelId="1"/>
+        <dgm:pt modelId="2"/>
+      </dgm:ptLst>
+      <dgm:cxnLst>
+        <dgm:cxn modelId="3" srcId="0" destId="1" srcOrd="0" destOrd="0"/>
+        <dgm:cxn modelId="4" srcId="0" destId="2" srcOrd="1" destOrd="0"/>
+      </dgm:cxnLst>
+      <dgm:bg/>
+      <dgm:whole/>
+    </dgm:dataModel>
+  </dgm:styleData>
+  <dgm:clrData>
+    <dgm:dataModel>
+      <dgm:ptLst>
+        <dgm:pt modelId="0" type="doc"/>
+        <dgm:pt modelId="1"/>
+        <dgm:pt modelId="2"/>
+        <dgm:pt modelId="3"/>
+        <dgm:pt modelId="4"/>
+      </dgm:ptLst>
+      <dgm:cxnLst>
+        <dgm:cxn modelId="5" srcId="0" destId="1" srcOrd="0" destOrd="0"/>
+        <dgm:cxn modelId="6" srcId="0" destId="2" srcOrd="1" destOrd="0"/>
+        <dgm:cxn modelId="7" srcId="0" destId="3" srcOrd="2" destOrd="0"/>
+        <dgm:cxn modelId="8" srcId="0" destId="4" srcOrd="3" destOrd="0"/>
+      </dgm:cxnLst>
+      <dgm:bg/>
+      <dgm:whole/>
+    </dgm:dataModel>
+  </dgm:clrData>
+  <dgm:layoutNode name="composite">
+    <dgm:varLst>
+      <dgm:chMax val="5"/>
+      <dgm:dir/>
+      <dgm:resizeHandles val="exact"/>
+    </dgm:varLst>
+    <dgm:alg type="composite">
+      <dgm:param type="ar" val="1.25"/>
+    </dgm:alg>
+    <dgm:shape xmlns:r="http://schemas.openxmlformats.org/officeDocument/2006/relationships" r:blip="">
+      <dgm:adjLst/>
+    </dgm:shape>
+    <dgm:presOf/>
+    <dgm:choose name="Name0">
+      <dgm:if name="Name1" func="var" arg="dir" op="equ" val="norm">
+        <dgm:choose name="Name2">
+          <dgm:if name="Name3" axis="ch" ptType="node" func="cnt" op="equ" val="0">
+            <dgm:constrLst/>
+          </dgm:if>
+          <dgm:if name="Name4" axis="ch" ptType="node" func="cnt" op="equ" val="1">
+            <dgm:constrLst>
+              <dgm:constr type="primFontSz" for="des" ptType="node" op="equ" val="65"/>
+              <dgm:constr type="w" for="ch" forName="circle1" refType="w" fact="0.6"/>
+              <dgm:constr type="h" for="ch" forName="circle1" refType="w" refFor="ch" refForName="circle1"/>
+              <dgm:constr type="ctrX" for="ch" forName="circle1" refType="w" fact="0.3"/>
+              <dgm:constr type="ctrY" for="ch" forName="circle1" refType="h" fact="0.625"/>
+              <dgm:constr type="w" for="ch" forName="text1" refType="w" fact="0.3"/>
+              <dgm:constr type="h" for="ch" forName="text1" refType="h" fact="0.3125"/>
+              <dgm:constr type="r" for="ch" forName="text1" refType="w"/>
+              <dgm:constr type="t" for="ch" forName="text1"/>
+              <dgm:constr type="l" for="ch" forName="line1" refType="w" fact="0.625"/>
+              <dgm:constr type="ctrY" for="ch" forName="line1" refType="ctrY" refFor="ch" refForName="text1"/>
+              <dgm:constr type="r" for="ch" forName="line1" refType="l" refFor="ch" refForName="text1"/>
+              <dgm:constr type="h" for="ch" forName="line1"/>
+              <dgm:constr type="l" for="ch" forName="d1" refType="w" fact="0.3"/>
+              <dgm:constr type="b" for="ch" forName="d1" refType="h" fact="0.625"/>
+              <dgm:constr type="w" for="ch" forName="d1" refType="w" fact="0.32475"/>
+              <dgm:constr type="h" for="ch" forName="d1" refType="h" fact="0.469"/>
+            </dgm:constrLst>
+          </dgm:if>
+          <dgm:if name="Name5" axis="ch" ptType="node" func="cnt" op="equ" val="2">
+            <dgm:constrLst>
+              <dgm:constr type="primFontSz" for="des" ptType="node" op="equ" val="65"/>
+              <dgm:constr type="w" for="ch" forName="circle1" refType="w" fact="0.2"/>
+              <dgm:constr type="h" for="ch" forName="circle1" refType="w" refFor="ch" refForName="circle1"/>
+              <dgm:constr type="ctrX" for="ch" forName="circle1" refType="w" fact="0.3"/>
+              <dgm:constr type="ctrY" for="ch" forName="circle1" refType="h" fact="0.625"/>
+              <dgm:constr type="w" for="ch" forName="text1" refType="w" fact="0.3"/>
+              <dgm:constr type="h" for="ch" forName="text1" refType="h" fact="0.3125"/>
+              <dgm:constr type="r" for="ch" forName="text1" refType="w"/>
+              <dgm:constr type="t" for="ch" forName="text1"/>
+              <dgm:constr type="l" for="ch" forName="line1" refType="w" fact="0.625"/>
+              <dgm:constr type="ctrY" for="ch" forName="line1" refType="ctrY" refFor="ch" refForName="text1"/>
+              <dgm:constr type="w" for="ch" forName="line1" refType="w" fact="0.075"/>
+              <dgm:constr type="h" for="ch" forName="line1"/>
+              <dgm:constr type="l" for="ch" forName="d1" refType="w" fact="0.3"/>
+              <dgm:constr type="b" for="ch" forName="d1" refType="h" fact="0.625"/>
+              <dgm:constr type="w" for="ch" forName="d1" refType="w" fact="0.32475"/>
+              <dgm:constr type="h" for="ch" forName="d1" refType="h" fact="0.469"/>
+              <dgm:constr type="w" for="ch" forName="circle2" refType="w" fact="0.6"/>
+              <dgm:constr type="h" for="ch" forName="circle2" refType="w" refFor="ch" refForName="circle2"/>
+              <dgm:constr type="ctrX" for="ch" forName="circle2" refType="w" fact="0.3"/>
+              <dgm:constr type="ctrY" for="ch" forName="circle2" refType="h" fact="0.625"/>
+              <dgm:constr type="w" for="ch" forName="text2" refType="w" fact="0.3"/>
+              <dgm:constr type="h" for="ch" forName="text2" refType="h" fact="0.3125"/>
+              <dgm:constr type="r" for="ch" forName="text2" refType="w"/>
+              <dgm:constr type="t" for="ch" forName="text2" refType="b" refFor="ch" refForName="text1"/>
+              <dgm:constr type="l" for="ch" forName="line2" refType="w" fact="0.625"/>
+              <dgm:constr type="ctrY" for="ch" forName="line2" refType="ctrY" refFor="ch" refForName="text2"/>
+              <dgm:constr type="w" for="ch" forName="line2" refType="w" fact="0.075"/>
+              <dgm:constr type="h" for="ch" forName="line2"/>
+              <dgm:constr type="l" for="ch" forName="d2" refType="w" fact="0.44325"/>
+              <dgm:constr type="b" for="ch" forName="d2" refType="h" fact="0.7975"/>
+              <dgm:constr type="w" for="ch" forName="d2" refType="w" fact="0.1815"/>
+              <dgm:constr type="h" for="ch" forName="d2" refType="h" fact="0.3283"/>
+            </dgm:constrLst>
+          </dgm:if>
+          <dgm:if name="Name6" axis="ch" ptType="node" func="cnt" op="equ" val="3">
+            <dgm:constrLst>
+              <dgm:constr type="primFontSz" for="des" ptType="node" op="equ" val="65"/>
+              <dgm:constr type="w" for="ch" forName="circle1" refType="w" fact="0.12"/>
+              <dgm:constr type="h" for="ch" forName="circle1" refType="w" refFor="ch" refForName="circle1"/>
+              <dgm:constr type="ctrX" for="ch" forName="circle1" refType="w" fact="0.3"/>
+              <dgm:constr type="ctrY" for="ch" forName="circle1" refType="h" fact="0.625"/>
+              <dgm:constr type="w" for="ch" forName="text1" refType="w" fact="0.3"/>
+              <dgm:constr type="h" for="ch" forName="text1" refType="h" fact="0.21875"/>
+              <dgm:constr type="r" for="ch" forName="text1" refType="w"/>
+              <dgm:constr type="t" for="ch" forName="text1"/>
+              <dgm:constr type="l" for="ch" forName="line1" refType="w" fact="0.625"/>
+              <dgm:constr type="ctrY" for="ch" forName="line1" refType="ctrY" refFor="ch" refForName="text1"/>
+              <dgm:constr type="w" for="ch" forName="line1" refType="w" fact="0.075"/>
+              <dgm:constr type="h" for="ch" forName="line1"/>
+              <dgm:constr type="l" for="ch" forName="d1" refType="w" fact="0.3"/>
+              <dgm:constr type="b" for="ch" forName="d1" refType="h" fact="0.625"/>
+              <dgm:constr type="w" for="ch" forName="d1" refType="w" fact="0.3247"/>
+              <dgm:constr type="h" for="ch" forName="d1" refType="h" fact="0.5155"/>
+              <dgm:constr type="w" for="ch" forName="circle2" refType="w" fact="0.36"/>
+              <dgm:constr type="h" for="ch" forName="circle2" refType="w" refFor="ch" refForName="circle2"/>
+              <dgm:constr type="ctrX" for="ch" forName="circle2" refType="w" fact="0.3"/>
+              <dgm:constr type="ctrY" for="ch" forName="circle2" refType="h" fact="0.625"/>
+              <dgm:constr type="w" for="ch" forName="text2" refType="w" fact="0.3"/>
+              <dgm:constr type="h" for="ch" forName="text2" refType="h" fact="0.21875"/>
+              <dgm:constr type="r" for="ch" forName="text2" refType="w"/>
+              <dgm:constr type="t" for="ch" forName="text2" refType="b" refFor="ch" refForName="text1"/>
+              <dgm:constr type="l" for="ch" forName="line2" refType="w" fact="0.625"/>
+              <dgm:constr type="ctrY" for="ch" forName="line2" refType="ctrY" refFor="ch" refForName="text2"/>
+              <dgm:constr type="w" for="ch" forName="line2" refType="w" fact="0.075"/>
+              <dgm:constr type="h" for="ch" forName="line2"/>
+              <dgm:constr type="l" for="ch" forName="d2" refType="w" fact="0.386"/>
+              <dgm:constr type="b" for="ch" forName="d2" refType="h" fact="0.72969"/>
+              <dgm:constr type="w" for="ch" forName="d2" refType="w" fact="0.2387"/>
+              <dgm:constr type="h" for="ch" forName="d2" refType="h" fact="0.4017"/>
+              <dgm:constr type="w" for="ch" forName="circle3" refType="w" fact="0.6"/>
+              <dgm:constr type="h" for="ch" forName="circle3" refType="w" refFor="ch" refForName="circle3"/>
+              <dgm:constr type="ctrX" for="ch" forName="circle3" refType="ctrX" refFor="ch" refForName="circle1"/>
+              <dgm:constr type="ctrY" for="ch" forName="circle3" refType="ctrY" refFor="ch" refForName="circle1"/>
+              <dgm:constr type="w" for="ch" forName="text3" refType="w" fact="0.3"/>
+              <dgm:constr type="h" for="ch" forName="text3" refType="h" fact="0.21875"/>
+              <dgm:constr type="r" for="ch" forName="text3" refType="w"/>
+              <dgm:constr type="t" for="ch" forName="text3" refType="b" refFor="ch" refForName="text2"/>
+              <dgm:constr type="l" for="ch" forName="line3" refType="w" fact="0.625"/>
+              <dgm:constr type="ctrY" for="ch" forName="line3" refType="ctrY" refFor="ch" refForName="text3"/>
+              <dgm:constr type="w" for="ch" forName="line3" refType="w" fact="0.075"/>
+              <dgm:constr type="h" for="ch" forName="line3"/>
+              <dgm:constr type="l" for="ch" forName="d3" refType="w" fact="0.47175"/>
+              <dgm:constr type="b" for="ch" forName="d3" refType="h" fact="0.83375"/>
+              <dgm:constr type="w" for="ch" forName="d3" refType="w" fact="0.1527"/>
+              <dgm:constr type="h" for="ch" forName="d3" refType="h" fact="0.287"/>
+            </dgm:constrLst>
+          </dgm:if>
+          <dgm:if name="Name7" axis="ch" ptType="node" func="cnt" op="equ" val="4">
+            <dgm:constrLst>
+              <dgm:constr type="primFontSz" for="des" ptType="node" op="equ" val="65"/>
+              <dgm:constr type="w" for="ch" forName="circle1" refType="w" fact="0.0857"/>
+              <dgm:constr type="h" for="ch" forName="circle1" refType="w" refFor="ch" refForName="circle1"/>
+              <dgm:constr type="ctrX" for="ch" forName="circle1" refType="w" fact="0.3"/>
+              <dgm:constr type="ctrY" for="ch" forName="circle1" refType="h" fact="0.625"/>
+              <dgm:constr type="w" for="ch" forName="text1" refType="w" fact="0.3"/>
+              <dgm:constr type="h" for="ch" forName="text1" refType="h" fact="0.17938"/>
+              <dgm:constr type="r" for="ch" forName="text1" refType="w"/>
+              <dgm:constr type="t" for="ch" forName="text1"/>
+              <dgm:constr type="l" for="ch" forName="line1" refType="w" fact="0.625"/>
+              <dgm:constr type="ctrY" for="ch" forName="line1" refType="ctrY" refFor="ch" refForName="text1"/>
+              <dgm:constr type="w" for="ch" forName="line1" refType="w" fact="0.075"/>
+              <dgm:constr type="h" for="ch" forName="line1"/>
+              <dgm:constr type="l" for="ch" forName="d1" refType="w" fact="0.295"/>
+              <dgm:constr type="b" for="ch" forName="d1" refType="h" fact="0.62"/>
+              <dgm:constr type="w" for="ch" forName="d1" refType="w" fact="0.33"/>
+              <dgm:constr type="h" for="ch" forName="d1" refType="h" fact="0.53"/>
+              <dgm:constr type="w" for="ch" forName="circle2" refType="w" fact="0.2571"/>
+              <dgm:constr type="h" for="ch" forName="circle2" refType="w" refFor="ch" refForName="circle2"/>
+              <dgm:constr type="ctrX" for="ch" forName="circle2" refType="w" fact="0.3"/>
+              <dgm:constr type="ctrY" for="ch" forName="circle2" refType="h" fact="0.625"/>
+              <dgm:constr type="w" for="ch" forName="text2" refType="w" fact="0.3"/>
+              <dgm:constr type="h" for="ch" forName="text2" refType="h" fact="0.17938"/>
+              <dgm:constr type="r" for="ch" forName="text2" refType="w"/>
+              <dgm:constr type="t" for="ch" forName="text2" refType="b" refFor="ch" refForName="text1"/>
+              <dgm:constr type="l" for="ch" forName="line2" refType="w" fact="0.625"/>
+              <dgm:constr type="ctrY" for="ch" forName="line2" refType="ctrY" refFor="ch" refForName="text2"/>
+              <dgm:constr type="w" for="ch" forName="line2" refType="w" fact="0.075"/>
+              <dgm:constr type="h" for="ch" forName="line2"/>
+              <dgm:constr type="l" for="ch" forName="d2" refType="w" fact="0.36625"/>
+              <dgm:constr type="b" for="ch" forName="d2" refType="h" fact="0.70438"/>
+              <dgm:constr type="w" for="ch" forName="d2" refType="w" fact="0.2585"/>
+              <dgm:constr type="h" for="ch" forName="d2" refType="h" fact="0.43525"/>
+              <dgm:constr type="w" for="ch" forName="circle3" refType="w" fact="0.4285"/>
+              <dgm:constr type="h" for="ch" forName="circle3" refType="w" refFor="ch" refForName="circle3"/>
+              <dgm:constr type="ctrX" for="ch" forName="circle3" refType="ctrX" refFor="ch" refForName="circle1"/>
+              <dgm:constr type="ctrY" for="ch" forName="circle3" refType="ctrY" refFor="ch" refForName="circle1"/>
+              <dgm:constr type="w" for="ch" forName="text3" refType="w" fact="0.3"/>
+              <dgm:constr type="h" for="ch" forName="text3" refType="h" fact="0.17938"/>
+              <dgm:constr type="r" for="ch" forName="text3" refType="w"/>
+              <dgm:constr type="t" for="ch" forName="text3" refType="b" refFor="ch" refForName="text2"/>
+              <dgm:constr type="l" for="ch" forName="line3" refType="w" fact="0.625"/>
+              <dgm:constr type="ctrY" for="ch" forName="line3" refType="ctrY" refFor="ch" refForName="text3"/>
+              <dgm:constr type="w" for="ch" forName="line3" refType="w" fact="0.075"/>
+              <dgm:constr type="h" for="ch" forName="line3"/>
+              <dgm:constr type="l" for="ch" forName="d3" refType="w" fact="0.4255"/>
+              <dgm:constr type="b" for="ch" forName="d3" refType="h" fact="0.78031"/>
+              <dgm:constr type="w" for="ch" forName="d3" refType="w" fact="0.1995"/>
+              <dgm:constr type="h" for="ch" forName="d3" refType="h" fact="0.332"/>
+              <dgm:constr type="w" for="ch" forName="circle4" refType="w" fact="0.6"/>
+              <dgm:constr type="h" for="ch" forName="circle4" refType="w" refFor="ch" refForName="circle4"/>
+              <dgm:constr type="ctrX" for="ch" forName="circle4" refType="ctrX" refFor="ch" refForName="circle1"/>
+              <dgm:constr type="ctrY" for="ch" forName="circle4" refType="ctrY" refFor="ch" refForName="circle1"/>
+              <dgm:constr type="w" for="ch" forName="text4" refType="w" fact="0.3"/>
+              <dgm:constr type="h" for="ch" forName="text4" refType="h" fact="0.17938"/>
+              <dgm:constr type="r" for="ch" forName="text4" refType="w"/>
+              <dgm:constr type="t" for="ch" forName="text4" refType="b" refFor="ch" refForName="text3"/>
+              <dgm:constr type="l" for="ch" forName="line4" refType="w" fact="0.625"/>
+              <dgm:constr type="ctrY" for="ch" forName="line4" refType="ctrY" refFor="ch" refForName="text4"/>
+              <dgm:constr type="w" for="ch" forName="line4" refType="w" fact="0.075"/>
+              <dgm:constr type="h" for="ch" forName="line4"/>
+              <dgm:constr type="l" for="ch" forName="d4" refType="w" fact="0.48525"/>
+              <dgm:constr type="b" for="ch" forName="d4" refType="h" fact="0.85594"/>
+              <dgm:constr type="w" for="ch" forName="d4" refType="w" fact="0.1394"/>
+              <dgm:constr type="h" for="ch" forName="d4" refType="h" fact="0.2282"/>
+            </dgm:constrLst>
+          </dgm:if>
+          <dgm:if name="Name8" axis="ch" ptType="node" func="cnt" op="gte" val="5">
+            <dgm:constrLst>
+              <dgm:constr type="primFontSz" for="des" ptType="node" op="equ" val="65"/>
+              <dgm:constr type="w" for="ch" forName="circle1" refType="w" fact="0.0667"/>
+              <dgm:constr type="h" for="ch" forName="circle1" refType="w" refFor="ch" refForName="circle1"/>
+              <dgm:constr type="ctrX" for="ch" forName="circle1" refType="w" fact="0.3"/>
+              <dgm:constr type="ctrY" for="ch" forName="circle1" refType="h" fact="0.625"/>
+              <dgm:constr type="w" for="ch" forName="text1" refType="w" fact="0.3"/>
+              <dgm:constr type="h" for="ch" forName="text1" refType="h" fact="0.1324"/>
+              <dgm:constr type="r" for="ch" forName="text1" refType="w"/>
+              <dgm:constr type="ctrY" for="ch" forName="text1" refType="h" fact="0.13"/>
+              <dgm:constr type="l" for="ch" forName="line1" refType="w" fact="0.625"/>
+              <dgm:constr type="ctrY" for="ch" forName="line1" refType="ctrY" refFor="ch" refForName="text1"/>
+              <dgm:constr type="w" for="ch" forName="line1" refType="w" fact="0.075"/>
+              <dgm:constr type="h" for="ch" forName="line1"/>
+              <dgm:constr type="l" for="ch" forName="d1" refType="w" fact="0.3"/>
+              <dgm:constr type="b" for="ch" forName="d1" refType="h" fact="0.625"/>
+              <dgm:constr type="w" for="ch" forName="d1" refType="w" fact="0.3245"/>
+              <dgm:constr type="h" for="ch" forName="d1" refType="h" fact="0.495"/>
+              <dgm:constr type="w" for="ch" forName="circle2" refType="w" fact="0.2"/>
+              <dgm:constr type="h" for="ch" forName="circle2" refType="w" refFor="ch" refForName="circle2"/>
+              <dgm:constr type="ctrX" for="ch" forName="circle2" refType="w" fact="0.3"/>
+              <dgm:constr type="ctrY" for="ch" forName="circle2" refType="h" fact="0.625"/>
+              <dgm:constr type="w" for="ch" forName="text2" refType="w" fact="0.3"/>
+              <dgm:constr type="h" for="ch" forName="text2" refType="h" fact="0.1324"/>
+              <dgm:constr type="r" for="ch" forName="text2" refType="w"/>
+              <dgm:constr type="ctrY" for="ch" forName="text2" refType="h" fact="0.27"/>
+              <dgm:constr type="l" for="ch" forName="line2" refType="w" fact="0.625"/>
+              <dgm:constr type="ctrY" for="ch" forName="line2" refType="ctrY" refFor="ch" refForName="text2"/>
+              <dgm:constr type="w" for="ch" forName="line2" refType="w" fact="0.075"/>
+              <dgm:constr type="h" for="ch" forName="line2"/>
+              <dgm:constr type="l" for="ch" forName="d2" refType="w" fact="0.3498"/>
+              <dgm:constr type="b" for="ch" forName="d2" refType="h" fact="0.682"/>
+              <dgm:constr type="w" for="ch" forName="d2" refType="w" fact="0.275"/>
+              <dgm:constr type="h" for="ch" forName="d2" refType="h" fact="0.41215"/>
+              <dgm:constr type="w" for="ch" forName="circle3" refType="w" fact="0.3334"/>
+              <dgm:constr type="h" for="ch" forName="circle3" refType="w" refFor="ch" refForName="circle3"/>
+              <dgm:constr type="ctrX" for="ch" forName="circle3" refType="ctrX" refFor="ch" refForName="circle1"/>
+              <dgm:constr type="ctrY" for="ch" forName="circle3" refType="ctrY" refFor="ch" refForName="circle1"/>
+              <dgm:constr type="w" for="ch" forName="text3" refType="w" fact="0.3"/>
+              <dgm:constr type="h" for="ch" forName="text3" refType="h" fact="0.1324"/>
+              <dgm:constr type="r" for="ch" forName="text3" refType="w"/>
+              <dgm:constr type="ctrY" for="ch" forName="text3" refType="h" fact="0.41"/>
+              <dgm:constr type="l" for="ch" forName="line3" refType="w" fact="0.625"/>
+              <dgm:constr type="ctrY" for="ch" forName="line3" refType="ctrY" refFor="ch" refForName="text3"/>
+              <dgm:constr type="w" for="ch" forName="line3" refType="w" fact="0.075"/>
+              <dgm:constr type="h" for="ch" forName="line3"/>
+              <dgm:constr type="l" for="ch" forName="d3" refType="w" fact="0.394"/>
+              <dgm:constr type="b" for="ch" forName="d3" refType="h" fact="0.735"/>
+              <dgm:constr type="w" for="ch" forName="d3" refType="w" fact="0.231"/>
+              <dgm:constr type="h" for="ch" forName="d3" refType="h" fact="0.325"/>
+              <dgm:constr type="w" for="ch" forName="circle4" refType="w" fact="0.4667"/>
+              <dgm:constr type="h" for="ch" forName="circle4" refType="w" refFor="ch" refForName="circle4"/>
+              <dgm:constr type="ctrX" for="ch" forName="circle4" refType="ctrX" refFor="ch" refForName="circle1"/>
+              <dgm:constr type="ctrY" for="ch" forName="circle4" refType="ctrY" refFor="ch" refForName="circle1"/>
+              <dgm:constr type="w" for="ch" forName="text4" refType="w" fact="0.3"/>
+              <dgm:constr type="h" for="ch" forName="text4" refType="h" fact="0.1324"/>
+              <dgm:constr type="r" for="ch" forName="text4" refType="w"/>
+              <dgm:constr type="ctrY" for="ch" forName="text4" refType="h" fact="0.547"/>
+              <dgm:constr type="l" for="ch" forName="line4" refType="w" fact="0.625"/>
+              <dgm:constr type="ctrY" for="ch" forName="line4" refType="ctrY" refFor="ch" refForName="text4"/>
+              <dgm:constr type="w" for="ch" forName="line4" refType="w" fact="0.075"/>
+              <dgm:constr type="h" for="ch" forName="line4"/>
+              <dgm:constr type="l" for="ch" forName="d4" refType="w" fact="0.446"/>
+              <dgm:constr type="b" for="ch" forName="d4" refType="h" fact="0.795"/>
+              <dgm:constr type="w" for="ch" forName="d4" refType="w" fact="0.179"/>
+              <dgm:constr type="h" for="ch" forName="d4" refType="h" fact="0.248"/>
+              <dgm:constr type="w" for="ch" forName="circle5" refType="w" fact="0.6"/>
+              <dgm:constr type="h" for="ch" forName="circle5" refType="w" refFor="ch" refForName="circle5"/>
+              <dgm:constr type="ctrX" for="ch" forName="circle5" refType="ctrX" refFor="ch" refForName="circle1"/>
+              <dgm:constr type="ctrY" for="ch" forName="circle5" refType="ctrY" refFor="ch" refForName="circle1"/>
+              <dgm:constr type="w" for="ch" forName="text5" refType="w" fact="0.3"/>
+              <dgm:constr type="h" for="ch" forName="text5" refType="h" fact="0.1324"/>
+              <dgm:constr type="r" for="ch" forName="text5" refType="w"/>
+              <dgm:constr type="ctrY" for="ch" forName="text5" refType="h" fact="0.68"/>
+              <dgm:constr type="l" for="ch" forName="line5" refType="w" fact="0.625"/>
+              <dgm:constr type="ctrY" for="ch" forName="line5" refType="ctrY" refFor="ch" refForName="text5"/>
+              <dgm:constr type="w" for="ch" forName="line5" refType="w" fact="0.075"/>
+              <dgm:constr type="h" for="ch" forName="line5"/>
+              <dgm:constr type="l" for="ch" forName="d5" refType="w" fact="0.495"/>
+              <dgm:constr type="b" for="ch" forName="d5" refType="h" fact="0.855"/>
+              <dgm:constr type="w" for="ch" forName="d5" refType="w" fact="0.13"/>
+              <dgm:constr type="h" for="ch" forName="d5" refType="h" fact="0.175"/>
+            </dgm:constrLst>
+          </dgm:if>
+          <dgm:else name="Name9"/>
+        </dgm:choose>
+      </dgm:if>
+      <dgm:else name="Name10">
+        <dgm:choose name="Name11">
+          <dgm:if name="Name12" axis="ch" ptType="node" func="cnt" op="equ" val="0">
+            <dgm:constrLst/>
+          </dgm:if>
+          <dgm:if name="Name13" axis="ch" ptType="node" func="cnt" op="equ" val="1">
+            <dgm:constrLst>
+              <dgm:constr type="primFontSz" for="des" ptType="node" op="equ" val="65"/>
+              <dgm:constr type="w" for="ch" forName="circle1" refType="w" fact="0.6"/>
+              <dgm:constr type="h" for="ch" forName="circle1" refType="w" refFor="ch" refForName="circle1"/>
+              <dgm:constr type="ctrX" for="ch" forName="circle1" refType="w" fact="0.7"/>
+              <dgm:constr type="ctrY" for="ch" forName="circle1" refType="h" fact="0.625"/>
+              <dgm:constr type="w" for="ch" forName="text1" refType="w" fact="0.3"/>
+              <dgm:constr type="h" for="ch" forName="text1" refType="h" fact="0.3125"/>
+              <dgm:constr type="l" for="ch" forName="text1"/>
+              <dgm:constr type="t" for="ch" forName="text1"/>
+              <dgm:constr type="l" for="ch" forName="line1" refType="r" refFor="ch" refForName="text1"/>
+              <dgm:constr type="ctrY" for="ch" forName="line1" refType="ctrY" refFor="ch" refForName="text1"/>
+              <dgm:constr type="r" for="ch" forName="line1" refType="w" fact="0.375"/>
+              <dgm:constr type="h" for="ch" forName="line1"/>
+              <dgm:constr type="r" for="ch" forName="d1" refType="w" fact="0.7"/>
+              <dgm:constr type="b" for="ch" forName="d1" refType="h" fact="0.625"/>
+              <dgm:constr type="w" for="ch" forName="d1" refType="w" fact="0.32475"/>
+              <dgm:constr type="h" for="ch" forName="d1" refType="h" fact="0.469"/>
+            </dgm:constrLst>
+          </dgm:if>
+          <dgm:if name="Name14" axis="ch" ptType="node" func="cnt" op="equ" val="2">
+            <dgm:constrLst>
+              <dgm:constr type="primFontSz" for="des" ptType="node" op="equ" val="65"/>
+              <dgm:constr type="w" for="ch" forName="circle1" refType="w" fact="0.2"/>
+              <dgm:constr type="h" for="ch" forName="circle1" refType="w" refFor="ch" refForName="circle1"/>
+              <dgm:constr type="ctrX" for="ch" forName="circle1" refType="w" fact="0.7"/>
+              <dgm:constr type="ctrY" for="ch" forName="circle1" refType="h" fact="0.625"/>
+              <dgm:constr type="w" for="ch" forName="text1" refType="w" fact="0.3"/>
+              <dgm:constr type="h" for="ch" forName="text1" refType="h" fact="0.3125"/>
+              <dgm:constr type="l" for="ch" forName="text1"/>
+              <dgm:constr type="t" for="ch" forName="text1"/>
+              <dgm:constr type="l" for="ch" forName="line1" refType="r" refFor="ch" refForName="text1"/>
+              <dgm:constr type="ctrY" for="ch" forName="line1" refType="ctrY" refFor="ch" refForName="text1"/>
+              <dgm:constr type="r" for="ch" forName="line1" refType="w" fact="0.375"/>
+              <dgm:constr type="h" for="ch" forName="line1"/>
+              <dgm:constr type="r" for="ch" forName="d1" refType="w" fact="0.7"/>
+              <dgm:constr type="b" for="ch" forName="d1" refType="h" fact="0.625"/>
+              <dgm:constr type="w" for="ch" forName="d1" refType="w" fact="0.32475"/>
+              <dgm:constr type="h" for="ch" forName="d1" refType="h" fact="0.469"/>
+              <dgm:constr type="w" for="ch" forName="circle2" refType="w" fact="0.6"/>
+              <dgm:constr type="h" for="ch" forName="circle2" refType="w" refFor="ch" refForName="circle2"/>
+              <dgm:constr type="ctrX" for="ch" forName="circle2" refType="w" fact="0.7"/>
+              <dgm:constr type="ctrY" for="ch" forName="circle2" refType="h" fact="0.625"/>
+              <dgm:constr type="w" for="ch" forName="text2" refType="w" fact="0.3"/>
+              <dgm:constr type="h" for="ch" forName="text2" refType="h" fact="0.3125"/>
+              <dgm:constr type="l" for="ch" forName="text2"/>
+              <dgm:constr type="t" for="ch" forName="text2" refType="b" refFor="ch" refForName="text1"/>
+              <dgm:constr type="l" for="ch" forName="line2" refType="r" refFor="ch" refForName="text2"/>
+              <dgm:constr type="ctrY" for="ch" forName="line2" refType="ctrY" refFor="ch" refForName="text2"/>
+              <dgm:constr type="r" for="ch" forName="line2" refType="w" fact="0.375"/>
+              <dgm:constr type="h" for="ch" forName="line2"/>
+              <dgm:constr type="r" for="ch" forName="d2" refType="w" fact="0.55675"/>
+              <dgm:constr type="b" for="ch" forName="d2" refType="h" fact="0.7975"/>
+              <dgm:constr type="w" for="ch" forName="d2" refType="w" fact="0.1815"/>
+              <dgm:constr type="h" for="ch" forName="d2" refType="h" fact="0.3283"/>
+            </dgm:constrLst>
+          </dgm:if>
+          <dgm:if name="Name15" axis="ch" ptType="node" func="cnt" op="equ" val="3">
+            <dgm:constrLst>
+              <dgm:constr type="primFontSz" for="des" ptType="node" op="equ" val="65"/>
+              <dgm:constr type="w" for="ch" forName="circle1" refType="w" fact="0.12"/>
+              <dgm:constr type="h" for="ch" forName="circle1" refType="w" refFor="ch" refForName="circle1"/>
+              <dgm:constr type="ctrX" for="ch" forName="circle1" refType="w" fact="0.7"/>
+              <dgm:constr type="ctrY" for="ch" forName="circle1" refType="h" fact="0.625"/>
+              <dgm:constr type="w" for="ch" forName="text1" refType="w" fact="0.3"/>
+              <dgm:constr type="h" for="ch" forName="text1" refType="h" fact="0.21875"/>
+              <dgm:constr type="l" for="ch" forName="text1"/>
+              <dgm:constr type="t" for="ch" forName="text1"/>
+              <dgm:constr type="l" for="ch" forName="line1" refType="r" refFor="ch" refForName="text1"/>
+              <dgm:constr type="ctrY" for="ch" forName="line1" refType="ctrY" refFor="ch" refForName="text1"/>
+              <dgm:constr type="r" for="ch" forName="line1" refType="w" fact="0.375"/>
+              <dgm:constr type="h" for="ch" forName="line1"/>
+              <dgm:constr type="r" for="ch" forName="d1" refType="w" fact="0.7"/>
+              <dgm:constr type="b" for="ch" forName="d1" refType="h" fact="0.625"/>
+              <dgm:constr type="w" for="ch" forName="d1" refType="w" fact="0.3247"/>
+              <dgm:constr type="h" for="ch" forName="d1" refType="h" fact="0.5155"/>
+              <dgm:constr type="w" for="ch" forName="circle2" refType="w" fact="0.36"/>
+              <dgm:constr type="h" for="ch" forName="circle2" refType="w" refFor="ch" refForName="circle2"/>
+              <dgm:constr type="ctrX" for="ch" forName="circle2" refType="w" fact="0.7"/>
+              <dgm:constr type="ctrY" for="ch" forName="circle2" refType="h" fact="0.625"/>
+              <dgm:constr type="w" for="ch" forName="text2" refType="w" fact="0.3"/>
+              <dgm:constr type="h" for="ch" forName="text2" refType="h" fact="0.21875"/>
+              <dgm:constr type="l" for="ch" forName="text2"/>
+              <dgm:constr type="t" for="ch" forName="text2" refType="b" refFor="ch" refForName="text1"/>
+              <dgm:constr type="l" for="ch" forName="line2" refType="r" refFor="ch" refForName="text2"/>
+              <dgm:constr type="ctrY" for="ch" forName="line2" refType="ctrY" refFor="ch" refForName="text2"/>
+              <dgm:constr type="r" for="ch" forName="line2" refType="w" fact="0.375"/>
+              <dgm:constr type="h" for="ch" forName="line2"/>
+              <dgm:constr type="r" for="ch" forName="d2" refType="w" fact="0.614"/>
+              <dgm:constr type="b" for="ch" forName="d2" refType="h" fact="0.72969"/>
+              <dgm:constr type="w" for="ch" forName="d2" refType="w" fact="0.2387"/>
+              <dgm:constr type="h" for="ch" forName="d2" refType="h" fact="0.4017"/>
+              <dgm:constr type="w" for="ch" forName="circle3" refType="w" fact="0.6"/>
+              <dgm:constr type="h" for="ch" forName="circle3" refType="w" refFor="ch" refForName="circle3"/>
+              <dgm:constr type="ctrX" for="ch" forName="circle3" refType="ctrX" refFor="ch" refForName="circle1"/>
+              <dgm:constr type="ctrY" for="ch" forName="circle3" refType="ctrY" refFor="ch" refForName="circle1"/>
+              <dgm:constr type="w" for="ch" forName="text3" refType="w" fact="0.3"/>
+              <dgm:constr type="h" for="ch" forName="text3" refType="h" fact="0.21875"/>
+              <dgm:constr type="l" for="ch" forName="text3"/>
+              <dgm:constr type="t" for="ch" forName="text3" refType="b" refFor="ch" refForName="text2"/>
+              <dgm:constr type="l" for="ch" forName="line3" refType="r" refFor="ch" refForName="text3"/>
+              <dgm:constr type="ctrY" for="ch" forName="line3" refType="ctrY" refFor="ch" refForName="text3"/>
+              <dgm:constr type="r" for="ch" forName="line3" refType="w" fact="0.375"/>
+              <dgm:constr type="h" for="ch" forName="line3"/>
+              <dgm:constr type="r" for="ch" forName="d3" refType="w" fact="0.52825"/>
+              <dgm:constr type="b" for="ch" forName="d3" refType="h" fact="0.83375"/>
+              <dgm:constr type="w" for="ch" forName="d3" refType="w" fact="0.1527"/>
+              <dgm:constr type="h" for="ch" forName="d3" refType="h" fact="0.287"/>
+            </dgm:constrLst>
+          </dgm:if>
+          <dgm:if name="Name16" axis="ch" ptType="node" func="cnt" op="equ" val="4">
+            <dgm:constrLst>
+              <dgm:constr type="primFontSz" for="des" ptType="node" op="equ" val="65"/>
+              <dgm:constr type="w" for="ch" forName="circle1" refType="w" fact="0.0857"/>
+              <dgm:constr type="h" for="ch" forName="circle1" refType="w" refFor="ch" refForName="circle1"/>
+              <dgm:constr type="ctrX" for="ch" forName="circle1" refType="w" fact="0.7"/>
+              <dgm:constr type="ctrY" for="ch" forName="circle1" refType="h" fact="0.625"/>
+              <dgm:constr type="w" for="ch" forName="text1" refType="w" fact="0.3"/>
+              <dgm:constr type="h" for="ch" forName="text1" refType="h" fact="0.17938"/>
+              <dgm:constr type="l" for="ch" forName="text1"/>
+              <dgm:constr type="t" for="ch" forName="text1"/>
+              <dgm:constr type="l" for="ch" forName="line1" refType="r" refFor="ch" refForName="text1"/>
+              <dgm:constr type="ctrY" for="ch" forName="line1" refType="ctrY" refFor="ch" refForName="text1"/>
+              <dgm:constr type="r" for="ch" forName="line1" refType="w" fact="0.375"/>
+              <dgm:constr type="h" for="ch" forName="line1"/>
+              <dgm:constr type="r" for="ch" forName="d1" refType="w" fact="0.705"/>
+              <dgm:constr type="b" for="ch" forName="d1" refType="h" fact="0.62"/>
+              <dgm:constr type="w" for="ch" forName="d1" refType="w" fact="0.33"/>
+              <dgm:constr type="h" for="ch" forName="d1" refType="h" fact="0.53"/>
+              <dgm:constr type="w" for="ch" forName="circle2" refType="w" fact="0.2571"/>
+              <dgm:constr type="h" for="ch" forName="circle2" refType="w" refFor="ch" refForName="circle2"/>
+              <dgm:constr type="ctrX" for="ch" forName="circle2" refType="w" fact="0.7"/>
+              <dgm:constr type="ctrY" for="ch" forName="circle2" refType="h" fact="0.625"/>
+              <dgm:constr type="w" for="ch" forName="text2" refType="w" fact="0.3"/>
+              <dgm:constr type="h" for="ch" forName="text2" refType="h" fact="0.17938"/>
+              <dgm:constr type="l" for="ch" forName="text2"/>
+              <dgm:constr type="t" for="ch" forName="text2" refType="b" refFor="ch" refForName="text1"/>
+              <dgm:constr type="l" for="ch" forName="line2" refType="r" refFor="ch" refForName="text2"/>
+              <dgm:constr type="ctrY" for="ch" forName="line2" refType="ctrY" refFor="ch" refForName="text2"/>
+              <dgm:constr type="r" for="ch" forName="line2" refType="w" fact="0.375"/>
+              <dgm:constr type="h" for="ch" forName="line2"/>
+              <dgm:constr type="r" for="ch" forName="d2" refType="w" fact="0.63375"/>
+              <dgm:constr type="b" for="ch" forName="d2" refType="h" fact="0.70438"/>
+              <dgm:constr type="w" for="ch" forName="d2" refType="w" fact="0.2585"/>
+              <dgm:constr type="h" for="ch" forName="d2" refType="h" fact="0.43525"/>
+              <dgm:constr type="w" for="ch" forName="circle3" refType="w" fact="0.4285"/>
+              <dgm:constr type="h" for="ch" forName="circle3" refType="w" refFor="ch" refForName="circle3"/>
+              <dgm:constr type="ctrX" for="ch" forName="circle3" refType="ctrX" refFor="ch" refForName="circle1"/>
+              <dgm:constr type="ctrY" for="ch" forName="circle3" refType="ctrY" refFor="ch" refForName="circle1"/>
+              <dgm:constr type="w" for="ch" forName="text3" refType="w" fact="0.3"/>
+              <dgm:constr type="h" for="ch" forName="text3" refType="h" fact="0.17938"/>
+              <dgm:constr type="l" for="ch" forName="text3"/>
+              <dgm:constr type="t" for="ch" forName="text3" refType="b" refFor="ch" refForName="text2"/>
+              <dgm:constr type="l" for="ch" forName="line3" refType="r" refFor="ch" refForName="text3"/>
+              <dgm:constr type="ctrY" for="ch" forName="line3" refType="ctrY" refFor="ch" refForName="text3"/>
+              <dgm:constr type="r" for="ch" forName="line3" refType="w" fact="0.375"/>
+              <dgm:constr type="h" for="ch" forName="line3"/>
+              <dgm:constr type="r" for="ch" forName="d3" refType="w" fact="0.5745"/>
+              <dgm:constr type="b" for="ch" forName="d3" refType="h" fact="0.78031"/>
+              <dgm:constr type="w" for="ch" forName="d3" refType="w" fact="0.1995"/>
+              <dgm:constr type="h" for="ch" forName="d3" refType="h" fact="0.332"/>
+              <dgm:constr type="w" for="ch" forName="circle4" refType="w" fact="0.6"/>
+              <dgm:constr type="h" for="ch" forName="circle4" refType="w" refFor="ch" refForName="circle4"/>
+              <dgm:constr type="ctrX" for="ch" forName="circle4" refType="ctrX" refFor="ch" refForName="circle1"/>
+              <dgm:constr type="ctrY" for="ch" forName="circle4" refType="ctrY" refFor="ch" refForName="circle1"/>
+              <dgm:constr type="w" for="ch" forName="text4" refType="w" fact="0.3"/>
+              <dgm:constr type="h" for="ch" forName="text4" refType="h" fact="0.17938"/>
+              <dgm:constr type="l" for="ch" forName="text4"/>
+              <dgm:constr type="t" for="ch" forName="text4" refType="b" refFor="ch" refForName="text3"/>
+              <dgm:constr type="l" for="ch" forName="line4" refType="r" refFor="ch" refForName="text4"/>
+              <dgm:constr type="ctrY" for="ch" forName="line4" refType="ctrY" refFor="ch" refForName="text4"/>
+              <dgm:constr type="r" for="ch" forName="line4" refType="w" fact="0.375"/>
+              <dgm:constr type="h" for="ch" forName="line4"/>
+              <dgm:constr type="r" for="ch" forName="d4" refType="w" fact="0.51475"/>
+              <dgm:constr type="b" for="ch" forName="d4" refType="h" fact="0.85594"/>
+              <dgm:constr type="w" for="ch" forName="d4" refType="w" fact="0.1394"/>
+              <dgm:constr type="h" for="ch" forName="d4" refType="h" fact="0.2282"/>
+            </dgm:constrLst>
+          </dgm:if>
+          <dgm:if name="Name17" axis="ch" ptType="node" func="cnt" op="gte" val="5">
+            <dgm:constrLst>
+              <dgm:constr type="primFontSz" for="des" ptType="node" op="equ" val="65"/>
+              <dgm:constr type="w" for="ch" forName="circle1" refType="w" fact="0.0667"/>
+              <dgm:constr type="h" for="ch" forName="circle1" refType="w" refFor="ch" refForName="circle1"/>
+              <dgm:constr type="ctrX" for="ch" forName="circle1" refType="w" fact="0.7"/>
+              <dgm:constr type="ctrY" for="ch" forName="circle1" refType="h" fact="0.625"/>
+              <dgm:constr type="w" for="ch" forName="text1" refType="w" fact="0.3"/>
+              <dgm:constr type="h" for="ch" forName="text1" refType="h" fact="0.1324"/>
+              <dgm:constr type="l" for="ch" forName="text1"/>
+              <dgm:constr type="ctrY" for="ch" forName="text1" refType="h" fact="0.13"/>
+              <dgm:constr type="l" for="ch" forName="line1" refType="r" refFor="ch" refForName="text1"/>
+              <dgm:constr type="ctrY" for="ch" forName="line1" refType="ctrY" refFor="ch" refForName="text1"/>
+              <dgm:constr type="r" for="ch" forName="line1" refType="w" fact="0.375"/>
+              <dgm:constr type="h" for="ch" forName="line1"/>
+              <dgm:constr type="r" for="ch" forName="d1" refType="w" fact="0.7"/>
+              <dgm:constr type="b" for="ch" forName="d1" refType="h" fact="0.625"/>
+              <dgm:constr type="w" for="ch" forName="d1" refType="w" fact="0.3245"/>
+              <dgm:constr type="h" for="ch" forName="d1" refType="h" fact="0.495"/>
+              <dgm:constr type="w" for="ch" forName="circle2" refType="w" fact="0.2"/>
+              <dgm:constr type="h" for="ch" forName="circle2" refType="w" refFor="ch" refForName="circle2"/>
+              <dgm:constr type="ctrX" for="ch" forName="circle2" refType="w" fact="0.7"/>
+              <dgm:constr type="ctrY" for="ch" forName="circle2" refType="h" fact="0.625"/>
+              <dgm:constr type="w" for="ch" forName="text2" refType="w" fact="0.3"/>
+              <dgm:constr type="h" for="ch" forName="text2" refType="h" fact="0.1324"/>
+              <dgm:constr type="l" for="ch" forName="text2"/>
+              <dgm:constr type="ctrY" for="ch" forName="text2" refType="h" fact="0.27"/>
+              <dgm:constr type="l" for="ch" forName="line2" refType="r" refFor="ch" refForName="text2"/>
+              <dgm:constr type="ctrY" for="ch" forName="line2" refType="ctrY" refFor="ch" refForName="text2"/>
+              <dgm:constr type="r" for="ch" forName="line2" refType="w" fact="0.375"/>
+              <dgm:constr type="h" for="ch" forName="line2"/>
+              <dgm:constr type="r" for="ch" forName="d2" refType="w" fact="0.6502"/>
+              <dgm:constr type="b" for="ch" forName="d2" refType="h" fact="0.682"/>
+              <dgm:constr type="w" for="ch" forName="d2" refType="w" fact="0.275"/>
+              <dgm:constr type="h" for="ch" forName="d2" refType="h" fact="0.41215"/>
+              <dgm:constr type="w" for="ch" forName="circle3" refType="w" fact="0.3334"/>
+              <dgm:constr type="h" for="ch" forName="circle3" refType="w" refFor="ch" refForName="circle3"/>
+              <dgm:constr type="ctrX" for="ch" forName="circle3" refType="ctrX" refFor="ch" refForName="circle1"/>
+              <dgm:constr type="ctrY" for="ch" forName="circle3" refType="ctrY" refFor="ch" refForName="circle1"/>
+              <dgm:constr type="w" for="ch" forName="text3" refType="w" fact="0.3"/>
+              <dgm:constr type="h" for="ch" forName="text3" refType="h" fact="0.1324"/>
+              <dgm:constr type="l" for="ch" forName="text3"/>
+              <dgm:constr type="ctrY" for="ch" forName="text3" refType="h" fact="0.41"/>
+              <dgm:constr type="l" for="ch" forName="line3" refType="r" refFor="ch" refForName="text3"/>
+              <dgm:constr type="ctrY" for="ch" forName="line3" refType="ctrY" refFor="ch" refForName="text3"/>
+              <dgm:constr type="r" for="ch" forName="line3" refType="w" fact="0.375"/>
+              <dgm:constr type="h" for="ch" forName="line3"/>
+              <dgm:constr type="r" for="ch" forName="d3" refType="w" fact="0.606"/>
+              <dgm:constr type="b" for="ch" forName="d3" refType="h" fact="0.735"/>
+              <dgm:constr type="w" for="ch" forName="d3" refType="w" fact="0.231"/>
+              <dgm:constr type="h" for="ch" forName="d3" refType="h" fact="0.325"/>
+              <dgm:constr type="w" for="ch" forName="circle4" refType="w" fact="0.4667"/>
+              <dgm:constr type="h" for="ch" forName="circle4" refType="w" refFor="ch" refForName="circle4"/>
+              <dgm:constr type="ctrX" for="ch" forName="circle4" refType="ctrX" refFor="ch" refForName="circle1"/>
+              <dgm:constr type="ctrY" for="ch" forName="circle4" refType="ctrY" refFor="ch" refForName="circle1"/>
+              <dgm:constr type="w" for="ch" forName="text4" refType="w" fact="0.3"/>
+              <dgm:constr type="h" for="ch" forName="text4" refType="h" fact="0.1324"/>
+              <dgm:constr type="l" for="ch" forName="text4"/>
+              <dgm:constr type="ctrY" for="ch" forName="text4" refType="h" fact="0.547"/>
+              <dgm:constr type="l" for="ch" forName="line4" refType="r" refFor="ch" refForName="text4"/>
+              <dgm:constr type="ctrY" for="ch" forName="line4" refType="ctrY" refFor="ch" refForName="text4"/>
+              <dgm:constr type="r" for="ch" forName="line4" refType="w" fact="0.375"/>
+              <dgm:constr type="h" for="ch" forName="line4"/>
+              <dgm:constr type="r" for="ch" forName="d4" refType="w" fact="0.554"/>
+              <dgm:constr type="b" for="ch" forName="d4" refType="h" fact="0.795"/>
+              <dgm:constr type="w" for="ch" forName="d4" refType="w" fact="0.179"/>
+              <dgm:constr type="h" for="ch" forName="d4" refType="h" fact="0.248"/>
+              <dgm:constr type="w" for="ch" forName="circle5" refType="w" fact="0.6"/>
+              <dgm:constr type="h" for="ch" forName="circle5" refType="w" refFor="ch" refForName="circle5"/>
+              <dgm:constr type="ctrX" for="ch" forName="circle5" refType="ctrX" refFor="ch" refForName="circle1"/>
+              <dgm:constr type="ctrY" for="ch" forName="circle5" refType="ctrY" refFor="ch" refForName="circle1"/>
+              <dgm:constr type="w" for="ch" forName="text5" refType="w" fact="0.3"/>
+              <dgm:constr type="h" for="ch" forName="text5" refType="h" fact="0.1324"/>
+              <dgm:constr type="l" for="ch" forName="text5"/>
+              <dgm:constr type="ctrY" for="ch" forName="text5" refType="h" fact="0.68"/>
+              <dgm:constr type="l" for="ch" forName="line5" refType="r" refFor="ch" refForName="text5"/>
+              <dgm:constr type="ctrY" for="ch" forName="line5" refType="ctrY" refFor="ch" refForName="text5"/>
+              <dgm:constr type="r" for="ch" forName="line5" refType="w" fact="0.375"/>
+              <dgm:constr type="h" for="ch" forName="line5"/>
+              <dgm:constr type="r" for="ch" forName="d5" refType="w" fact="0.505"/>
+              <dgm:constr type="b" for="ch" forName="d5" refType="h" fact="0.855"/>
+              <dgm:constr type="w" for="ch" forName="d5" refType="w" fact="0.13"/>
+              <dgm:constr type="h" for="ch" forName="d5" refType="h" fact="0.175"/>
+            </dgm:constrLst>
+          </dgm:if>
+          <dgm:else name="Name18"/>
+        </dgm:choose>
+      </dgm:else>
+    </dgm:choose>
+    <dgm:ruleLst/>
+    <dgm:forEach name="Name19" axis="ch" ptType="node" cnt="1">
+      <dgm:layoutNode name="circle1" styleLbl="lnNode1">
+        <dgm:alg type="sp"/>
+        <dgm:shape xmlns:r="http://schemas.openxmlformats.org/officeDocument/2006/relationships" type="ellipse" r:blip="">
+          <dgm:adjLst/>
+        </dgm:shape>
+        <dgm:presOf/>
+        <dgm:constrLst/>
+        <dgm:ruleLst/>
+      </dgm:layoutNode>
+      <dgm:layoutNode name="text1" styleLbl="revTx">
+        <dgm:varLst>
+          <dgm:bulletEnabled val="1"/>
+        </dgm:varLst>
+        <dgm:choose name="Name20">
+          <dgm:if name="Name21" func="var" arg="dir" op="equ" val="norm">
+            <dgm:choose name="Name22">
+              <dgm:if name="Name23" axis="root des" ptType="all node" func="maxDepth" op="gt" val="1">
+                <dgm:alg type="tx">
+                  <dgm:param type="parTxLTRAlign" val="l"/>
+                  <dgm:param type="parTxRTLAlign" val="r"/>
+                </dgm:alg>
+              </dgm:if>
+              <dgm:else name="Name24">
+                <dgm:alg type="tx">
+                  <dgm:param type="parTxLTRAlign" val="l"/>
+                  <dgm:param type="parTxRTLAlign" val="l"/>
+                </dgm:alg>
+              </dgm:else>
+            </dgm:choose>
+          </dgm:if>
+          <dgm:else name="Name25">
+            <dgm:choose name="Name26">
+              <dgm:if name="Name27" axis="root des" ptType="all node" func="maxDepth" op="gt" val="1">
+                <dgm:alg type="tx">
+                  <dgm:param type="parTxLTRAlign" val="l"/>
+                  <dgm:param type="parTxRTLAlign" val="r"/>
+                </dgm:alg>
+              </dgm:if>
+              <dgm:else name="Name28">
+                <dgm:alg type="tx">
+                  <dgm:param type="parTxLTRAlign" val="r"/>
+                  <dgm:param type="parTxRTLAlign" val="r"/>
+                </dgm:alg>
+              </dgm:else>
+            </dgm:choose>
+          </dgm:else>
+        </dgm:choose>
+        <dgm:shape xmlns:r="http://schemas.openxmlformats.org/officeDocument/2006/relationships" type="rect" r:blip="">
+          <dgm:adjLst/>
+        </dgm:shape>
+        <dgm:presOf axis="desOrSelf" ptType="node"/>
+        <dgm:choose name="Name29">
+          <dgm:if name="Name30" func="var" arg="dir" op="equ" val="norm">
+            <dgm:constrLst>
+              <dgm:constr type="tMarg" refType="primFontSz" fact="0.1"/>
+              <dgm:constr type="bMarg" refType="primFontSz" fact="0.1"/>
+              <dgm:constr type="rMarg" refType="primFontSz" fact="0.1"/>
+            </dgm:constrLst>
+          </dgm:if>
+          <dgm:else name="Name31">
+            <dgm:constrLst>
+              <dgm:constr type="tMarg" refType="primFontSz" fact="0.1"/>
+              <dgm:constr type="bMarg" refType="primFontSz" fact="0.1"/>
+              <dgm:constr type="lMarg" refType="primFontSz" fact="0.1"/>
+            </dgm:constrLst>
+          </dgm:else>
+        </dgm:choose>
+        <dgm:ruleLst>
+          <dgm:rule type="primFontSz" val="5" fact="NaN" max="NaN"/>
+        </dgm:ruleLst>
+      </dgm:layoutNode>
+      <dgm:layoutNode name="line1" styleLbl="callout">
+        <dgm:alg type="sp"/>
+        <dgm:shape xmlns:r="http://schemas.openxmlformats.org/officeDocument/2006/relationships" type="line" r:blip="">
+          <dgm:adjLst/>
+        </dgm:shape>
+        <dgm:presOf/>
+        <dgm:constrLst/>
+        <dgm:ruleLst/>
+      </dgm:layoutNode>
+      <dgm:layoutNode name="d1" styleLbl="callout">
+        <dgm:alg type="sp"/>
+        <dgm:choose name="Name32">
+          <dgm:if name="Name33" func="var" arg="dir" op="equ" val="norm">
+            <dgm:shape xmlns:r="http://schemas.openxmlformats.org/officeDocument/2006/relationships" rot="90" type="line" r:blip="">
+              <dgm:adjLst/>
+            </dgm:shape>
+          </dgm:if>
+          <dgm:else name="Name34">
+            <dgm:shape xmlns:r="http://schemas.openxmlformats.org/officeDocument/2006/relationships" rot="180" type="line" r:blip="">
+              <dgm:adjLst/>
+            </dgm:shape>
+          </dgm:else>
+        </dgm:choose>
+        <dgm:presOf/>
+        <dgm:constrLst/>
+        <dgm:ruleLst/>
+      </dgm:layoutNode>
+    </dgm:forEach>
+    <dgm:forEach name="Name35" axis="ch" ptType="node" st="2" cnt="1">
+      <dgm:layoutNode name="circle2" styleLbl="lnNode1">
+        <dgm:alg type="sp"/>
+        <dgm:shape xmlns:r="http://schemas.openxmlformats.org/officeDocument/2006/relationships" type="ellipse" r:blip="" zOrderOff="-5">
+          <dgm:adjLst/>
+        </dgm:shape>
+        <dgm:presOf/>
+        <dgm:constrLst/>
+        <dgm:ruleLst/>
+      </dgm:layoutNode>
+      <dgm:layoutNode name="text2" styleLbl="revTx">
+        <dgm:varLst>
+          <dgm:bulletEnabled val="1"/>
+        </dgm:varLst>
+        <dgm:choose name="Name36">
+          <dgm:if name="Name37" func="var" arg="dir" op="equ" val="norm">
+            <dgm:choose name="Name38">
+              <dgm:if name="Name39" axis="root des" ptType="all node" func="maxDepth" op="gt" val="1">
+                <dgm:alg type="tx">
+                  <dgm:param type="parTxLTRAlign" val="l"/>
+                  <dgm:param type="parTxRTLAlign" val="r"/>
+                </dgm:alg>
+              </dgm:if>
+              <dgm:else name="Name40">
+                <dgm:alg type="tx">
+                  <dgm:param type="parTxLTRAlign" val="l"/>
+                  <dgm:param type="parTxRTLAlign" val="l"/>
+                </dgm:alg>
+              </dgm:else>
+            </dgm:choose>
+          </dgm:if>
+          <dgm:else name="Name41">
+            <dgm:choose name="Name42">
+              <dgm:if name="Name43" axis="root des" ptType="all node" func="maxDepth" op="gt" val="1">
+                <dgm:alg type="tx">
+                  <dgm:param type="parTxLTRAlign" val="l"/>
+                  <dgm:param type="parTxRTLAlign" val="r"/>
+                </dgm:alg>
+              </dgm:if>
+              <dgm:else name="Name44">
+                <dgm:alg type="tx">
+                  <dgm:param type="parTxLTRAlign" val="r"/>
+                  <dgm:param type="parTxRTLAlign" val="r"/>
+                </dgm:alg>
+              </dgm:else>
+            </dgm:choose>
+          </dgm:else>
+        </dgm:choose>
+        <dgm:shape xmlns:r="http://schemas.openxmlformats.org/officeDocument/2006/relationships" type="rect" r:blip="">
+          <dgm:adjLst/>
+        </dgm:shape>
+        <dgm:presOf axis="desOrSelf" ptType="node"/>
+        <dgm:choose name="Name45">
+          <dgm:if name="Name46" func="var" arg="dir" op="equ" val="norm">
+            <dgm:constrLst>
+              <dgm:constr type="tMarg" refType="primFontSz" fact="0.1"/>
+              <dgm:constr type="bMarg" refType="primFontSz" fact="0.1"/>
+              <dgm:constr type="rMarg" refType="primFontSz" fact="0.1"/>
+            </dgm:constrLst>
+          </dgm:if>
+          <dgm:else name="Name47">
+            <dgm:constrLst>
+              <dgm:constr type="tMarg" refType="primFontSz" fact="0.1"/>
+              <dgm:constr type="bMarg" refType="primFontSz" fact="0.1"/>
+              <dgm:constr type="lMarg" refType="primFontSz" fact="0.1"/>
+            </dgm:constrLst>
+          </dgm:else>
+        </dgm:choose>
+        <dgm:ruleLst>
+          <dgm:rule type="primFontSz" val="5" fact="NaN" max="NaN"/>
+        </dgm:ruleLst>
+      </dgm:layoutNode>
+      <dgm:layoutNode name="line2" styleLbl="callout">
+        <dgm:alg type="sp"/>
+        <dgm:shape xmlns:r="http://schemas.openxmlformats.org/officeDocument/2006/relationships" type="line" r:blip="">
+          <dgm:adjLst/>
+        </dgm:shape>
+        <dgm:presOf/>
+        <dgm:constrLst/>
+        <dgm:ruleLst/>
+      </dgm:layoutNode>
+      <dgm:layoutNode name="d2" styleLbl="callout">
+        <dgm:alg type="sp"/>
+        <dgm:choose name="Name48">
+          <dgm:if name="Name49" func="var" arg="dir" op="equ" val="norm">
+            <dgm:shape xmlns:r="http://schemas.openxmlformats.org/officeDocument/2006/relationships" rot="90" type="line" r:blip="">
+              <dgm:adjLst/>
+            </dgm:shape>
+          </dgm:if>
+          <dgm:else name="Name50">
+            <dgm:shape xmlns:r="http://schemas.openxmlformats.org/officeDocument/2006/relationships" rot="180" type="line" r:blip="">
+              <dgm:adjLst/>
+            </dgm:shape>
+          </dgm:else>
+        </dgm:choose>
+        <dgm:presOf/>
+        <dgm:constrLst/>
+        <dgm:ruleLst/>
+      </dgm:layoutNode>
+    </dgm:forEach>
+    <dgm:forEach name="Name51" axis="ch" ptType="node" st="3" cnt="1">
+      <dgm:layoutNode name="circle3" styleLbl="lnNode1">
+        <dgm:alg type="sp"/>
+        <dgm:shape xmlns:r="http://schemas.openxmlformats.org/officeDocument/2006/relationships" type="ellipse" r:blip="" zOrderOff="-10">
+          <dgm:adjLst/>
+        </dgm:shape>
+        <dgm:presOf/>
+        <dgm:constrLst/>
+        <dgm:ruleLst/>
+      </dgm:layoutNode>
+      <dgm:layoutNode name="text3" styleLbl="revTx">
+        <dgm:varLst>
+          <dgm:bulletEnabled val="1"/>
+        </dgm:varLst>
+        <dgm:choose name="Name52">
+          <dgm:if name="Name53" func="var" arg="dir" op="equ" val="norm">
+            <dgm:choose name="Name54">
+              <dgm:if name="Name55" axis="root des" ptType="all node" func="maxDepth" op="gt" val="1">
+                <dgm:alg type="tx">
+                  <dgm:param type="parTxLTRAlign" val="l"/>
+                  <dgm:param type="parTxRTLAlign" val="r"/>
+                </dgm:alg>
+              </dgm:if>
+              <dgm:else name="Name56">
+                <dgm:alg type="tx">
+                  <dgm:param type="parTxLTRAlign" val="l"/>
+                  <dgm:param type="parTxRTLAlign" val="l"/>
+                </dgm:alg>
+              </dgm:else>
+            </dgm:choose>
+          </dgm:if>
+          <dgm:else name="Name57">
+            <dgm:choose name="Name58">
+              <dgm:if name="Name59" axis="root des" ptType="all node" func="maxDepth" op="gt" val="1">
+                <dgm:alg type="tx">
+                  <dgm:param type="parTxLTRAlign" val="l"/>
+                  <dgm:param type="parTxRTLAlign" val="r"/>
+                </dgm:alg>
+              </dgm:if>
+              <dgm:else name="Name60">
+                <dgm:alg type="tx">
+                  <dgm:param type="parTxLTRAlign" val="r"/>
+                  <dgm:param type="parTxRTLAlign" val="r"/>
+                </dgm:alg>
+              </dgm:else>
+            </dgm:choose>
+          </dgm:else>
+        </dgm:choose>
+        <dgm:shape xmlns:r="http://schemas.openxmlformats.org/officeDocument/2006/relationships" type="rect" r:blip="">
+          <dgm:adjLst/>
+        </dgm:shape>
+        <dgm:presOf axis="desOrSelf" ptType="node"/>
+        <dgm:choose name="Name61">
+          <dgm:if name="Name62" func="var" arg="dir" op="equ" val="norm">
+            <dgm:constrLst>
+              <dgm:constr type="tMarg" refType="primFontSz" fact="0.1"/>
+              <dgm:constr type="bMarg" refType="primFontSz" fact="0.1"/>
+              <dgm:constr type="rMarg" refType="primFontSz" fact="0.1"/>
+            </dgm:constrLst>
+          </dgm:if>
+          <dgm:else name="Name63">
+            <dgm:constrLst>
+              <dgm:constr type="tMarg" refType="primFontSz" fact="0.1"/>
+              <dgm:constr type="bMarg" refType="primFontSz" fact="0.1"/>
+              <dgm:constr type="lMarg" refType="primFontSz" fact="0.1"/>
+            </dgm:constrLst>
+          </dgm:else>
+        </dgm:choose>
+        <dgm:ruleLst>
+          <dgm:rule type="primFontSz" val="5" fact="NaN" max="NaN"/>
+        </dgm:ruleLst>
+      </dgm:layoutNode>
+      <dgm:layoutNode name="line3" styleLbl="callout">
+        <dgm:alg type="sp"/>
+        <dgm:shape xmlns:r="http://schemas.openxmlformats.org/officeDocument/2006/relationships" type="line" r:blip="">
+          <dgm:adjLst/>
+        </dgm:shape>
+        <dgm:presOf/>
+        <dgm:constrLst/>
+        <dgm:ruleLst/>
+      </dgm:layoutNode>
+      <dgm:layoutNode name="d3" styleLbl="callout">
+        <dgm:alg type="sp"/>
+        <dgm:choose name="Name64">
+          <dgm:if name="Name65" func="var" arg="dir" op="equ" val="norm">
+            <dgm:shape xmlns:r="http://schemas.openxmlformats.org/officeDocument/2006/relationships" rot="90" type="line" r:blip="">
+              <dgm:adjLst/>
+            </dgm:shape>
+          </dgm:if>
+          <dgm:else name="Name66">
+            <dgm:shape xmlns:r="http://schemas.openxmlformats.org/officeDocument/2006/relationships" rot="180" type="line" r:blip="">
+              <dgm:adjLst/>
+            </dgm:shape>
+          </dgm:else>
+        </dgm:choose>
+        <dgm:presOf/>
+        <dgm:constrLst/>
+        <dgm:ruleLst/>
+      </dgm:layoutNode>
+    </dgm:forEach>
+    <dgm:forEach name="Name67" axis="ch" ptType="node" st="4" cnt="1">
+      <dgm:layoutNode name="circle4" styleLbl="lnNode1">
+        <dgm:alg type="sp"/>
+        <dgm:shape xmlns:r="http://schemas.openxmlformats.org/officeDocument/2006/relationships" type="ellipse" r:blip="" zOrderOff="-15">
+          <dgm:adjLst/>
+        </dgm:shape>
+        <dgm:presOf/>
+        <dgm:constrLst/>
+        <dgm:ruleLst/>
+      </dgm:layoutNode>
+      <dgm:layoutNode name="text4" styleLbl="revTx">
+        <dgm:varLst>
+          <dgm:bulletEnabled val="1"/>
+        </dgm:varLst>
+        <dgm:choose name="Name68">
+          <dgm:if name="Name69" func="var" arg="dir" op="equ" val="norm">
+            <dgm:choose name="Name70">
+              <dgm:if name="Name71" axis="root des" ptType="all node" func="maxDepth" op="gt" val="1">
+                <dgm:alg type="tx">
+                  <dgm:param type="parTxLTRAlign" val="l"/>
+                  <dgm:param type="parTxRTLAlign" val="r"/>
+                </dgm:alg>
+              </dgm:if>
+              <dgm:else name="Name72">
+                <dgm:alg type="tx">
+                  <dgm:param type="parTxLTRAlign" val="l"/>
+                  <dgm:param type="parTxRTLAlign" val="l"/>
+                </dgm:alg>
+              </dgm:else>
+            </dgm:choose>
+          </dgm:if>
+          <dgm:else name="Name73">
+            <dgm:choose name="Name74">
+              <dgm:if name="Name75" axis="root des" ptType="all node" func="maxDepth" op="gt" val="1">
+                <dgm:alg type="tx">
+                  <dgm:param type="parTxLTRAlign" val="l"/>
+                  <dgm:param type="parTxRTLAlign" val="r"/>
+                </dgm:alg>
+              </dgm:if>
+              <dgm:else name="Name76">
+                <dgm:alg type="tx">
+                  <dgm:param type="parTxLTRAlign" val="r"/>
+                  <dgm:param type="parTxRTLAlign" val="r"/>
+                </dgm:alg>
+              </dgm:else>
+            </dgm:choose>
+          </dgm:else>
+        </dgm:choose>
+        <dgm:shape xmlns:r="http://schemas.openxmlformats.org/officeDocument/2006/relationships" type="rect" r:blip="">
+          <dgm:adjLst/>
+        </dgm:shape>
+        <dgm:presOf axis="desOrSelf" ptType="node"/>
+        <dgm:choose name="Name77">
+          <dgm:if name="Name78" func="var" arg="dir" op="equ" val="norm">
+            <dgm:constrLst>
+              <dgm:constr type="tMarg" refType="primFontSz" fact="0.1"/>
+              <dgm:constr type="bMarg" refType="primFontSz" fact="0.1"/>
+              <dgm:constr type="rMarg" refType="primFontSz" fact="0.1"/>
+            </dgm:constrLst>
+          </dgm:if>
+          <dgm:else name="Name79">
+            <dgm:constrLst>
+              <dgm:constr type="tMarg" refType="primFontSz" fact="0.1"/>
+              <dgm:constr type="bMarg" refType="primFontSz" fact="0.1"/>
+              <dgm:constr type="lMarg" refType="primFontSz" fact="0.1"/>
+            </dgm:constrLst>
+          </dgm:else>
+        </dgm:choose>
+        <dgm:ruleLst>
+          <dgm:rule type="primFontSz" val="5" fact="NaN" max="NaN"/>
+        </dgm:ruleLst>
+      </dgm:layoutNode>
+      <dgm:layoutNode name="line4" styleLbl="callout">
+        <dgm:alg type="sp"/>
+        <dgm:shape xmlns:r="http://schemas.openxmlformats.org/officeDocument/2006/relationships" type="line" r:blip="">
+          <dgm:adjLst/>
+        </dgm:shape>
+        <dgm:presOf/>
+        <dgm:constrLst/>
+        <dgm:ruleLst/>
+      </dgm:layoutNode>
+      <dgm:layoutNode name="d4" styleLbl="callout">
+        <dgm:alg type="sp"/>
+        <dgm:choose name="Name80">
+          <dgm:if name="Name81" func="var" arg="dir" op="equ" val="norm">
+            <dgm:shape xmlns:r="http://schemas.openxmlformats.org/officeDocument/2006/relationships" rot="90" type="line" r:blip="">
+              <dgm:adjLst/>
+            </dgm:shape>
+          </dgm:if>
+          <dgm:else name="Name82">
+            <dgm:shape xmlns:r="http://schemas.openxmlformats.org/officeDocument/2006/relationships" rot="180" type="line" r:blip="">
+              <dgm:adjLst/>
+            </dgm:shape>
+          </dgm:else>
+        </dgm:choose>
+        <dgm:presOf/>
+        <dgm:constrLst/>
+        <dgm:ruleLst/>
+      </dgm:layoutNode>
+    </dgm:forEach>
+    <dgm:forEach name="Name83" axis="ch" ptType="node" st="5" cnt="1">
+      <dgm:layoutNode name="circle5" styleLbl="lnNode1">
+        <dgm:alg type="sp"/>
+        <dgm:shape xmlns:r="http://schemas.openxmlformats.org/officeDocument/2006/relationships" type="ellipse" r:blip="" zOrderOff="-20">
+          <dgm:adjLst/>
+        </dgm:shape>
+        <dgm:presOf/>
+        <dgm:constrLst/>
+        <dgm:ruleLst/>
+      </dgm:layoutNode>
+      <dgm:layoutNode name="text5" styleLbl="revTx">
+        <dgm:varLst>
+          <dgm:bulletEnabled val="1"/>
+        </dgm:varLst>
+        <dgm:choose name="Name84">
+          <dgm:if name="Name85" func="var" arg="dir" op="equ" val="norm">
+            <dgm:choose name="Name86">
+              <dgm:if name="Name87" axis="root des" ptType="all node" func="maxDepth" op="gt" val="1">
+                <dgm:alg type="tx">
+                  <dgm:param type="parTxLTRAlign" val="l"/>
+                  <dgm:param type="parTxRTLAlign" val="r"/>
+                </dgm:alg>
+              </dgm:if>
+              <dgm:else name="Name88">
+                <dgm:alg type="tx">
+                  <dgm:param type="parTxLTRAlign" val="l"/>
+                  <dgm:param type="parTxRTLAlign" val="l"/>
+                </dgm:alg>
+              </dgm:else>
+            </dgm:choose>
+          </dgm:if>
+          <dgm:else name="Name89">
+            <dgm:choose name="Name90">
+              <dgm:if name="Name91" axis="root des" ptType="all node" func="maxDepth" op="gt" val="1">
+                <dgm:alg type="tx">
+                  <dgm:param type="parTxLTRAlign" val="l"/>
+                  <dgm:param type="parTxRTLAlign" val="r"/>
+                </dgm:alg>
+              </dgm:if>
+              <dgm:else name="Name92">
+                <dgm:alg type="tx">
+                  <dgm:param type="parTxLTRAlign" val="r"/>
+                  <dgm:param type="parTxRTLAlign" val="r"/>
+                </dgm:alg>
+              </dgm:else>
+            </dgm:choose>
+          </dgm:else>
+        </dgm:choose>
+        <dgm:shape xmlns:r="http://schemas.openxmlformats.org/officeDocument/2006/relationships" type="rect" r:blip="">
+          <dgm:adjLst/>
+        </dgm:shape>
+        <dgm:presOf axis="desOrSelf" ptType="node"/>
+        <dgm:choose name="Name93">
+          <dgm:if name="Name94" func="var" arg="dir" op="equ" val="norm">
+            <dgm:constrLst>
+              <dgm:constr type="tMarg" refType="primFontSz" fact="0.1"/>
+              <dgm:constr type="bMarg" refType="primFontSz" fact="0.1"/>
+              <dgm:constr type="rMarg" refType="primFontSz" fact="0.1"/>
+            </dgm:constrLst>
+          </dgm:if>
+          <dgm:else name="Name95">
+            <dgm:constrLst>
+              <dgm:constr type="tMarg" refType="primFontSz" fact="0.1"/>
+              <dgm:constr type="bMarg" refType="primFontSz" fact="0.1"/>
+              <dgm:constr type="lMarg" refType="primFontSz" fact="0.1"/>
+            </dgm:constrLst>
+          </dgm:else>
+        </dgm:choose>
+        <dgm:ruleLst>
+          <dgm:rule type="primFontSz" val="5" fact="NaN" max="NaN"/>
+        </dgm:ruleLst>
+      </dgm:layoutNode>
+      <dgm:layoutNode name="line5" styleLbl="callout">
+        <dgm:alg type="sp"/>
+        <dgm:shape xmlns:r="http://schemas.openxmlformats.org/officeDocument/2006/relationships" type="line" r:blip="">
+          <dgm:adjLst/>
+        </dgm:shape>
+        <dgm:presOf/>
+        <dgm:constrLst/>
+        <dgm:ruleLst/>
+      </dgm:layoutNode>
+      <dgm:layoutNode name="d5" styleLbl="callout">
+        <dgm:alg type="sp"/>
+        <dgm:choose name="Name96">
+          <dgm:if name="Name97" func="var" arg="dir" op="equ" val="norm">
+            <dgm:shape xmlns:r="http://schemas.openxmlformats.org/officeDocument/2006/relationships" rot="90" type="line" r:blip="">
+              <dgm:adjLst/>
+            </dgm:shape>
+          </dgm:if>
+          <dgm:else name="Name98">
+            <dgm:shape xmlns:r="http://schemas.openxmlformats.org/officeDocument/2006/relationships" rot="180" type="line" r:blip="">
+              <dgm:adjLst/>
+            </dgm:shape>
+          </dgm:else>
+        </dgm:choose>
+        <dgm:presOf/>
+        <dgm:constrLst/>
+        <dgm:ruleLst/>
+      </dgm:layoutNode>
+    </dgm:forEach>
+  </dgm:layoutNode>
+</dgm:layoutDef>
+</file>
+
 <file path=ppt/diagrams/quickStyle1.xml><?xml version="1.0" encoding="utf-8"?>
+<dgm:styleDef xmlns:dgm="http://schemas.openxmlformats.org/drawingml/2006/diagram" xmlns:a="http://schemas.openxmlformats.org/drawingml/2006/main" uniqueId="urn:microsoft.com/office/officeart/2005/8/quickstyle/simple1">
+  <dgm:title val=""/>
+  <dgm:desc val=""/>
+  <dgm:catLst>
+    <dgm:cat type="simple" pri="10100"/>
+  </dgm:catLst>
+  <dgm:scene3d>
+    <a:camera prst="orthographicFront"/>
+    <a:lightRig rig="threePt" dir="t"/>
+  </dgm:scene3d>
+  <dgm:styleLbl name="node0">
+    <dgm:scene3d>
+      <a:camera prst="orthographicFront"/>
+      <a:lightRig rig="threePt" dir="t"/>
+    </dgm:scene3d>
+    <dgm:sp3d/>
+    <dgm:txPr/>
+    <dgm:style>
+      <a:lnRef idx="2">
+        <a:scrgbClr r="0" g="0" b="0"/>
+      </a:lnRef>
+      <a:fillRef idx="1">
+        <a:scrgbClr r="0" g="0" b="0"/>
+      </a:fillRef>
+      <a:effectRef idx="0">
+        <a:scrgbClr r="0" g="0" b="0"/>
+      </a:effectRef>
+      <a:fontRef idx="minor">
+        <a:schemeClr val="lt1"/>
+      </a:fontRef>
+    </dgm:style>
+  </dgm:styleLbl>
+  <dgm:styleLbl name="lnNode1">
+    <dgm:scene3d>
+      <a:camera prst="orthographicFront"/>
+      <a:lightRig rig="threePt" dir="t"/>
+    </dgm:scene3d>
+    <dgm:sp3d/>
+    <dgm:txPr/>
+    <dgm:style>
+      <a:lnRef idx="2">
+        <a:scrgbClr r="0" g="0" b="0"/>
+      </a:lnRef>
+      <a:fillRef idx="1">
+        <a:scrgbClr r="0" g="0" b="0"/>
+      </a:fillRef>
+      <a:effectRef idx="0">
+        <a:scrgbClr r="0" g="0" b="0"/>
+      </a:effectRef>
+      <a:fontRef idx="minor">
+        <a:schemeClr val="lt1"/>
+      </a:fontRef>
+    </dgm:style>
+  </dgm:styleLbl>
+  <dgm:styleLbl name="vennNode1">
+    <dgm:scene3d>
+      <a:camera prst="orthographicFront"/>
+      <a:lightRig rig="threePt" dir="t"/>
+    </dgm:scene3d>
+    <dgm:sp3d/>
+    <dgm:txPr/>
+    <dgm:style>
+      <a:lnRef idx="2">
+        <a:scrgbClr r="0" g="0" b="0"/>
+      </a:lnRef>
+      <a:fillRef idx="1">
+        <a:scrgbClr r="0" g="0" b="0"/>
+      </a:fillRef>
+      <a:effectRef idx="0">
+        <a:scrgbClr r="0" g="0" b="0"/>
+      </a:effectRef>
+      <a:fontRef idx="minor">
+        <a:schemeClr val="tx1"/>
+      </a:fontRef>
+    </dgm:style>
+  </dgm:styleLbl>
+  <dgm:styleLbl name="alignNode1">
+    <dgm:scene3d>
+      <a:camera prst="orthographicFront"/>
+      <a:lightRig rig="threePt" dir="t"/>
+    </dgm:scene3d>
+    <dgm:sp3d/>
+    <dgm:txPr/>
+    <dgm:style>
+      <a:lnRef idx="2">
+        <a:scrgbClr r="0" g="0" b="0"/>
+      </a:lnRef>
+      <a:fillRef idx="1">
+        <a:scrgbClr r="0" g="0" b="0"/>
+      </a:fillRef>
+      <a:effectRef idx="0">
+        <a:scrgbClr r="0" g="0" b="0"/>
+      </a:effectRef>
+      <a:fontRef idx="minor">
+        <a:schemeClr val="lt1"/>
+      </a:fontRef>
+    </dgm:style>
+  </dgm:styleLbl>
+  <dgm:styleLbl name="node1">
+    <dgm:scene3d>
+      <a:camera prst="orthographicFront"/>
+      <a:lightRig rig="threePt" dir="t"/>
+    </dgm:scene3d>
+    <dgm:sp3d/>
+    <dgm:txPr/>
+    <dgm:style>
+      <a:lnRef idx="2">
+        <a:scrgbClr r="0" g="0" b="0"/>
+      </a:lnRef>
+      <a:fillRef idx="1">
+        <a:scrgbClr r="0" g="0" b="0"/>
+      </a:fillRef>
+      <a:effectRef idx="0">
+        <a:scrgbClr r="0" g="0" b="0"/>
+      </a:effectRef>
+      <a:fontRef idx="minor">
+        <a:schemeClr val="lt1"/>
+      </a:fontRef>
+    </dgm:style>
+  </dgm:styleLbl>
+  <dgm:styleLbl name="node2">
+    <dgm:scene3d>
+      <a:camera prst="orthographicFront"/>
+      <a:lightRig rig="threePt" dir="t"/>
+    </dgm:scene3d>
+    <dgm:sp3d/>
+    <dgm:txPr/>
+    <dgm:style>
+      <a:lnRef idx="2">
+        <a:scrgbClr r="0" g="0" b="0"/>
+      </a:lnRef>
+      <a:fillRef idx="1">
+        <a:scrgbClr r="0" g="0" b="0"/>
+      </a:fillRef>
+      <a:effectRef idx="0">
+        <a:scrgbClr r="0" g="0" b="0"/>
+      </a:effectRef>
+      <a:fontRef idx="minor">
+        <a:schemeClr val="lt1"/>
+      </a:fontRef>
+    </dgm:style>
+  </dgm:styleLbl>
+  <dgm:styleLbl name="node3">
+    <dgm:scene3d>
+      <a:camera prst="orthographicFront"/>
+      <a:lightRig rig="threePt" dir="t"/>
+    </dgm:scene3d>
+    <dgm:sp3d/>
+    <dgm:txPr/>
+    <dgm:style>
+      <a:lnRef idx="2">
+        <a:scrgbClr r="0" g="0" b="0"/>
+      </a:lnRef>
+      <a:fillRef idx="1">
+        <a:scrgbClr r="0" g="0" b="0"/>
+      </a:fillRef>
+      <a:effectRef idx="0">
+        <a:scrgbClr r="0" g="0" b="0"/>
+      </a:effectRef>
+      <a:fontRef idx="minor">
+        <a:schemeClr val="lt1"/>
+      </a:fontRef>
+    </dgm:style>
+  </dgm:styleLbl>
+  <dgm:styleLbl name="node4">
+    <dgm:scene3d>
+      <a:camera prst="orthographicFront"/>
+      <a:lightRig rig="threePt" dir="t"/>
+    </dgm:scene3d>
+    <dgm:sp3d/>
+    <dgm:txPr/>
+    <dgm:style>
+      <a:lnRef idx="2">
+        <a:scrgbClr r="0" g="0" b="0"/>
+      </a:lnRef>
+      <a:fillRef idx="1">
+        <a:scrgbClr r="0" g="0" b="0"/>
+      </a:fillRef>
+      <a:effectRef idx="0">
+        <a:scrgbClr r="0" g="0" b="0"/>
+      </a:effectRef>
+      <a:fontRef idx="minor">
+        <a:schemeClr val="lt1"/>
+      </a:fontRef>
+    </dgm:style>
+  </dgm:styleLbl>
+  <dgm:styleLbl name="fgImgPlace1">
+    <dgm:scene3d>
+      <a:camera prst="orthographicFront"/>
+      <a:lightRig rig="threePt" dir="t"/>
+    </dgm:scene3d>
+    <dgm:sp3d/>
+    <dgm:txPr/>
+    <dgm:style>
+      <a:lnRef idx="2">
+        <a:scrgbClr r="0" g="0" b="0"/>
+      </a:lnRef>
+      <a:fillRef idx="1">
+        <a:scrgbClr r="0" g="0" b="0"/>
+      </a:fillRef>
+      <a:effectRef idx="0">
+        <a:scrgbClr r="0" g="0" b="0"/>
+      </a:effectRef>
+      <a:fontRef idx="minor"/>
+    </dgm:style>
+  </dgm:styleLbl>
+  <dgm:styleLbl name="alignImgPlace1">
+    <dgm:scene3d>
+      <a:camera prst="orthographicFront"/>
+      <a:lightRig rig="threePt" dir="t"/>
+    </dgm:scene3d>
+    <dgm:sp3d/>
+    <dgm:txPr/>
+    <dgm:style>
+      <a:lnRef idx="2">
+        <a:scrgbClr r="0" g="0" b="0"/>
+      </a:lnRef>
+      <a:fillRef idx="1">
+        <a:scrgbClr r="0" g="0" b="0"/>
+      </a:fillRef>
+      <a:effectRef idx="0">
+        <a:scrgbClr r="0" g="0" b="0"/>
+      </a:effectRef>
+      <a:fontRef idx="minor"/>
+    </dgm:style>
+  </dgm:styleLbl>
+  <dgm:styleLbl name="bgImgPlace1">
+    <dgm:scene3d>
+      <a:camera prst="orthographicFront"/>
+      <a:lightRig rig="threePt" dir="t"/>
+    </dgm:scene3d>
+    <dgm:sp3d/>
+    <dgm:txPr/>
+    <dgm:style>
+      <a:lnRef idx="2">
+        <a:scrgbClr r="0" g="0" b="0"/>
+      </a:lnRef>
+      <a:fillRef idx="1">
+        <a:scrgbClr r="0" g="0" b="0"/>
+      </a:fillRef>
+      <a:effectRef idx="0">
+        <a:scrgbClr r="0" g="0" b="0"/>
+      </a:effectRef>
+      <a:fontRef idx="minor"/>
+    </dgm:style>
+  </dgm:styleLbl>
+  <dgm:styleLbl name="sibTrans2D1">
+    <dgm:scene3d>
+      <a:camera prst="orthographicFront"/>
+      <a:lightRig rig="threePt" dir="t"/>
+    </dgm:scene3d>
+    <dgm:sp3d/>
+    <dgm:txPr/>
+    <dgm:style>
+      <a:lnRef idx="0">
+        <a:scrgbClr r="0" g="0" b="0"/>
+      </a:lnRef>
+      <a:fillRef idx="1">
+        <a:scrgbClr r="0" g="0" b="0"/>
+      </a:fillRef>
+      <a:effectRef idx="0">
+        <a:scrgbClr r="0" g="0" b="0"/>
+      </a:effectRef>
+      <a:fontRef idx="minor">
+        <a:schemeClr val="lt1"/>
+      </a:fontRef>
+    </dgm:style>
+  </dgm:styleLbl>
+  <dgm:styleLbl name="fgSibTrans2D1">
+    <dgm:scene3d>
+      <a:camera prst="orthographicFront"/>
+      <a:lightRig rig="threePt" dir="t"/>
+    </dgm:scene3d>
+    <dgm:sp3d/>
+    <dgm:txPr/>
+    <dgm:style>
+      <a:lnRef idx="0">
+        <a:scrgbClr r="0" g="0" b="0"/>
+      </a:lnRef>
+      <a:fillRef idx="1">
+        <a:scrgbClr r="0" g="0" b="0"/>
+      </a:fillRef>
+      <a:effectRef idx="0">
+        <a:scrgbClr r="0" g="0" b="0"/>
+      </a:effectRef>
+      <a:fontRef idx="minor">
+        <a:schemeClr val="lt1"/>
+      </a:fontRef>
+    </dgm:style>
+  </dgm:styleLbl>
+  <dgm:styleLbl name="bgSibTrans2D1">
+    <dgm:scene3d>
+      <a:camera prst="orthographicFront"/>
+      <a:lightRig rig="threePt" dir="t"/>
+    </dgm:scene3d>
+    <dgm:sp3d/>
+    <dgm:txPr/>
+    <dgm:style>
+      <a:lnRef idx="0">
+        <a:scrgbClr r="0" g="0" b="0"/>
+      </a:lnRef>
+      <a:fillRef idx="1">
+        <a:scrgbClr r="0" g="0" b="0"/>
+      </a:fillRef>
+      <a:effectRef idx="0">
+        <a:scrgbClr r="0" g="0" b="0"/>
+      </a:effectRef>
+      <a:fontRef idx="minor">
+        <a:schemeClr val="lt1"/>
+      </a:fontRef>
+    </dgm:style>
+  </dgm:styleLbl>
+  <dgm:styleLbl name="sibTrans1D1">
+    <dgm:scene3d>
+      <a:camera prst="orthographicFront"/>
+      <a:lightRig rig="threePt" dir="t"/>
+    </dgm:scene3d>
+    <dgm:sp3d/>
+    <dgm:txPr/>
+    <dgm:style>
+      <a:lnRef idx="1">
+        <a:scrgbClr r="0" g="0" b="0"/>
+      </a:lnRef>
+      <a:fillRef idx="0">
+        <a:scrgbClr r="0" g="0" b="0"/>
+      </a:fillRef>
+      <a:effectRef idx="0">
+        <a:scrgbClr r="0" g="0" b="0"/>
+      </a:effectRef>
+      <a:fontRef idx="minor"/>
+    </dgm:style>
+  </dgm:styleLbl>
+  <dgm:styleLbl name="callout">
+    <dgm:scene3d>
+      <a:camera prst="orthographicFront"/>
+      <a:lightRig rig="threePt" dir="t"/>
+    </dgm:scene3d>
+    <dgm:sp3d/>
+    <dgm:txPr/>
+    <dgm:style>
+      <a:lnRef idx="2">
+        <a:scrgbClr r="0" g="0" b="0"/>
+      </a:lnRef>
+      <a:fillRef idx="1">
+        <a:scrgbClr r="0" g="0" b="0"/>
+      </a:fillRef>
+      <a:effectRef idx="0">
+        <a:scrgbClr r="0" g="0" b="0"/>
+      </a:effectRef>
+      <a:fontRef idx="minor"/>
+    </dgm:style>
+  </dgm:styleLbl>
+  <dgm:styleLbl name="asst0">
+    <dgm:scene3d>
+      <a:camera prst="orthographicFront"/>
+      <a:lightRig rig="threePt" dir="t"/>
+    </dgm:scene3d>
+    <dgm:sp3d/>
+    <dgm:txPr/>
+    <dgm:style>
+      <a:lnRef idx="2">
+        <a:scrgbClr r="0" g="0" b="0"/>
+      </a:lnRef>
+      <a:fillRef idx="1">
+        <a:scrgbClr r="0" g="0" b="0"/>
+      </a:fillRef>
+      <a:effectRef idx="0">
+        <a:scrgbClr r="0" g="0" b="0"/>
+      </a:effectRef>
+      <a:fontRef idx="minor">
+        <a:schemeClr val="lt1"/>
+      </a:fontRef>
+    </dgm:style>
+  </dgm:styleLbl>
+  <dgm:styleLbl name="asst1">
+    <dgm:scene3d>
+      <a:camera prst="orthographicFront"/>
+      <a:lightRig rig="threePt" dir="t"/>
+    </dgm:scene3d>
+    <dgm:sp3d/>
+    <dgm:txPr/>
+    <dgm:style>
+      <a:lnRef idx="2">
+        <a:scrgbClr r="0" g="0" b="0"/>
+      </a:lnRef>
+      <a:fillRef idx="1">
+        <a:scrgbClr r="0" g="0" b="0"/>
+      </a:fillRef>
+      <a:effectRef idx="0">
+        <a:scrgbClr r="0" g="0" b="0"/>
+      </a:effectRef>
+      <a:fontRef idx="minor">
+        <a:schemeClr val="lt1"/>
+      </a:fontRef>
+    </dgm:style>
+  </dgm:styleLbl>
+  <dgm:styleLbl name="asst2">
+    <dgm:scene3d>
+      <a:camera prst="orthographicFront"/>
+      <a:lightRig rig="threePt" dir="t"/>
+    </dgm:scene3d>
+    <dgm:sp3d/>
+    <dgm:txPr/>
+    <dgm:style>
+      <a:lnRef idx="2">
+        <a:scrgbClr r="0" g="0" b="0"/>
+      </a:lnRef>
+      <a:fillRef idx="1">
+        <a:scrgbClr r="0" g="0" b="0"/>
+      </a:fillRef>
+      <a:effectRef idx="0">
+        <a:scrgbClr r="0" g="0" b="0"/>
+      </a:effectRef>
+      <a:fontRef idx="minor">
+        <a:schemeClr val="lt1"/>
+      </a:fontRef>
+    </dgm:style>
+  </dgm:styleLbl>
+  <dgm:styleLbl name="asst3">
+    <dgm:scene3d>
+      <a:camera prst="orthographicFront"/>
+      <a:lightRig rig="threePt" dir="t"/>
+    </dgm:scene3d>
+    <dgm:sp3d/>
+    <dgm:txPr/>
+    <dgm:style>
+      <a:lnRef idx="2">
+        <a:scrgbClr r="0" g="0" b="0"/>
+      </a:lnRef>
+      <a:fillRef idx="1">
+        <a:scrgbClr r="0" g="0" b="0"/>
+      </a:fillRef>
+      <a:effectRef idx="0">
+        <a:scrgbClr r="0" g="0" b="0"/>
+      </a:effectRef>
+      <a:fontRef idx="minor">
+        <a:schemeClr val="lt1"/>
+      </a:fontRef>
+    </dgm:style>
+  </dgm:styleLbl>
+  <dgm:styleLbl name="asst4">
+    <dgm:scene3d>
+      <a:camera prst="orthographicFront"/>
+      <a:lightRig rig="threePt" dir="t"/>
+    </dgm:scene3d>
+    <dgm:sp3d/>
+    <dgm:txPr/>
+    <dgm:style>
+      <a:lnRef idx="2">
+        <a:scrgbClr r="0" g="0" b="0"/>
+      </a:lnRef>
+      <a:fillRef idx="1">
+        <a:scrgbClr r="0" g="0" b="0"/>
+      </a:fillRef>
+      <a:effectRef idx="0">
+        <a:scrgbClr r="0" g="0" b="0"/>
+      </a:effectRef>
+      <a:fontRef idx="minor">
+        <a:schemeClr val="lt1"/>
+      </a:fontRef>
+    </dgm:style>
+  </dgm:styleLbl>
+  <dgm:styleLbl name="parChTrans2D1">
+    <dgm:scene3d>
+      <a:camera prst="orthographicFront"/>
+      <a:lightRig rig="threePt" dir="t"/>
+    </dgm:scene3d>
+    <dgm:sp3d/>
+    <dgm:txPr/>
+    <dgm:style>
+      <a:lnRef idx="2">
+        <a:scrgbClr r="0" g="0" b="0"/>
+      </a:lnRef>
+      <a:fillRef idx="1">
+        <a:scrgbClr r="0" g="0" b="0"/>
+      </a:fillRef>
+      <a:effectRef idx="0">
+        <a:scrgbClr r="0" g="0" b="0"/>
+      </a:effectRef>
+      <a:fontRef idx="minor">
+        <a:schemeClr val="lt1"/>
+      </a:fontRef>
+    </dgm:style>
+  </dgm:styleLbl>
+  <dgm:styleLbl name="parChTrans2D2">
+    <dgm:scene3d>
+      <a:camera prst="orthographicFront"/>
+      <a:lightRig rig="threePt" dir="t"/>
+    </dgm:scene3d>
+    <dgm:sp3d/>
+    <dgm:txPr/>
+    <dgm:style>
+      <a:lnRef idx="2">
+        <a:scrgbClr r="0" g="0" b="0"/>
+      </a:lnRef>
+      <a:fillRef idx="1">
+        <a:scrgbClr r="0" g="0" b="0"/>
+      </a:fillRef>
+      <a:effectRef idx="0">
+        <a:scrgbClr r="0" g="0" b="0"/>
+      </a:effectRef>
+      <a:fontRef idx="minor">
+        <a:schemeClr val="lt1"/>
+      </a:fontRef>
+    </dgm:style>
+  </dgm:styleLbl>
+  <dgm:styleLbl name="parChTrans2D3">
+    <dgm:scene3d>
+      <a:camera prst="orthographicFront"/>
+      <a:lightRig rig="threePt" dir="t"/>
+    </dgm:scene3d>
+    <dgm:sp3d/>
+    <dgm:txPr/>
+    <dgm:style>
+      <a:lnRef idx="2">
+        <a:scrgbClr r="0" g="0" b="0"/>
+      </a:lnRef>
+      <a:fillRef idx="1">
+        <a:scrgbClr r="0" g="0" b="0"/>
+      </a:fillRef>
+      <a:effectRef idx="0">
+        <a:scrgbClr r="0" g="0" b="0"/>
+      </a:effectRef>
+      <a:fontRef idx="minor">
+        <a:schemeClr val="lt1"/>
+      </a:fontRef>
+    </dgm:style>
+  </dgm:styleLbl>
+  <dgm:styleLbl name="parChTrans2D4">
+    <dgm:scene3d>
+      <a:camera prst="orthographicFront"/>
+      <a:lightRig rig="threePt" dir="t"/>
+    </dgm:scene3d>
+    <dgm:sp3d/>
+    <dgm:txPr/>
+    <dgm:style>
+      <a:lnRef idx="2">
+        <a:scrgbClr r="0" g="0" b="0"/>
+      </a:lnRef>
+      <a:fillRef idx="1">
+        <a:scrgbClr r="0" g="0" b="0"/>
+      </a:fillRef>
+      <a:effectRef idx="0">
+        <a:scrgbClr r="0" g="0" b="0"/>
+      </a:effectRef>
+      <a:fontRef idx="minor">
+        <a:schemeClr val="lt1"/>
+      </a:fontRef>
+    </dgm:style>
+  </dgm:styleLbl>
+  <dgm:styleLbl name="parChTrans1D1">
+    <dgm:scene3d>
+      <a:camera prst="orthographicFront"/>
+      <a:lightRig rig="threePt" dir="t"/>
+    </dgm:scene3d>
+    <dgm:sp3d/>
+    <dgm:txPr/>
+    <dgm:style>
+      <a:lnRef idx="2">
+        <a:scrgbClr r="0" g="0" b="0"/>
+      </a:lnRef>
+      <a:fillRef idx="0">
+        <a:scrgbClr r="0" g="0" b="0"/>
+      </a:fillRef>
+      <a:effectRef idx="0">
+        <a:scrgbClr r="0" g="0" b="0"/>
+      </a:effectRef>
+      <a:fontRef idx="minor"/>
+    </dgm:style>
+  </dgm:styleLbl>
+  <dgm:styleLbl name="parChTrans1D2">
+    <dgm:scene3d>
+      <a:camera prst="orthographicFront"/>
+      <a:lightRig rig="threePt" dir="t"/>
+    </dgm:scene3d>
+    <dgm:sp3d/>
+    <dgm:txPr/>
+    <dgm:style>
+      <a:lnRef idx="2">
+        <a:scrgbClr r="0" g="0" b="0"/>
+      </a:lnRef>
+      <a:fillRef idx="0">
+        <a:scrgbClr r="0" g="0" b="0"/>
+      </a:fillRef>
+      <a:effectRef idx="0">
+        <a:scrgbClr r="0" g="0" b="0"/>
+      </a:effectRef>
+      <a:fontRef idx="minor"/>
+    </dgm:style>
+  </dgm:styleLbl>
+  <dgm:styleLbl name="parChTrans1D3">
+    <dgm:scene3d>
+      <a:camera prst="orthographicFront"/>
+      <a:lightRig rig="threePt" dir="t"/>
+    </dgm:scene3d>
+    <dgm:sp3d/>
+    <dgm:txPr/>
+    <dgm:style>
+      <a:lnRef idx="2">
+        <a:scrgbClr r="0" g="0" b="0"/>
+      </a:lnRef>
+      <a:fillRef idx="0">
+        <a:scrgbClr r="0" g="0" b="0"/>
+      </a:fillRef>
+      <a:effectRef idx="0">
+        <a:scrgbClr r="0" g="0" b="0"/>
+      </a:effectRef>
+      <a:fontRef idx="minor"/>
+    </dgm:style>
+  </dgm:styleLbl>
+  <dgm:styleLbl name="parChTrans1D4">
+    <dgm:scene3d>
+      <a:camera prst="orthographicFront"/>
+      <a:lightRig rig="threePt" dir="t"/>
+    </dgm:scene3d>
+    <dgm:sp3d/>
+    <dgm:txPr/>
+    <dgm:style>
+      <a:lnRef idx="2">
+        <a:scrgbClr r="0" g="0" b="0"/>
+      </a:lnRef>
+      <a:fillRef idx="0">
+        <a:scrgbClr r="0" g="0" b="0"/>
+      </a:fillRef>
+      <a:effectRef idx="0">
+        <a:scrgbClr r="0" g="0" b="0"/>
+      </a:effectRef>
+      <a:fontRef idx="minor"/>
+    </dgm:style>
+  </dgm:styleLbl>
+  <dgm:styleLbl name="fgAcc1">
+    <dgm:scene3d>
+      <a:camera prst="orthographicFront"/>
+      <a:lightRig rig="threePt" dir="t"/>
+    </dgm:scene3d>
+    <dgm:sp3d/>
+    <dgm:txPr/>
+    <dgm:style>
+      <a:lnRef idx="2">
+        <a:scrgbClr r="0" g="0" b="0"/>
+      </a:lnRef>
+      <a:fillRef idx="1">
+        <a:scrgbClr r="0" g="0" b="0"/>
+      </a:fillRef>
+      <a:effectRef idx="0">
+        <a:scrgbClr r="0" g="0" b="0"/>
+      </a:effectRef>
+      <a:fontRef idx="minor"/>
+    </dgm:style>
+  </dgm:styleLbl>
+  <dgm:styleLbl name="conFgAcc1">
+    <dgm:scene3d>
+      <a:camera prst="orthographicFront"/>
+      <a:lightRig rig="threePt" dir="t"/>
+    </dgm:scene3d>
+    <dgm:sp3d/>
+    <dgm:txPr/>
+    <dgm:style>
+      <a:lnRef idx="2">
+        <a:scrgbClr r="0" g="0" b="0"/>
+      </a:lnRef>
+      <a:fillRef idx="1">
+        <a:scrgbClr r="0" g="0" b="0"/>
+      </a:fillRef>
+      <a:effectRef idx="0">
+        <a:scrgbClr r="0" g="0" b="0"/>
+      </a:effectRef>
+      <a:fontRef idx="minor"/>
+    </dgm:style>
+  </dgm:styleLbl>
+  <dgm:styleLbl name="alignAcc1">
+    <dgm:scene3d>
+      <a:camera prst="orthographicFront"/>
+      <a:lightRig rig="threePt" dir="t"/>
+    </dgm:scene3d>
+    <dgm:sp3d/>
+    <dgm:txPr/>
+    <dgm:style>
+      <a:lnRef idx="2">
+        <a:scrgbClr r="0" g="0" b="0"/>
+      </a:lnRef>
+      <a:fillRef idx="1">
+        <a:scrgbClr r="0" g="0" b="0"/>
+      </a:fillRef>
+      <a:effectRef idx="0">
+        <a:scrgbClr r="0" g="0" b="0"/>
+      </a:effectRef>
+      <a:fontRef idx="minor"/>
+    </dgm:style>
+  </dgm:styleLbl>
+  <dgm:styleLbl name="trAlignAcc1">
+    <dgm:scene3d>
+      <a:camera prst="orthographicFront"/>
+      <a:lightRig rig="threePt" dir="t"/>
+    </dgm:scene3d>
+    <dgm:sp3d/>
+    <dgm:txPr/>
+    <dgm:style>
+      <a:lnRef idx="1">
+        <a:scrgbClr r="0" g="0" b="0"/>
+      </a:lnRef>
+      <a:fillRef idx="1">
+        <a:scrgbClr r="0" g="0" b="0"/>
+      </a:fillRef>
+      <a:effectRef idx="0">
+        <a:scrgbClr r="0" g="0" b="0"/>
+      </a:effectRef>
+      <a:fontRef idx="minor"/>
+    </dgm:style>
+  </dgm:styleLbl>
+  <dgm:styleLbl name="bgAcc1">
+    <dgm:scene3d>
+      <a:camera prst="orthographicFront"/>
+      <a:lightRig rig="threePt" dir="t"/>
+    </dgm:scene3d>
+    <dgm:sp3d/>
+    <dgm:txPr/>
+    <dgm:style>
+      <a:lnRef idx="2">
+        <a:scrgbClr r="0" g="0" b="0"/>
+      </a:lnRef>
+      <a:fillRef idx="1">
+        <a:scrgbClr r="0" g="0" b="0"/>
+      </a:fillRef>
+      <a:effectRef idx="0">
+        <a:scrgbClr r="0" g="0" b="0"/>
+      </a:effectRef>
+      <a:fontRef idx="minor"/>
+    </dgm:style>
+  </dgm:styleLbl>
+  <dgm:styleLbl name="solidFgAcc1">
+    <dgm:scene3d>
+      <a:camera prst="orthographicFront"/>
+      <a:lightRig rig="threePt" dir="t"/>
+    </dgm:scene3d>
+    <dgm:sp3d/>
+    <dgm:txPr/>
+    <dgm:style>
+      <a:lnRef idx="2">
+        <a:scrgbClr r="0" g="0" b="0"/>
+      </a:lnRef>
+      <a:fillRef idx="1">
+        <a:scrgbClr r="0" g="0" b="0"/>
+      </a:fillRef>
+      <a:effectRef idx="0">
+        <a:scrgbClr r="0" g="0" b="0"/>
+      </a:effectRef>
+      <a:fontRef idx="minor"/>
+    </dgm:style>
+  </dgm:styleLbl>
+  <dgm:styleLbl name="solidAlignAcc1">
+    <dgm:scene3d>
+      <a:camera prst="orthographicFront"/>
+      <a:lightRig rig="threePt" dir="t"/>
+    </dgm:scene3d>
+    <dgm:sp3d/>
+    <dgm:txPr/>
+    <dgm:style>
+      <a:lnRef idx="2">
+        <a:scrgbClr r="0" g="0" b="0"/>
+      </a:lnRef>
+      <a:fillRef idx="1">
+        <a:scrgbClr r="0" g="0" b="0"/>
+      </a:fillRef>
+      <a:effectRef idx="0">
+        <a:scrgbClr r="0" g="0" b="0"/>
+      </a:effectRef>
+      <a:fontRef idx="minor"/>
+    </dgm:style>
+  </dgm:styleLbl>
+  <dgm:styleLbl name="solidBgAcc1">
+    <dgm:scene3d>
+      <a:camera prst="orthographicFront"/>
+      <a:lightRig rig="threePt" dir="t"/>
+    </dgm:scene3d>
+    <dgm:sp3d/>
+    <dgm:txPr/>
+    <dgm:style>
+      <a:lnRef idx="2">
+        <a:scrgbClr r="0" g="0" b="0"/>
+      </a:lnRef>
+      <a:fillRef idx="1">
+        <a:scrgbClr r="0" g="0" b="0"/>
+      </a:fillRef>
+      <a:effectRef idx="0">
+        <a:scrgbClr r="0" g="0" b="0"/>
+      </a:effectRef>
+      <a:fontRef idx="minor"/>
+    </dgm:style>
+  </dgm:styleLbl>
+  <dgm:styleLbl name="fgAccFollowNode1">
+    <dgm:scene3d>
+      <a:camera prst="orthographicFront"/>
+      <a:lightRig rig="threePt" dir="t"/>
+    </dgm:scene3d>
+    <dgm:sp3d/>
+    <dgm:txPr/>
+    <dgm:style>
+      <a:lnRef idx="2">
+        <a:scrgbClr r="0" g="0" b="0"/>
+      </a:lnRef>
+      <a:fillRef idx="1">
+        <a:scrgbClr r="0" g="0" b="0"/>
+      </a:fillRef>
+      <a:effectRef idx="0">
+        <a:scrgbClr r="0" g="0" b="0"/>
+      </a:effectRef>
+      <a:fontRef idx="minor"/>
+    </dgm:style>
+  </dgm:styleLbl>
+  <dgm:styleLbl name="alignAccFollowNode1">
+    <dgm:scene3d>
+      <a:camera prst="orthographicFront"/>
+      <a:lightRig rig="threePt" dir="t"/>
+    </dgm:scene3d>
+    <dgm:sp3d/>
+    <dgm:txPr/>
+    <dgm:style>
+      <a:lnRef idx="2">
+        <a:scrgbClr r="0" g="0" b="0"/>
+      </a:lnRef>
+      <a:fillRef idx="1">
+        <a:scrgbClr r="0" g="0" b="0"/>
+      </a:fillRef>
+      <a:effectRef idx="0">
+        <a:scrgbClr r="0" g="0" b="0"/>
+      </a:effectRef>
+      <a:fontRef idx="minor"/>
+    </dgm:style>
+  </dgm:styleLbl>
+  <dgm:styleLbl name="bgAccFollowNode1">
+    <dgm:scene3d>
+      <a:camera prst="orthographicFront"/>
+      <a:lightRig rig="threePt" dir="t"/>
+    </dgm:scene3d>
+    <dgm:sp3d/>
+    <dgm:txPr/>
+    <dgm:style>
+      <a:lnRef idx="2">
+        <a:scrgbClr r="0" g="0" b="0"/>
+      </a:lnRef>
+      <a:fillRef idx="1">
+        <a:scrgbClr r="0" g="0" b="0"/>
+      </a:fillRef>
+      <a:effectRef idx="0">
+        <a:scrgbClr r="0" g="0" b="0"/>
+      </a:effectRef>
+      <a:fontRef idx="minor"/>
+    </dgm:style>
+  </dgm:styleLbl>
+  <dgm:styleLbl name="fgAcc0">
+    <dgm:scene3d>
+      <a:camera prst="orthographicFront"/>
+      <a:lightRig rig="threePt" dir="t"/>
+    </dgm:scene3d>
+    <dgm:sp3d/>
+    <dgm:txPr/>
+    <dgm:style>
+      <a:lnRef idx="2">
+        <a:scrgbClr r="0" g="0" b="0"/>
+      </a:lnRef>
+      <a:fillRef idx="1">
+        <a:scrgbClr r="0" g="0" b="0"/>
+      </a:fillRef>
+      <a:effectRef idx="0">
+        <a:scrgbClr r="0" g="0" b="0"/>
+      </a:effectRef>
+      <a:fontRef idx="minor"/>
+    </dgm:style>
+  </dgm:styleLbl>
+  <dgm:styleLbl name="fgAcc2">
+    <dgm:scene3d>
+      <a:camera prst="orthographicFront"/>
+      <a:lightRig rig="threePt" dir="t"/>
+    </dgm:scene3d>
+    <dgm:sp3d/>
+    <dgm:txPr/>
+    <dgm:style>
+      <a:lnRef idx="2">
+        <a:scrgbClr r="0" g="0" b="0"/>
+      </a:lnRef>
+      <a:fillRef idx="1">
+        <a:scrgbClr r="0" g="0" b="0"/>
+      </a:fillRef>
+      <a:effectRef idx="0">
+        <a:scrgbClr r="0" g="0" b="0"/>
+      </a:effectRef>
+      <a:fontRef idx="minor"/>
+    </dgm:style>
+  </dgm:styleLbl>
+  <dgm:styleLbl name="fgAcc3">
+    <dgm:scene3d>
+      <a:camera prst="orthographicFront"/>
+      <a:lightRig rig="threePt" dir="t"/>
+    </dgm:scene3d>
+    <dgm:sp3d/>
+    <dgm:txPr/>
+    <dgm:style>
+      <a:lnRef idx="2">
+        <a:scrgbClr r="0" g="0" b="0"/>
+      </a:lnRef>
+      <a:fillRef idx="1">
+        <a:scrgbClr r="0" g="0" b="0"/>
+      </a:fillRef>
+      <a:effectRef idx="0">
+        <a:scrgbClr r="0" g="0" b="0"/>
+      </a:effectRef>
+      <a:fontRef idx="minor"/>
+    </dgm:style>
+  </dgm:styleLbl>
+  <dgm:styleLbl name="fgAcc4">
+    <dgm:scene3d>
+      <a:camera prst="orthographicFront"/>
+      <a:lightRig rig="threePt" dir="t"/>
+    </dgm:scene3d>
+    <dgm:sp3d/>
+    <dgm:txPr/>
+    <dgm:style>
+      <a:lnRef idx="2">
+        <a:scrgbClr r="0" g="0" b="0"/>
+      </a:lnRef>
+      <a:fillRef idx="1">
+        <a:scrgbClr r="0" g="0" b="0"/>
+      </a:fillRef>
+      <a:effectRef idx="0">
+        <a:scrgbClr r="0" g="0" b="0"/>
+      </a:effectRef>
+      <a:fontRef idx="minor"/>
+    </dgm:style>
+  </dgm:styleLbl>
+  <dgm:styleLbl name="bgShp">
+    <dgm:scene3d>
+      <a:camera prst="orthographicFront"/>
+      <a:lightRig rig="threePt" dir="t"/>
+    </dgm:scene3d>
+    <dgm:sp3d/>
+    <dgm:txPr/>
+    <dgm:style>
+      <a:lnRef idx="0">
+        <a:scrgbClr r="0" g="0" b="0"/>
+      </a:lnRef>
+      <a:fillRef idx="1">
+        <a:scrgbClr r="0" g="0" b="0"/>
+      </a:fillRef>
+      <a:effectRef idx="0">
+        <a:scrgbClr r="0" g="0" b="0"/>
+      </a:effectRef>
+      <a:fontRef idx="minor"/>
+    </dgm:style>
+  </dgm:styleLbl>
+  <dgm:styleLbl name="dkBgShp">
+    <dgm:scene3d>
+      <a:camera prst="orthographicFront"/>
+      <a:lightRig rig="threePt" dir="t"/>
+    </dgm:scene3d>
+    <dgm:sp3d/>
+    <dgm:txPr/>
+    <dgm:style>
+      <a:lnRef idx="0">
+        <a:scrgbClr r="0" g="0" b="0"/>
+      </a:lnRef>
+      <a:fillRef idx="1">
+        <a:scrgbClr r="0" g="0" b="0"/>
+      </a:fillRef>
+      <a:effectRef idx="0">
+        <a:scrgbClr r="0" g="0" b="0"/>
+      </a:effectRef>
+      <a:fontRef idx="minor"/>
+    </dgm:style>
+  </dgm:styleLbl>
+  <dgm:styleLbl name="trBgShp">
+    <dgm:scene3d>
+      <a:camera prst="orthographicFront"/>
+      <a:lightRig rig="threePt" dir="t"/>
+    </dgm:scene3d>
+    <dgm:sp3d/>
+    <dgm:txPr/>
+    <dgm:style>
+      <a:lnRef idx="0">
+        <a:scrgbClr r="0" g="0" b="0"/>
+      </a:lnRef>
+      <a:fillRef idx="1">
+        <a:scrgbClr r="0" g="0" b="0"/>
+      </a:fillRef>
+      <a:effectRef idx="0">
+        <a:scrgbClr r="0" g="0" b="0"/>
+      </a:effectRef>
+      <a:fontRef idx="minor"/>
+    </dgm:style>
+  </dgm:styleLbl>
+  <dgm:styleLbl name="fgShp">
+    <dgm:scene3d>
+      <a:camera prst="orthographicFront"/>
+      <a:lightRig rig="threePt" dir="t"/>
+    </dgm:scene3d>
+    <dgm:sp3d/>
+    <dgm:txPr/>
+    <dgm:style>
+      <a:lnRef idx="2">
+        <a:scrgbClr r="0" g="0" b="0"/>
+      </a:lnRef>
+      <a:fillRef idx="1">
+        <a:scrgbClr r="0" g="0" b="0"/>
+      </a:fillRef>
+      <a:effectRef idx="0">
+        <a:scrgbClr r="0" g="0" b="0"/>
+      </a:effectRef>
+      <a:fontRef idx="minor"/>
+    </dgm:style>
+  </dgm:styleLbl>
+  <dgm:styleLbl name="revTx">
+    <dgm:scene3d>
+      <a:camera prst="orthographicFront"/>
+      <a:lightRig rig="threePt" dir="t"/>
+    </dgm:scene3d>
+    <dgm:sp3d/>
+    <dgm:txPr/>
+    <dgm:style>
+      <a:lnRef idx="0">
+        <a:scrgbClr r="0" g="0" b="0"/>
+      </a:lnRef>
+      <a:fillRef idx="0">
+        <a:scrgbClr r="0" g="0" b="0"/>
+      </a:fillRef>
+      <a:effectRef idx="0">
+        <a:scrgbClr r="0" g="0" b="0"/>
+      </a:effectRef>
+      <a:fontRef idx="minor"/>
+    </dgm:style>
+  </dgm:styleLbl>
+</dgm:styleDef>
+</file>
+
+<file path=ppt/diagrams/quickStyle2.xml><?xml version="1.0" encoding="utf-8"?>
 <dgm:styleDef xmlns:dgm="http://schemas.openxmlformats.org/drawingml/2006/diagram" xmlns:a="http://schemas.openxmlformats.org/drawingml/2006/main" uniqueId="urn:microsoft.com/office/officeart/2005/8/quickstyle/simple1">
   <dgm:title val=""/>
   <dgm:desc val=""/>
@@ -3948,7 +8248,7 @@
           <a:p>
             <a:fld id="{5B0F8300-5ADF-476D-9D83-D0A9D89B3544}" type="datetimeFigureOut">
               <a:rPr lang="en-US" smtClean="0"/>
-              <a:t>11/1/2022</a:t>
+              <a:t>11/2/2022</a:t>
             </a:fld>
             <a:endParaRPr lang="en-US"/>
           </a:p>
@@ -4446,7 +8746,7 @@
           <a:p>
             <a:fld id="{00A575C4-B465-4BE3-9035-C3BD64146F6E}" type="datetimeFigureOut">
               <a:rPr lang="en-US" smtClean="0"/>
-              <a:t>11/1/2022</a:t>
+              <a:t>11/2/2022</a:t>
             </a:fld>
             <a:endParaRPr lang="en-US"/>
           </a:p>
@@ -4644,7 +8944,7 @@
           <a:p>
             <a:fld id="{00A575C4-B465-4BE3-9035-C3BD64146F6E}" type="datetimeFigureOut">
               <a:rPr lang="en-US" smtClean="0"/>
-              <a:t>11/1/2022</a:t>
+              <a:t>11/2/2022</a:t>
             </a:fld>
             <a:endParaRPr lang="en-US"/>
           </a:p>
@@ -4852,7 +9152,7 @@
           <a:p>
             <a:fld id="{00A575C4-B465-4BE3-9035-C3BD64146F6E}" type="datetimeFigureOut">
               <a:rPr lang="en-US" smtClean="0"/>
-              <a:t>11/1/2022</a:t>
+              <a:t>11/2/2022</a:t>
             </a:fld>
             <a:endParaRPr lang="en-US"/>
           </a:p>
@@ -5050,7 +9350,7 @@
           <a:p>
             <a:fld id="{00A575C4-B465-4BE3-9035-C3BD64146F6E}" type="datetimeFigureOut">
               <a:rPr lang="en-US" smtClean="0"/>
-              <a:t>11/1/2022</a:t>
+              <a:t>11/2/2022</a:t>
             </a:fld>
             <a:endParaRPr lang="en-US"/>
           </a:p>
@@ -5325,7 +9625,7 @@
           <a:p>
             <a:fld id="{00A575C4-B465-4BE3-9035-C3BD64146F6E}" type="datetimeFigureOut">
               <a:rPr lang="en-US" smtClean="0"/>
-              <a:t>11/1/2022</a:t>
+              <a:t>11/2/2022</a:t>
             </a:fld>
             <a:endParaRPr lang="en-US"/>
           </a:p>
@@ -5590,7 +9890,7 @@
           <a:p>
             <a:fld id="{00A575C4-B465-4BE3-9035-C3BD64146F6E}" type="datetimeFigureOut">
               <a:rPr lang="en-US" smtClean="0"/>
-              <a:t>11/1/2022</a:t>
+              <a:t>11/2/2022</a:t>
             </a:fld>
             <a:endParaRPr lang="en-US"/>
           </a:p>
@@ -6002,7 +10302,7 @@
           <a:p>
             <a:fld id="{00A575C4-B465-4BE3-9035-C3BD64146F6E}" type="datetimeFigureOut">
               <a:rPr lang="en-US" smtClean="0"/>
-              <a:t>11/1/2022</a:t>
+              <a:t>11/2/2022</a:t>
             </a:fld>
             <a:endParaRPr lang="en-US"/>
           </a:p>
@@ -6143,7 +10443,7 @@
           <a:p>
             <a:fld id="{00A575C4-B465-4BE3-9035-C3BD64146F6E}" type="datetimeFigureOut">
               <a:rPr lang="en-US" smtClean="0"/>
-              <a:t>11/1/2022</a:t>
+              <a:t>11/2/2022</a:t>
             </a:fld>
             <a:endParaRPr lang="en-US"/>
           </a:p>
@@ -6256,7 +10556,7 @@
           <a:p>
             <a:fld id="{00A575C4-B465-4BE3-9035-C3BD64146F6E}" type="datetimeFigureOut">
               <a:rPr lang="en-US" smtClean="0"/>
-              <a:t>11/1/2022</a:t>
+              <a:t>11/2/2022</a:t>
             </a:fld>
             <a:endParaRPr lang="en-US"/>
           </a:p>
@@ -6567,7 +10867,7 @@
           <a:p>
             <a:fld id="{00A575C4-B465-4BE3-9035-C3BD64146F6E}" type="datetimeFigureOut">
               <a:rPr lang="en-US" smtClean="0"/>
-              <a:t>11/1/2022</a:t>
+              <a:t>11/2/2022</a:t>
             </a:fld>
             <a:endParaRPr lang="en-US"/>
           </a:p>
@@ -6855,7 +11155,7 @@
           <a:p>
             <a:fld id="{00A575C4-B465-4BE3-9035-C3BD64146F6E}" type="datetimeFigureOut">
               <a:rPr lang="en-US" smtClean="0"/>
-              <a:t>11/1/2022</a:t>
+              <a:t>11/2/2022</a:t>
             </a:fld>
             <a:endParaRPr lang="en-US"/>
           </a:p>
@@ -7096,7 +11396,7 @@
           <a:p>
             <a:fld id="{00A575C4-B465-4BE3-9035-C3BD64146F6E}" type="datetimeFigureOut">
               <a:rPr lang="en-US" smtClean="0"/>
-              <a:t>11/1/2022</a:t>
+              <a:t>11/2/2022</a:t>
             </a:fld>
             <a:endParaRPr lang="en-US"/>
           </a:p>
@@ -12476,6 +16776,125 @@
 </p:sld>
 </file>
 
+<file path=ppt/slides/slide7.xml><?xml version="1.0" encoding="utf-8"?>
+<p:sld xmlns:a="http://schemas.openxmlformats.org/drawingml/2006/main" xmlns:r="http://schemas.openxmlformats.org/officeDocument/2006/relationships" xmlns:p="http://schemas.openxmlformats.org/presentationml/2006/main">
+  <p:cSld>
+    <p:spTree>
+      <p:nvGrpSpPr>
+        <p:cNvPr id="1" name=""/>
+        <p:cNvGrpSpPr/>
+        <p:nvPr/>
+      </p:nvGrpSpPr>
+      <p:grpSpPr>
+        <a:xfrm>
+          <a:off x="0" y="0"/>
+          <a:ext cx="0" cy="0"/>
+          <a:chOff x="0" y="0"/>
+          <a:chExt cx="0" cy="0"/>
+        </a:xfrm>
+      </p:grpSpPr>
+      <p:grpSp>
+        <p:nvGrpSpPr>
+          <p:cNvPr id="7" name="Group 6">
+            <a:extLst>
+              <a:ext uri="{FF2B5EF4-FFF2-40B4-BE49-F238E27FC236}">
+                <a16:creationId xmlns:a16="http://schemas.microsoft.com/office/drawing/2014/main" id="{39CB653A-E763-20F3-A17C-34043A2464BA}"/>
+              </a:ext>
+            </a:extLst>
+          </p:cNvPr>
+          <p:cNvGrpSpPr/>
+          <p:nvPr/>
+        </p:nvGrpSpPr>
+        <p:grpSpPr>
+          <a:xfrm>
+            <a:off x="0" y="508398"/>
+            <a:ext cx="12192000" cy="6054478"/>
+            <a:chOff x="0" y="508398"/>
+            <a:chExt cx="12192000" cy="6054478"/>
+          </a:xfrm>
+        </p:grpSpPr>
+        <p:sp>
+          <p:nvSpPr>
+            <p:cNvPr id="4" name="TextBox 3">
+              <a:extLst>
+                <a:ext uri="{FF2B5EF4-FFF2-40B4-BE49-F238E27FC236}">
+                  <a16:creationId xmlns:a16="http://schemas.microsoft.com/office/drawing/2014/main" id="{8A0BE4ED-87E0-4FE5-8B81-DBC9AC182141}"/>
+                </a:ext>
+              </a:extLst>
+            </p:cNvPr>
+            <p:cNvSpPr txBox="1"/>
+            <p:nvPr/>
+          </p:nvSpPr>
+          <p:spPr>
+            <a:xfrm>
+              <a:off x="0" y="508398"/>
+              <a:ext cx="12192000" cy="461665"/>
+            </a:xfrm>
+            <a:prstGeom prst="rect">
+              <a:avLst/>
+            </a:prstGeom>
+            <a:solidFill>
+              <a:schemeClr val="bg2">
+                <a:lumMod val="90000"/>
+              </a:schemeClr>
+            </a:solidFill>
+          </p:spPr>
+          <p:txBody>
+            <a:bodyPr wrap="square" rtlCol="0">
+              <a:spAutoFit/>
+            </a:bodyPr>
+            <a:lstStyle/>
+            <a:p>
+              <a:pPr algn="ctr"/>
+              <a:r>
+                <a:rPr lang="en-US" sz="2400" b="1" dirty="0"/>
+                <a:t>The Business of Software Development</a:t>
+              </a:r>
+            </a:p>
+          </p:txBody>
+        </p:sp>
+        <p:graphicFrame>
+          <p:nvGraphicFramePr>
+            <p:cNvPr id="6" name="Diagram 5">
+              <a:extLst>
+                <a:ext uri="{FF2B5EF4-FFF2-40B4-BE49-F238E27FC236}">
+                  <a16:creationId xmlns:a16="http://schemas.microsoft.com/office/drawing/2014/main" id="{A8888C1B-EFF5-0778-8F61-C8C74DC048AB}"/>
+                </a:ext>
+              </a:extLst>
+            </p:cNvPr>
+            <p:cNvGraphicFramePr/>
+            <p:nvPr>
+              <p:extLst>
+                <p:ext uri="{D42A27DB-BD31-4B8C-83A1-F6EECF244321}">
+                  <p14:modId xmlns:p14="http://schemas.microsoft.com/office/powerpoint/2010/main" val="1704601483"/>
+                </p:ext>
+              </p:extLst>
+            </p:nvPr>
+          </p:nvGraphicFramePr>
+          <p:xfrm>
+            <a:off x="2032000" y="1144209"/>
+            <a:ext cx="8128000" cy="5418667"/>
+          </p:xfrm>
+          <a:graphic>
+            <a:graphicData uri="http://schemas.openxmlformats.org/drawingml/2006/diagram">
+              <dgm:relIds xmlns:dgm="http://schemas.openxmlformats.org/drawingml/2006/diagram" xmlns:r="http://schemas.openxmlformats.org/officeDocument/2006/relationships" r:dm="rId2" r:lo="rId3" r:qs="rId4" r:cs="rId5"/>
+            </a:graphicData>
+          </a:graphic>
+        </p:graphicFrame>
+      </p:grpSp>
+    </p:spTree>
+    <p:extLst>
+      <p:ext uri="{BB962C8B-B14F-4D97-AF65-F5344CB8AC3E}">
+        <p14:creationId xmlns:p14="http://schemas.microsoft.com/office/powerpoint/2010/main" val="4285935557"/>
+      </p:ext>
+    </p:extLst>
+  </p:cSld>
+  <p:clrMapOvr>
+    <a:masterClrMapping/>
+  </p:clrMapOvr>
+</p:sld>
+</file>
+
 <file path=ppt/theme/theme1.xml><?xml version="1.0" encoding="utf-8"?>
 <a:theme xmlns:a="http://schemas.openxmlformats.org/drawingml/2006/main" name="Office Theme">
   <a:themeElements>
